--- a/Presentation.pptx
+++ b/Presentation.pptx
@@ -6,12 +6,28 @@
   </p:sldMasterIdLst>
   <p:sldIdLst>
     <p:sldId id="256" r:id="rId2"/>
-    <p:sldId id="257" r:id="rId3"/>
-    <p:sldId id="259" r:id="rId4"/>
-    <p:sldId id="258" r:id="rId5"/>
-    <p:sldId id="260" r:id="rId6"/>
-    <p:sldId id="261" r:id="rId7"/>
-    <p:sldId id="262" r:id="rId8"/>
+    <p:sldId id="263" r:id="rId3"/>
+    <p:sldId id="257" r:id="rId4"/>
+    <p:sldId id="264" r:id="rId5"/>
+    <p:sldId id="265" r:id="rId6"/>
+    <p:sldId id="259" r:id="rId7"/>
+    <p:sldId id="258" r:id="rId8"/>
+    <p:sldId id="267" r:id="rId9"/>
+    <p:sldId id="266" r:id="rId10"/>
+    <p:sldId id="269" r:id="rId11"/>
+    <p:sldId id="260" r:id="rId12"/>
+    <p:sldId id="270" r:id="rId13"/>
+    <p:sldId id="272" r:id="rId14"/>
+    <p:sldId id="273" r:id="rId15"/>
+    <p:sldId id="274" r:id="rId16"/>
+    <p:sldId id="275" r:id="rId17"/>
+    <p:sldId id="261" r:id="rId18"/>
+    <p:sldId id="271" r:id="rId19"/>
+    <p:sldId id="277" r:id="rId20"/>
+    <p:sldId id="278" r:id="rId21"/>
+    <p:sldId id="279" r:id="rId22"/>
+    <p:sldId id="280" r:id="rId23"/>
+    <p:sldId id="262" r:id="rId24"/>
   </p:sldIdLst>
   <p:sldSz cx="12192000" cy="6858000"/>
   <p:notesSz cx="6858000" cy="9144000"/>
@@ -249,7 +265,7 @@
           <a:p>
             <a:fld id="{31D0073F-64D9-41C6-AFCE-2DD7C5A9D9FB}" type="datetimeFigureOut">
               <a:rPr lang="en-US" smtClean="0"/>
-              <a:t>2/26/2015</a:t>
+              <a:t>2/27/2015</a:t>
             </a:fld>
             <a:endParaRPr lang="en-US"/>
           </a:p>
@@ -419,7 +435,7 @@
           <a:p>
             <a:fld id="{31D0073F-64D9-41C6-AFCE-2DD7C5A9D9FB}" type="datetimeFigureOut">
               <a:rPr lang="en-US" smtClean="0"/>
-              <a:t>2/26/2015</a:t>
+              <a:t>2/27/2015</a:t>
             </a:fld>
             <a:endParaRPr lang="en-US"/>
           </a:p>
@@ -599,7 +615,7 @@
           <a:p>
             <a:fld id="{31D0073F-64D9-41C6-AFCE-2DD7C5A9D9FB}" type="datetimeFigureOut">
               <a:rPr lang="en-US" smtClean="0"/>
-              <a:t>2/26/2015</a:t>
+              <a:t>2/27/2015</a:t>
             </a:fld>
             <a:endParaRPr lang="en-US"/>
           </a:p>
@@ -769,7 +785,7 @@
           <a:p>
             <a:fld id="{31D0073F-64D9-41C6-AFCE-2DD7C5A9D9FB}" type="datetimeFigureOut">
               <a:rPr lang="en-US" smtClean="0"/>
-              <a:t>2/26/2015</a:t>
+              <a:t>2/27/2015</a:t>
             </a:fld>
             <a:endParaRPr lang="en-US"/>
           </a:p>
@@ -1015,7 +1031,7 @@
           <a:p>
             <a:fld id="{31D0073F-64D9-41C6-AFCE-2DD7C5A9D9FB}" type="datetimeFigureOut">
               <a:rPr lang="en-US" smtClean="0"/>
-              <a:t>2/26/2015</a:t>
+              <a:t>2/27/2015</a:t>
             </a:fld>
             <a:endParaRPr lang="en-US"/>
           </a:p>
@@ -1247,7 +1263,7 @@
           <a:p>
             <a:fld id="{31D0073F-64D9-41C6-AFCE-2DD7C5A9D9FB}" type="datetimeFigureOut">
               <a:rPr lang="en-US" smtClean="0"/>
-              <a:t>2/26/2015</a:t>
+              <a:t>2/27/2015</a:t>
             </a:fld>
             <a:endParaRPr lang="en-US"/>
           </a:p>
@@ -1614,7 +1630,7 @@
           <a:p>
             <a:fld id="{31D0073F-64D9-41C6-AFCE-2DD7C5A9D9FB}" type="datetimeFigureOut">
               <a:rPr lang="en-US" smtClean="0"/>
-              <a:t>2/26/2015</a:t>
+              <a:t>2/27/2015</a:t>
             </a:fld>
             <a:endParaRPr lang="en-US"/>
           </a:p>
@@ -1732,7 +1748,7 @@
           <a:p>
             <a:fld id="{31D0073F-64D9-41C6-AFCE-2DD7C5A9D9FB}" type="datetimeFigureOut">
               <a:rPr lang="en-US" smtClean="0"/>
-              <a:t>2/26/2015</a:t>
+              <a:t>2/27/2015</a:t>
             </a:fld>
             <a:endParaRPr lang="en-US"/>
           </a:p>
@@ -1827,7 +1843,7 @@
           <a:p>
             <a:fld id="{31D0073F-64D9-41C6-AFCE-2DD7C5A9D9FB}" type="datetimeFigureOut">
               <a:rPr lang="en-US" smtClean="0"/>
-              <a:t>2/26/2015</a:t>
+              <a:t>2/27/2015</a:t>
             </a:fld>
             <a:endParaRPr lang="en-US"/>
           </a:p>
@@ -2104,7 +2120,7 @@
           <a:p>
             <a:fld id="{31D0073F-64D9-41C6-AFCE-2DD7C5A9D9FB}" type="datetimeFigureOut">
               <a:rPr lang="en-US" smtClean="0"/>
-              <a:t>2/26/2015</a:t>
+              <a:t>2/27/2015</a:t>
             </a:fld>
             <a:endParaRPr lang="en-US"/>
           </a:p>
@@ -2357,7 +2373,7 @@
           <a:p>
             <a:fld id="{31D0073F-64D9-41C6-AFCE-2DD7C5A9D9FB}" type="datetimeFigureOut">
               <a:rPr lang="en-US" smtClean="0"/>
-              <a:t>2/26/2015</a:t>
+              <a:t>2/27/2015</a:t>
             </a:fld>
             <a:endParaRPr lang="en-US"/>
           </a:p>
@@ -2570,7 +2586,7 @@
           <a:p>
             <a:fld id="{31D0073F-64D9-41C6-AFCE-2DD7C5A9D9FB}" type="datetimeFigureOut">
               <a:rPr lang="en-US" smtClean="0"/>
-              <a:t>2/26/2015</a:t>
+              <a:t>2/27/2015</a:t>
             </a:fld>
             <a:endParaRPr lang="en-US"/>
           </a:p>
@@ -3045,6 +3061,1219 @@
 </p:sld>
 </file>
 
+<file path=ppt/slides/slide10.xml><?xml version="1.0" encoding="utf-8"?>
+<p:sld xmlns:a="http://schemas.openxmlformats.org/drawingml/2006/main" xmlns:r="http://schemas.openxmlformats.org/officeDocument/2006/relationships" xmlns:p="http://schemas.openxmlformats.org/presentationml/2006/main">
+  <p:cSld>
+    <p:spTree>
+      <p:nvGrpSpPr>
+        <p:cNvPr id="1" name=""/>
+        <p:cNvGrpSpPr/>
+        <p:nvPr/>
+      </p:nvGrpSpPr>
+      <p:grpSpPr>
+        <a:xfrm>
+          <a:off x="0" y="0"/>
+          <a:ext cx="0" cy="0"/>
+          <a:chOff x="0" y="0"/>
+          <a:chExt cx="0" cy="0"/>
+        </a:xfrm>
+      </p:grpSpPr>
+      <p:sp>
+        <p:nvSpPr>
+          <p:cNvPr id="7" name="Title 6"/>
+          <p:cNvSpPr>
+            <a:spLocks noGrp="1"/>
+          </p:cNvSpPr>
+          <p:nvPr>
+            <p:ph type="title"/>
+          </p:nvPr>
+        </p:nvSpPr>
+        <p:spPr/>
+        <p:txBody>
+          <a:bodyPr/>
+          <a:lstStyle/>
+          <a:p>
+            <a:r>
+              <a:rPr lang="en-US" dirty="0" smtClean="0"/>
+              <a:t>General Process</a:t>
+            </a:r>
+            <a:endParaRPr lang="en-US" dirty="0"/>
+          </a:p>
+        </p:txBody>
+      </p:sp>
+      <p:sp>
+        <p:nvSpPr>
+          <p:cNvPr id="26" name="Rectangle 25"/>
+          <p:cNvSpPr/>
+          <p:nvPr/>
+        </p:nvSpPr>
+        <p:spPr>
+          <a:xfrm>
+            <a:off x="7694142" y="3224510"/>
+            <a:ext cx="2290118" cy="997988"/>
+          </a:xfrm>
+          <a:prstGeom prst="rect">
+            <a:avLst/>
+          </a:prstGeom>
+        </p:spPr>
+        <p:style>
+          <a:lnRef idx="2">
+            <a:schemeClr val="accent1">
+              <a:shade val="50000"/>
+            </a:schemeClr>
+          </a:lnRef>
+          <a:fillRef idx="1">
+            <a:schemeClr val="accent1"/>
+          </a:fillRef>
+          <a:effectRef idx="0">
+            <a:schemeClr val="accent1"/>
+          </a:effectRef>
+          <a:fontRef idx="minor">
+            <a:schemeClr val="lt1"/>
+          </a:fontRef>
+        </p:style>
+        <p:txBody>
+          <a:bodyPr rtlCol="0" anchor="ctr"/>
+          <a:lstStyle/>
+          <a:p>
+            <a:pPr algn="ctr"/>
+            <a:r>
+              <a:rPr lang="en-US" dirty="0" smtClean="0"/>
+              <a:t>Tracer Usage</a:t>
+            </a:r>
+            <a:endParaRPr lang="en-US" dirty="0"/>
+          </a:p>
+        </p:txBody>
+      </p:sp>
+      <p:sp>
+        <p:nvSpPr>
+          <p:cNvPr id="28" name="Rectangle 27"/>
+          <p:cNvSpPr/>
+          <p:nvPr/>
+        </p:nvSpPr>
+        <p:spPr>
+          <a:xfrm>
+            <a:off x="838200" y="1783587"/>
+            <a:ext cx="3122140" cy="1039363"/>
+          </a:xfrm>
+          <a:prstGeom prst="rect">
+            <a:avLst/>
+          </a:prstGeom>
+        </p:spPr>
+        <p:style>
+          <a:lnRef idx="2">
+            <a:schemeClr val="accent1">
+              <a:shade val="50000"/>
+            </a:schemeClr>
+          </a:lnRef>
+          <a:fillRef idx="1">
+            <a:schemeClr val="accent1"/>
+          </a:fillRef>
+          <a:effectRef idx="0">
+            <a:schemeClr val="accent1"/>
+          </a:effectRef>
+          <a:fontRef idx="minor">
+            <a:schemeClr val="lt1"/>
+          </a:fontRef>
+        </p:style>
+        <p:txBody>
+          <a:bodyPr rtlCol="0" anchor="ctr"/>
+          <a:lstStyle/>
+          <a:p>
+            <a:pPr algn="ctr"/>
+            <a:r>
+              <a:rPr lang="en-US" dirty="0" smtClean="0"/>
+              <a:t>Batch and Transport Experiments</a:t>
+            </a:r>
+            <a:endParaRPr lang="en-US" dirty="0"/>
+          </a:p>
+        </p:txBody>
+      </p:sp>
+      <p:sp>
+        <p:nvSpPr>
+          <p:cNvPr id="30" name="Rectangle 29"/>
+          <p:cNvSpPr/>
+          <p:nvPr/>
+        </p:nvSpPr>
+        <p:spPr>
+          <a:xfrm>
+            <a:off x="838200" y="4624057"/>
+            <a:ext cx="3122140" cy="1039363"/>
+          </a:xfrm>
+          <a:prstGeom prst="rect">
+            <a:avLst/>
+          </a:prstGeom>
+        </p:spPr>
+        <p:style>
+          <a:lnRef idx="2">
+            <a:schemeClr val="accent1">
+              <a:shade val="50000"/>
+            </a:schemeClr>
+          </a:lnRef>
+          <a:fillRef idx="1">
+            <a:schemeClr val="accent1"/>
+          </a:fillRef>
+          <a:effectRef idx="0">
+            <a:schemeClr val="accent1"/>
+          </a:effectRef>
+          <a:fontRef idx="minor">
+            <a:schemeClr val="lt1"/>
+          </a:fontRef>
+        </p:style>
+        <p:txBody>
+          <a:bodyPr rtlCol="0" anchor="ctr"/>
+          <a:lstStyle/>
+          <a:p>
+            <a:pPr algn="ctr"/>
+            <a:r>
+              <a:rPr lang="en-US" dirty="0" smtClean="0"/>
+              <a:t>Field Scale Experiments</a:t>
+            </a:r>
+            <a:endParaRPr lang="en-US" dirty="0"/>
+          </a:p>
+        </p:txBody>
+      </p:sp>
+      <p:sp>
+        <p:nvSpPr>
+          <p:cNvPr id="31" name="Rectangle 30"/>
+          <p:cNvSpPr/>
+          <p:nvPr/>
+        </p:nvSpPr>
+        <p:spPr>
+          <a:xfrm>
+            <a:off x="2776153" y="3203822"/>
+            <a:ext cx="3122140" cy="1039363"/>
+          </a:xfrm>
+          <a:prstGeom prst="rect">
+            <a:avLst/>
+          </a:prstGeom>
+        </p:spPr>
+        <p:style>
+          <a:lnRef idx="2">
+            <a:schemeClr val="accent1">
+              <a:shade val="50000"/>
+            </a:schemeClr>
+          </a:lnRef>
+          <a:fillRef idx="1">
+            <a:schemeClr val="accent1"/>
+          </a:fillRef>
+          <a:effectRef idx="0">
+            <a:schemeClr val="accent1"/>
+          </a:effectRef>
+          <a:fontRef idx="minor">
+            <a:schemeClr val="lt1"/>
+          </a:fontRef>
+        </p:style>
+        <p:txBody>
+          <a:bodyPr rtlCol="0" anchor="ctr"/>
+          <a:lstStyle/>
+          <a:p>
+            <a:pPr algn="ctr"/>
+            <a:r>
+              <a:rPr lang="en-US" dirty="0" smtClean="0"/>
+              <a:t>Groundwater modeling</a:t>
+            </a:r>
+            <a:endParaRPr lang="en-US" dirty="0"/>
+          </a:p>
+        </p:txBody>
+      </p:sp>
+      <p:cxnSp>
+        <p:nvCxnSpPr>
+          <p:cNvPr id="35" name="Elbow Connector 34"/>
+          <p:cNvCxnSpPr>
+            <a:stCxn id="28" idx="3"/>
+            <a:endCxn id="31" idx="0"/>
+          </p:cNvCxnSpPr>
+          <p:nvPr/>
+        </p:nvCxnSpPr>
+        <p:spPr>
+          <a:xfrm>
+            <a:off x="3960340" y="2303269"/>
+            <a:ext cx="376883" cy="900553"/>
+          </a:xfrm>
+          <a:prstGeom prst="bentConnector2">
+            <a:avLst/>
+          </a:prstGeom>
+          <a:ln w="28575">
+            <a:solidFill>
+              <a:schemeClr val="tx1"/>
+            </a:solidFill>
+            <a:tailEnd type="triangle"/>
+          </a:ln>
+        </p:spPr>
+        <p:style>
+          <a:lnRef idx="1">
+            <a:schemeClr val="accent1"/>
+          </a:lnRef>
+          <a:fillRef idx="0">
+            <a:schemeClr val="accent1"/>
+          </a:fillRef>
+          <a:effectRef idx="0">
+            <a:schemeClr val="accent1"/>
+          </a:effectRef>
+          <a:fontRef idx="minor">
+            <a:schemeClr val="tx1"/>
+          </a:fontRef>
+        </p:style>
+      </p:cxnSp>
+      <p:cxnSp>
+        <p:nvCxnSpPr>
+          <p:cNvPr id="37" name="Elbow Connector 36"/>
+          <p:cNvCxnSpPr>
+            <a:stCxn id="30" idx="3"/>
+            <a:endCxn id="31" idx="2"/>
+          </p:cNvCxnSpPr>
+          <p:nvPr/>
+        </p:nvCxnSpPr>
+        <p:spPr>
+          <a:xfrm flipV="1">
+            <a:off x="3960340" y="4243185"/>
+            <a:ext cx="376883" cy="900554"/>
+          </a:xfrm>
+          <a:prstGeom prst="bentConnector2">
+            <a:avLst/>
+          </a:prstGeom>
+          <a:ln w="28575">
+            <a:solidFill>
+              <a:schemeClr val="tx1"/>
+            </a:solidFill>
+            <a:tailEnd type="triangle"/>
+          </a:ln>
+        </p:spPr>
+        <p:style>
+          <a:lnRef idx="1">
+            <a:schemeClr val="accent1"/>
+          </a:lnRef>
+          <a:fillRef idx="0">
+            <a:schemeClr val="accent1"/>
+          </a:fillRef>
+          <a:effectRef idx="0">
+            <a:schemeClr val="accent1"/>
+          </a:effectRef>
+          <a:fontRef idx="minor">
+            <a:schemeClr val="tx1"/>
+          </a:fontRef>
+        </p:style>
+      </p:cxnSp>
+      <p:cxnSp>
+        <p:nvCxnSpPr>
+          <p:cNvPr id="43" name="Straight Arrow Connector 42"/>
+          <p:cNvCxnSpPr>
+            <a:stCxn id="31" idx="3"/>
+            <a:endCxn id="26" idx="1"/>
+          </p:cNvCxnSpPr>
+          <p:nvPr/>
+        </p:nvCxnSpPr>
+        <p:spPr>
+          <a:xfrm>
+            <a:off x="5898293" y="3723504"/>
+            <a:ext cx="1795849" cy="0"/>
+          </a:xfrm>
+          <a:prstGeom prst="straightConnector1">
+            <a:avLst/>
+          </a:prstGeom>
+          <a:ln w="28575">
+            <a:solidFill>
+              <a:schemeClr val="tx1"/>
+            </a:solidFill>
+            <a:tailEnd type="triangle"/>
+          </a:ln>
+        </p:spPr>
+        <p:style>
+          <a:lnRef idx="1">
+            <a:schemeClr val="accent1"/>
+          </a:lnRef>
+          <a:fillRef idx="0">
+            <a:schemeClr val="accent1"/>
+          </a:fillRef>
+          <a:effectRef idx="0">
+            <a:schemeClr val="accent1"/>
+          </a:effectRef>
+          <a:fontRef idx="minor">
+            <a:schemeClr val="tx1"/>
+          </a:fontRef>
+        </p:style>
+      </p:cxnSp>
+      <p:cxnSp>
+        <p:nvCxnSpPr>
+          <p:cNvPr id="55" name="Elbow Connector 54"/>
+          <p:cNvCxnSpPr>
+            <a:stCxn id="28" idx="3"/>
+          </p:cNvCxnSpPr>
+          <p:nvPr/>
+        </p:nvCxnSpPr>
+        <p:spPr>
+          <a:xfrm>
+            <a:off x="3960340" y="2303269"/>
+            <a:ext cx="2918255" cy="1420234"/>
+          </a:xfrm>
+          <a:prstGeom prst="bentConnector3">
+            <a:avLst>
+              <a:gd name="adj1" fmla="val 99965"/>
+            </a:avLst>
+          </a:prstGeom>
+          <a:ln w="28575">
+            <a:solidFill>
+              <a:schemeClr val="tx1"/>
+            </a:solidFill>
+            <a:tailEnd type="triangle"/>
+          </a:ln>
+        </p:spPr>
+        <p:style>
+          <a:lnRef idx="1">
+            <a:schemeClr val="accent1"/>
+          </a:lnRef>
+          <a:fillRef idx="0">
+            <a:schemeClr val="accent1"/>
+          </a:fillRef>
+          <a:effectRef idx="0">
+            <a:schemeClr val="accent1"/>
+          </a:effectRef>
+          <a:fontRef idx="minor">
+            <a:schemeClr val="tx1"/>
+          </a:fontRef>
+        </p:style>
+      </p:cxnSp>
+      <p:cxnSp>
+        <p:nvCxnSpPr>
+          <p:cNvPr id="59" name="Elbow Connector 58"/>
+          <p:cNvCxnSpPr>
+            <a:stCxn id="30" idx="3"/>
+          </p:cNvCxnSpPr>
+          <p:nvPr/>
+        </p:nvCxnSpPr>
+        <p:spPr>
+          <a:xfrm flipV="1">
+            <a:off x="3960340" y="3723503"/>
+            <a:ext cx="2918255" cy="1420236"/>
+          </a:xfrm>
+          <a:prstGeom prst="bentConnector3">
+            <a:avLst>
+              <a:gd name="adj1" fmla="val 99965"/>
+            </a:avLst>
+          </a:prstGeom>
+          <a:ln w="28575">
+            <a:solidFill>
+              <a:schemeClr val="tx1"/>
+            </a:solidFill>
+            <a:tailEnd type="triangle"/>
+          </a:ln>
+        </p:spPr>
+        <p:style>
+          <a:lnRef idx="1">
+            <a:schemeClr val="accent1"/>
+          </a:lnRef>
+          <a:fillRef idx="0">
+            <a:schemeClr val="accent1"/>
+          </a:fillRef>
+          <a:effectRef idx="0">
+            <a:schemeClr val="accent1"/>
+          </a:effectRef>
+          <a:fontRef idx="minor">
+            <a:schemeClr val="tx1"/>
+          </a:fontRef>
+        </p:style>
+      </p:cxnSp>
+    </p:spTree>
+    <p:extLst>
+      <p:ext uri="{BB962C8B-B14F-4D97-AF65-F5344CB8AC3E}">
+        <p14:creationId xmlns:p14="http://schemas.microsoft.com/office/powerpoint/2010/main" val="1222458561"/>
+      </p:ext>
+    </p:extLst>
+  </p:cSld>
+  <p:clrMapOvr>
+    <a:masterClrMapping/>
+  </p:clrMapOvr>
+</p:sld>
+</file>
+
+<file path=ppt/slides/slide11.xml><?xml version="1.0" encoding="utf-8"?>
+<p:sld xmlns:a="http://schemas.openxmlformats.org/drawingml/2006/main" xmlns:r="http://schemas.openxmlformats.org/officeDocument/2006/relationships" xmlns:p="http://schemas.openxmlformats.org/presentationml/2006/main">
+  <p:cSld>
+    <p:spTree>
+      <p:nvGrpSpPr>
+        <p:cNvPr id="1" name=""/>
+        <p:cNvGrpSpPr/>
+        <p:nvPr/>
+      </p:nvGrpSpPr>
+      <p:grpSpPr>
+        <a:xfrm>
+          <a:off x="0" y="0"/>
+          <a:ext cx="0" cy="0"/>
+          <a:chOff x="0" y="0"/>
+          <a:chExt cx="0" cy="0"/>
+        </a:xfrm>
+      </p:grpSpPr>
+      <p:sp>
+        <p:nvSpPr>
+          <p:cNvPr id="2" name="Title 1"/>
+          <p:cNvSpPr>
+            <a:spLocks noGrp="1"/>
+          </p:cNvSpPr>
+          <p:nvPr>
+            <p:ph type="title"/>
+          </p:nvPr>
+        </p:nvSpPr>
+        <p:spPr/>
+        <p:txBody>
+          <a:bodyPr/>
+          <a:lstStyle/>
+          <a:p>
+            <a:r>
+              <a:rPr lang="en-US" dirty="0" smtClean="0"/>
+              <a:t>Radium</a:t>
+            </a:r>
+            <a:endParaRPr lang="en-US" dirty="0"/>
+          </a:p>
+        </p:txBody>
+      </p:sp>
+      <p:sp>
+        <p:nvSpPr>
+          <p:cNvPr id="3" name="Text Placeholder 2"/>
+          <p:cNvSpPr>
+            <a:spLocks noGrp="1"/>
+          </p:cNvSpPr>
+          <p:nvPr>
+            <p:ph type="body" idx="1"/>
+          </p:nvPr>
+        </p:nvSpPr>
+        <p:spPr/>
+        <p:txBody>
+          <a:bodyPr/>
+          <a:lstStyle/>
+          <a:p>
+            <a:endParaRPr lang="en-US" dirty="0"/>
+          </a:p>
+        </p:txBody>
+      </p:sp>
+    </p:spTree>
+    <p:extLst>
+      <p:ext uri="{BB962C8B-B14F-4D97-AF65-F5344CB8AC3E}">
+        <p14:creationId xmlns:p14="http://schemas.microsoft.com/office/powerpoint/2010/main" val="1392598127"/>
+      </p:ext>
+    </p:extLst>
+  </p:cSld>
+  <p:clrMapOvr>
+    <a:masterClrMapping/>
+  </p:clrMapOvr>
+</p:sld>
+</file>
+
+<file path=ppt/slides/slide12.xml><?xml version="1.0" encoding="utf-8"?>
+<p:sld xmlns:a="http://schemas.openxmlformats.org/drawingml/2006/main" xmlns:r="http://schemas.openxmlformats.org/officeDocument/2006/relationships" xmlns:p="http://schemas.openxmlformats.org/presentationml/2006/main">
+  <p:cSld>
+    <p:spTree>
+      <p:nvGrpSpPr>
+        <p:cNvPr id="1" name=""/>
+        <p:cNvGrpSpPr/>
+        <p:nvPr/>
+      </p:nvGrpSpPr>
+      <p:grpSpPr>
+        <a:xfrm>
+          <a:off x="0" y="0"/>
+          <a:ext cx="0" cy="0"/>
+          <a:chOff x="0" y="0"/>
+          <a:chExt cx="0" cy="0"/>
+        </a:xfrm>
+      </p:grpSpPr>
+      <p:sp>
+        <p:nvSpPr>
+          <p:cNvPr id="4" name="Title 3"/>
+          <p:cNvSpPr>
+            <a:spLocks noGrp="1"/>
+          </p:cNvSpPr>
+          <p:nvPr>
+            <p:ph type="title"/>
+          </p:nvPr>
+        </p:nvSpPr>
+        <p:spPr/>
+        <p:txBody>
+          <a:bodyPr/>
+          <a:lstStyle/>
+          <a:p>
+            <a:r>
+              <a:rPr lang="en-US" dirty="0" smtClean="0"/>
+              <a:t>Radium Cycling</a:t>
+            </a:r>
+            <a:endParaRPr lang="en-US" dirty="0"/>
+          </a:p>
+        </p:txBody>
+      </p:sp>
+      <p:sp>
+        <p:nvSpPr>
+          <p:cNvPr id="5" name="Content Placeholder 4"/>
+          <p:cNvSpPr>
+            <a:spLocks noGrp="1"/>
+          </p:cNvSpPr>
+          <p:nvPr>
+            <p:ph idx="1"/>
+          </p:nvPr>
+        </p:nvSpPr>
+        <p:spPr/>
+        <p:txBody>
+          <a:bodyPr/>
+          <a:lstStyle/>
+          <a:p>
+            <a:r>
+              <a:rPr lang="en-US" dirty="0" smtClean="0"/>
+              <a:t>MAKE A CARTOON</a:t>
+            </a:r>
+          </a:p>
+        </p:txBody>
+      </p:sp>
+    </p:spTree>
+    <p:extLst>
+      <p:ext uri="{BB962C8B-B14F-4D97-AF65-F5344CB8AC3E}">
+        <p14:creationId xmlns:p14="http://schemas.microsoft.com/office/powerpoint/2010/main" val="2382742584"/>
+      </p:ext>
+    </p:extLst>
+  </p:cSld>
+  <p:clrMapOvr>
+    <a:masterClrMapping/>
+  </p:clrMapOvr>
+</p:sld>
+</file>
+
+<file path=ppt/slides/slide13.xml><?xml version="1.0" encoding="utf-8"?>
+<p:sld xmlns:a="http://schemas.openxmlformats.org/drawingml/2006/main" xmlns:r="http://schemas.openxmlformats.org/officeDocument/2006/relationships" xmlns:p="http://schemas.openxmlformats.org/presentationml/2006/main">
+  <p:cSld>
+    <p:spTree>
+      <p:nvGrpSpPr>
+        <p:cNvPr id="1" name=""/>
+        <p:cNvGrpSpPr/>
+        <p:nvPr/>
+      </p:nvGrpSpPr>
+      <p:grpSpPr>
+        <a:xfrm>
+          <a:off x="0" y="0"/>
+          <a:ext cx="0" cy="0"/>
+          <a:chOff x="0" y="0"/>
+          <a:chExt cx="0" cy="0"/>
+        </a:xfrm>
+      </p:grpSpPr>
+      <p:sp>
+        <p:nvSpPr>
+          <p:cNvPr id="2" name="Title 1"/>
+          <p:cNvSpPr>
+            <a:spLocks noGrp="1"/>
+          </p:cNvSpPr>
+          <p:nvPr>
+            <p:ph type="title"/>
+          </p:nvPr>
+        </p:nvSpPr>
+        <p:spPr/>
+        <p:txBody>
+          <a:bodyPr/>
+          <a:lstStyle/>
+          <a:p>
+            <a:r>
+              <a:rPr lang="en-US" dirty="0" smtClean="0"/>
+              <a:t>Transport properties…</a:t>
+            </a:r>
+            <a:endParaRPr lang="en-US" dirty="0"/>
+          </a:p>
+        </p:txBody>
+      </p:sp>
+      <p:sp>
+        <p:nvSpPr>
+          <p:cNvPr id="3" name="Content Placeholder 2"/>
+          <p:cNvSpPr>
+            <a:spLocks noGrp="1"/>
+          </p:cNvSpPr>
+          <p:nvPr>
+            <p:ph idx="1"/>
+          </p:nvPr>
+        </p:nvSpPr>
+        <p:spPr/>
+        <p:txBody>
+          <a:bodyPr/>
+          <a:lstStyle/>
+          <a:p>
+            <a:r>
+              <a:rPr lang="en-US" dirty="0" smtClean="0"/>
+              <a:t>IMAGE OF RADIUM SORPTION PROPERTIES FOR QUARTZ SAND</a:t>
+            </a:r>
+            <a:endParaRPr lang="en-US" dirty="0"/>
+          </a:p>
+        </p:txBody>
+      </p:sp>
+    </p:spTree>
+    <p:extLst>
+      <p:ext uri="{BB962C8B-B14F-4D97-AF65-F5344CB8AC3E}">
+        <p14:creationId xmlns:p14="http://schemas.microsoft.com/office/powerpoint/2010/main" val="1706735475"/>
+      </p:ext>
+    </p:extLst>
+  </p:cSld>
+  <p:clrMapOvr>
+    <a:masterClrMapping/>
+  </p:clrMapOvr>
+</p:sld>
+</file>
+
+<file path=ppt/slides/slide14.xml><?xml version="1.0" encoding="utf-8"?>
+<p:sld xmlns:a="http://schemas.openxmlformats.org/drawingml/2006/main" xmlns:r="http://schemas.openxmlformats.org/officeDocument/2006/relationships" xmlns:p="http://schemas.openxmlformats.org/presentationml/2006/main">
+  <p:cSld>
+    <p:spTree>
+      <p:nvGrpSpPr>
+        <p:cNvPr id="1" name=""/>
+        <p:cNvGrpSpPr/>
+        <p:nvPr/>
+      </p:nvGrpSpPr>
+      <p:grpSpPr>
+        <a:xfrm>
+          <a:off x="0" y="0"/>
+          <a:ext cx="0" cy="0"/>
+          <a:chOff x="0" y="0"/>
+          <a:chExt cx="0" cy="0"/>
+        </a:xfrm>
+      </p:grpSpPr>
+      <p:sp>
+        <p:nvSpPr>
+          <p:cNvPr id="2" name="Title 1"/>
+          <p:cNvSpPr>
+            <a:spLocks noGrp="1"/>
+          </p:cNvSpPr>
+          <p:nvPr>
+            <p:ph type="title"/>
+          </p:nvPr>
+        </p:nvSpPr>
+        <p:spPr/>
+        <p:txBody>
+          <a:bodyPr/>
+          <a:lstStyle/>
+          <a:p>
+            <a:r>
+              <a:rPr lang="en-US" dirty="0" smtClean="0"/>
+              <a:t>Lab experiments</a:t>
+            </a:r>
+            <a:endParaRPr lang="en-US" dirty="0"/>
+          </a:p>
+        </p:txBody>
+      </p:sp>
+      <p:sp>
+        <p:nvSpPr>
+          <p:cNvPr id="3" name="Content Placeholder 2"/>
+          <p:cNvSpPr>
+            <a:spLocks noGrp="1"/>
+          </p:cNvSpPr>
+          <p:nvPr>
+            <p:ph idx="1"/>
+          </p:nvPr>
+        </p:nvSpPr>
+        <p:spPr/>
+        <p:txBody>
+          <a:bodyPr/>
+          <a:lstStyle/>
+          <a:p>
+            <a:r>
+              <a:rPr lang="en-US" dirty="0" smtClean="0"/>
+              <a:t>CARTOON:</a:t>
+            </a:r>
+          </a:p>
+          <a:p>
+            <a:endParaRPr lang="en-US" dirty="0"/>
+          </a:p>
+        </p:txBody>
+      </p:sp>
+    </p:spTree>
+    <p:extLst>
+      <p:ext uri="{BB962C8B-B14F-4D97-AF65-F5344CB8AC3E}">
+        <p14:creationId xmlns:p14="http://schemas.microsoft.com/office/powerpoint/2010/main" val="2350963484"/>
+      </p:ext>
+    </p:extLst>
+  </p:cSld>
+  <p:clrMapOvr>
+    <a:masterClrMapping/>
+  </p:clrMapOvr>
+</p:sld>
+</file>
+
+<file path=ppt/slides/slide15.xml><?xml version="1.0" encoding="utf-8"?>
+<p:sld xmlns:a="http://schemas.openxmlformats.org/drawingml/2006/main" xmlns:r="http://schemas.openxmlformats.org/officeDocument/2006/relationships" xmlns:p="http://schemas.openxmlformats.org/presentationml/2006/main">
+  <p:cSld>
+    <p:spTree>
+      <p:nvGrpSpPr>
+        <p:cNvPr id="1" name=""/>
+        <p:cNvGrpSpPr/>
+        <p:nvPr/>
+      </p:nvGrpSpPr>
+      <p:grpSpPr>
+        <a:xfrm>
+          <a:off x="0" y="0"/>
+          <a:ext cx="0" cy="0"/>
+          <a:chOff x="0" y="0"/>
+          <a:chExt cx="0" cy="0"/>
+        </a:xfrm>
+      </p:grpSpPr>
+      <p:sp>
+        <p:nvSpPr>
+          <p:cNvPr id="6" name="Title 5"/>
+          <p:cNvSpPr>
+            <a:spLocks noGrp="1"/>
+          </p:cNvSpPr>
+          <p:nvPr>
+            <p:ph type="title"/>
+          </p:nvPr>
+        </p:nvSpPr>
+        <p:spPr/>
+        <p:txBody>
+          <a:bodyPr/>
+          <a:lstStyle/>
+          <a:p>
+            <a:r>
+              <a:rPr lang="en-US" dirty="0" smtClean="0"/>
+              <a:t>Preliminary Sorption Experiment</a:t>
+            </a:r>
+            <a:endParaRPr lang="en-US" dirty="0"/>
+          </a:p>
+        </p:txBody>
+      </p:sp>
+      <p:pic>
+        <p:nvPicPr>
+          <p:cNvPr id="8" name="Content Placeholder 7"/>
+          <p:cNvPicPr>
+            <a:picLocks noGrp="1" noChangeAspect="1"/>
+          </p:cNvPicPr>
+          <p:nvPr>
+            <p:ph idx="1"/>
+          </p:nvPr>
+        </p:nvPicPr>
+        <p:blipFill>
+          <a:blip r:embed="rId2" cstate="print">
+            <a:extLst>
+              <a:ext uri="{28A0092B-C50C-407E-A947-70E740481C1C}">
+                <a14:useLocalDpi xmlns:a14="http://schemas.microsoft.com/office/drawing/2010/main" val="0"/>
+              </a:ext>
+            </a:extLst>
+          </a:blip>
+          <a:stretch>
+            <a:fillRect/>
+          </a:stretch>
+        </p:blipFill>
+        <p:spPr>
+          <a:xfrm>
+            <a:off x="1158704" y="1298963"/>
+            <a:ext cx="9874592" cy="5134788"/>
+          </a:xfrm>
+        </p:spPr>
+      </p:pic>
+    </p:spTree>
+    <p:extLst>
+      <p:ext uri="{BB962C8B-B14F-4D97-AF65-F5344CB8AC3E}">
+        <p14:creationId xmlns:p14="http://schemas.microsoft.com/office/powerpoint/2010/main" val="649372989"/>
+      </p:ext>
+    </p:extLst>
+  </p:cSld>
+  <p:clrMapOvr>
+    <a:masterClrMapping/>
+  </p:clrMapOvr>
+</p:sld>
+</file>
+
+<file path=ppt/slides/slide16.xml><?xml version="1.0" encoding="utf-8"?>
+<p:sld xmlns:a="http://schemas.openxmlformats.org/drawingml/2006/main" xmlns:r="http://schemas.openxmlformats.org/officeDocument/2006/relationships" xmlns:p="http://schemas.openxmlformats.org/presentationml/2006/main">
+  <p:cSld>
+    <p:spTree>
+      <p:nvGrpSpPr>
+        <p:cNvPr id="1" name=""/>
+        <p:cNvGrpSpPr/>
+        <p:nvPr/>
+      </p:nvGrpSpPr>
+      <p:grpSpPr>
+        <a:xfrm>
+          <a:off x="0" y="0"/>
+          <a:ext cx="0" cy="0"/>
+          <a:chOff x="0" y="0"/>
+          <a:chExt cx="0" cy="0"/>
+        </a:xfrm>
+      </p:grpSpPr>
+      <p:sp>
+        <p:nvSpPr>
+          <p:cNvPr id="2" name="Title 1"/>
+          <p:cNvSpPr>
+            <a:spLocks noGrp="1"/>
+          </p:cNvSpPr>
+          <p:nvPr>
+            <p:ph type="title"/>
+          </p:nvPr>
+        </p:nvSpPr>
+        <p:spPr/>
+        <p:txBody>
+          <a:bodyPr/>
+          <a:lstStyle/>
+          <a:p>
+            <a:r>
+              <a:rPr lang="en-US" dirty="0" smtClean="0"/>
+              <a:t>Fieldwork in PA</a:t>
+            </a:r>
+            <a:endParaRPr lang="en-US" dirty="0"/>
+          </a:p>
+        </p:txBody>
+      </p:sp>
+      <p:sp>
+        <p:nvSpPr>
+          <p:cNvPr id="3" name="Content Placeholder 2"/>
+          <p:cNvSpPr>
+            <a:spLocks noGrp="1"/>
+          </p:cNvSpPr>
+          <p:nvPr>
+            <p:ph idx="1"/>
+          </p:nvPr>
+        </p:nvSpPr>
+        <p:spPr>
+          <a:xfrm>
+            <a:off x="838200" y="1825625"/>
+            <a:ext cx="5282514" cy="4351338"/>
+          </a:xfrm>
+        </p:spPr>
+        <p:txBody>
+          <a:bodyPr/>
+          <a:lstStyle/>
+          <a:p>
+            <a:r>
+              <a:rPr lang="en-US" dirty="0" smtClean="0"/>
+              <a:t>Hydraulic fracturing prevalent around the United States, especially Pennsylvania</a:t>
+            </a:r>
+          </a:p>
+          <a:p>
+            <a:r>
+              <a:rPr lang="en-US" dirty="0" smtClean="0"/>
+              <a:t>Allegheny National Forest, PA ideal field site to examine potential impacts to shallow groundwater</a:t>
+            </a:r>
+            <a:endParaRPr lang="en-US" dirty="0"/>
+          </a:p>
+        </p:txBody>
+      </p:sp>
+      <p:pic>
+        <p:nvPicPr>
+          <p:cNvPr id="4" name="Picture 3"/>
+          <p:cNvPicPr>
+            <a:picLocks noChangeAspect="1"/>
+          </p:cNvPicPr>
+          <p:nvPr/>
+        </p:nvPicPr>
+        <p:blipFill>
+          <a:blip r:embed="rId2">
+            <a:extLst>
+              <a:ext uri="{28A0092B-C50C-407E-A947-70E740481C1C}">
+                <a14:useLocalDpi xmlns:a14="http://schemas.microsoft.com/office/drawing/2010/main" val="0"/>
+              </a:ext>
+            </a:extLst>
+          </a:blip>
+          <a:stretch>
+            <a:fillRect/>
+          </a:stretch>
+        </p:blipFill>
+        <p:spPr>
+          <a:xfrm>
+            <a:off x="7190822" y="1690688"/>
+            <a:ext cx="3988734" cy="3206748"/>
+          </a:xfrm>
+          <a:prstGeom prst="rect">
+            <a:avLst/>
+          </a:prstGeom>
+        </p:spPr>
+      </p:pic>
+      <p:sp>
+        <p:nvSpPr>
+          <p:cNvPr id="5" name="TextBox 4"/>
+          <p:cNvSpPr txBox="1"/>
+          <p:nvPr/>
+        </p:nvSpPr>
+        <p:spPr>
+          <a:xfrm>
+            <a:off x="7595286" y="5198076"/>
+            <a:ext cx="3608173" cy="1077218"/>
+          </a:xfrm>
+          <a:prstGeom prst="rect">
+            <a:avLst/>
+          </a:prstGeom>
+          <a:noFill/>
+        </p:spPr>
+        <p:txBody>
+          <a:bodyPr wrap="square" rtlCol="0">
+            <a:spAutoFit/>
+          </a:bodyPr>
+          <a:lstStyle/>
+          <a:p>
+            <a:pPr algn="ctr"/>
+            <a:r>
+              <a:rPr lang="en-US" sz="1600" dirty="0" smtClean="0"/>
+              <a:t>Hydraulic fracturing wells drilled in Allegheny National Forest </a:t>
+            </a:r>
+            <a:r>
+              <a:rPr lang="en-US" sz="1600" dirty="0" smtClean="0">
+                <a:hlinkClick r:id="rId3"/>
+              </a:rPr>
+              <a:t>http</a:t>
+            </a:r>
+            <a:r>
+              <a:rPr lang="en-US" sz="1600" dirty="0">
+                <a:hlinkClick r:id="rId3"/>
+              </a:rPr>
+              <a:t>://www.nrdc.org/energy/fracking-map/pa.asp</a:t>
+            </a:r>
+            <a:r>
+              <a:rPr lang="en-US" sz="1600" dirty="0"/>
+              <a:t> </a:t>
+            </a:r>
+          </a:p>
+        </p:txBody>
+      </p:sp>
+    </p:spTree>
+    <p:extLst>
+      <p:ext uri="{BB962C8B-B14F-4D97-AF65-F5344CB8AC3E}">
+        <p14:creationId xmlns:p14="http://schemas.microsoft.com/office/powerpoint/2010/main" val="1280894544"/>
+      </p:ext>
+    </p:extLst>
+  </p:cSld>
+  <p:clrMapOvr>
+    <a:masterClrMapping/>
+  </p:clrMapOvr>
+</p:sld>
+</file>
+
+<file path=ppt/slides/slide17.xml><?xml version="1.0" encoding="utf-8"?>
+<p:sld xmlns:a="http://schemas.openxmlformats.org/drawingml/2006/main" xmlns:r="http://schemas.openxmlformats.org/officeDocument/2006/relationships" xmlns:p="http://schemas.openxmlformats.org/presentationml/2006/main">
+  <p:cSld>
+    <p:spTree>
+      <p:nvGrpSpPr>
+        <p:cNvPr id="1" name=""/>
+        <p:cNvGrpSpPr/>
+        <p:nvPr/>
+      </p:nvGrpSpPr>
+      <p:grpSpPr>
+        <a:xfrm>
+          <a:off x="0" y="0"/>
+          <a:ext cx="0" cy="0"/>
+          <a:chOff x="0" y="0"/>
+          <a:chExt cx="0" cy="0"/>
+        </a:xfrm>
+      </p:grpSpPr>
+      <p:sp>
+        <p:nvSpPr>
+          <p:cNvPr id="4" name="Title 3"/>
+          <p:cNvSpPr>
+            <a:spLocks noGrp="1"/>
+          </p:cNvSpPr>
+          <p:nvPr>
+            <p:ph type="title"/>
+          </p:nvPr>
+        </p:nvSpPr>
+        <p:spPr/>
+        <p:txBody>
+          <a:bodyPr/>
+          <a:lstStyle/>
+          <a:p>
+            <a:r>
+              <a:rPr lang="en-US" dirty="0" smtClean="0"/>
+              <a:t>Iodine</a:t>
+            </a:r>
+            <a:endParaRPr lang="en-US" dirty="0"/>
+          </a:p>
+        </p:txBody>
+      </p:sp>
+      <p:sp>
+        <p:nvSpPr>
+          <p:cNvPr id="6" name="Text Placeholder 5"/>
+          <p:cNvSpPr>
+            <a:spLocks noGrp="1"/>
+          </p:cNvSpPr>
+          <p:nvPr>
+            <p:ph type="body" idx="1"/>
+          </p:nvPr>
+        </p:nvSpPr>
+        <p:spPr/>
+        <p:txBody>
+          <a:bodyPr/>
+          <a:lstStyle/>
+          <a:p>
+            <a:endParaRPr lang="en-US"/>
+          </a:p>
+        </p:txBody>
+      </p:sp>
+    </p:spTree>
+    <p:extLst>
+      <p:ext uri="{BB962C8B-B14F-4D97-AF65-F5344CB8AC3E}">
+        <p14:creationId xmlns:p14="http://schemas.microsoft.com/office/powerpoint/2010/main" val="3654518950"/>
+      </p:ext>
+    </p:extLst>
+  </p:cSld>
+  <p:clrMapOvr>
+    <a:masterClrMapping/>
+  </p:clrMapOvr>
+</p:sld>
+</file>
+
+<file path=ppt/slides/slide18.xml><?xml version="1.0" encoding="utf-8"?>
+<p:sld xmlns:a="http://schemas.openxmlformats.org/drawingml/2006/main" xmlns:r="http://schemas.openxmlformats.org/officeDocument/2006/relationships" xmlns:p="http://schemas.openxmlformats.org/presentationml/2006/main">
+  <p:cSld>
+    <p:spTree>
+      <p:nvGrpSpPr>
+        <p:cNvPr id="1" name=""/>
+        <p:cNvGrpSpPr/>
+        <p:nvPr/>
+      </p:nvGrpSpPr>
+      <p:grpSpPr>
+        <a:xfrm>
+          <a:off x="0" y="0"/>
+          <a:ext cx="0" cy="0"/>
+          <a:chOff x="0" y="0"/>
+          <a:chExt cx="0" cy="0"/>
+        </a:xfrm>
+      </p:grpSpPr>
+      <p:sp>
+        <p:nvSpPr>
+          <p:cNvPr id="9" name="Title 8"/>
+          <p:cNvSpPr>
+            <a:spLocks noGrp="1"/>
+          </p:cNvSpPr>
+          <p:nvPr>
+            <p:ph type="title"/>
+          </p:nvPr>
+        </p:nvSpPr>
+        <p:spPr/>
+        <p:txBody>
+          <a:bodyPr/>
+          <a:lstStyle/>
+          <a:p>
+            <a:r>
+              <a:rPr lang="en-US" dirty="0" smtClean="0"/>
+              <a:t>Iodine Cycling</a:t>
+            </a:r>
+            <a:endParaRPr lang="en-US" dirty="0"/>
+          </a:p>
+        </p:txBody>
+      </p:sp>
+      <p:sp>
+        <p:nvSpPr>
+          <p:cNvPr id="10" name="Content Placeholder 9"/>
+          <p:cNvSpPr>
+            <a:spLocks noGrp="1"/>
+          </p:cNvSpPr>
+          <p:nvPr>
+            <p:ph idx="1"/>
+          </p:nvPr>
+        </p:nvSpPr>
+        <p:spPr/>
+        <p:txBody>
+          <a:bodyPr/>
+          <a:lstStyle/>
+          <a:p>
+            <a:r>
+              <a:rPr lang="en-US" dirty="0" smtClean="0"/>
+              <a:t>FIGURE OF CYCLING</a:t>
+            </a:r>
+            <a:endParaRPr lang="en-US" dirty="0"/>
+          </a:p>
+        </p:txBody>
+      </p:sp>
+    </p:spTree>
+    <p:extLst>
+      <p:ext uri="{BB962C8B-B14F-4D97-AF65-F5344CB8AC3E}">
+        <p14:creationId xmlns:p14="http://schemas.microsoft.com/office/powerpoint/2010/main" val="1749583555"/>
+      </p:ext>
+    </p:extLst>
+  </p:cSld>
+  <p:clrMapOvr>
+    <a:masterClrMapping/>
+  </p:clrMapOvr>
+</p:sld>
+</file>
+
+<file path=ppt/slides/slide19.xml><?xml version="1.0" encoding="utf-8"?>
+<p:sld xmlns:a="http://schemas.openxmlformats.org/drawingml/2006/main" xmlns:r="http://schemas.openxmlformats.org/officeDocument/2006/relationships" xmlns:p="http://schemas.openxmlformats.org/presentationml/2006/main">
+  <p:cSld>
+    <p:spTree>
+      <p:nvGrpSpPr>
+        <p:cNvPr id="1" name=""/>
+        <p:cNvGrpSpPr/>
+        <p:nvPr/>
+      </p:nvGrpSpPr>
+      <p:grpSpPr>
+        <a:xfrm>
+          <a:off x="0" y="0"/>
+          <a:ext cx="0" cy="0"/>
+          <a:chOff x="0" y="0"/>
+          <a:chExt cx="0" cy="0"/>
+        </a:xfrm>
+      </p:grpSpPr>
+      <p:sp>
+        <p:nvSpPr>
+          <p:cNvPr id="2" name="Title 1"/>
+          <p:cNvSpPr>
+            <a:spLocks noGrp="1"/>
+          </p:cNvSpPr>
+          <p:nvPr>
+            <p:ph type="title"/>
+          </p:nvPr>
+        </p:nvSpPr>
+        <p:spPr/>
+        <p:txBody>
+          <a:bodyPr/>
+          <a:lstStyle/>
+          <a:p>
+            <a:r>
+              <a:rPr lang="en-US" dirty="0" smtClean="0"/>
+              <a:t>Interactions with aquifer solids</a:t>
+            </a:r>
+            <a:endParaRPr lang="en-US" dirty="0"/>
+          </a:p>
+        </p:txBody>
+      </p:sp>
+      <p:sp>
+        <p:nvSpPr>
+          <p:cNvPr id="3" name="Content Placeholder 2"/>
+          <p:cNvSpPr>
+            <a:spLocks noGrp="1"/>
+          </p:cNvSpPr>
+          <p:nvPr>
+            <p:ph idx="1"/>
+          </p:nvPr>
+        </p:nvSpPr>
+        <p:spPr/>
+        <p:txBody>
+          <a:bodyPr/>
+          <a:lstStyle/>
+          <a:p>
+            <a:r>
+              <a:rPr lang="en-US" dirty="0" smtClean="0"/>
+              <a:t>Figure of relevant, understood processes</a:t>
+            </a:r>
+          </a:p>
+          <a:p>
+            <a:pPr lvl="1"/>
+            <a:r>
+              <a:rPr lang="en-US" dirty="0" smtClean="0"/>
+              <a:t>Mineral partitioning</a:t>
+            </a:r>
+          </a:p>
+          <a:p>
+            <a:pPr lvl="1"/>
+            <a:r>
+              <a:rPr lang="en-US" dirty="0" smtClean="0"/>
+              <a:t>Organic matter sorption and transformation</a:t>
+            </a:r>
+          </a:p>
+          <a:p>
+            <a:pPr lvl="1"/>
+            <a:endParaRPr lang="en-US" dirty="0"/>
+          </a:p>
+        </p:txBody>
+      </p:sp>
+    </p:spTree>
+    <p:extLst>
+      <p:ext uri="{BB962C8B-B14F-4D97-AF65-F5344CB8AC3E}">
+        <p14:creationId xmlns:p14="http://schemas.microsoft.com/office/powerpoint/2010/main" val="3906547553"/>
+      </p:ext>
+    </p:extLst>
+  </p:cSld>
+  <p:clrMapOvr>
+    <a:masterClrMapping/>
+  </p:clrMapOvr>
+</p:sld>
+</file>
+
 <file path=ppt/slides/slide2.xml><?xml version="1.0" encoding="utf-8"?>
 <p:sld xmlns:a="http://schemas.openxmlformats.org/drawingml/2006/main" xmlns:r="http://schemas.openxmlformats.org/officeDocument/2006/relationships" xmlns:p="http://schemas.openxmlformats.org/presentationml/2006/main">
   <p:cSld>
@@ -3079,7 +4308,7 @@
           <a:p>
             <a:r>
               <a:rPr lang="en-US" dirty="0" smtClean="0"/>
-              <a:t>Previous Research</a:t>
+              <a:t>Overview</a:t>
             </a:r>
             <a:endParaRPr lang="en-US" dirty="0"/>
           </a:p>
@@ -3087,27 +4316,379 @@
       </p:sp>
       <p:sp>
         <p:nvSpPr>
-          <p:cNvPr id="4" name="Text Placeholder 3"/>
-          <p:cNvSpPr>
-            <a:spLocks noGrp="1"/>
-          </p:cNvSpPr>
-          <p:nvPr>
-            <p:ph type="body" idx="1"/>
-          </p:nvPr>
-        </p:nvSpPr>
-        <p:spPr/>
-        <p:txBody>
-          <a:bodyPr/>
-          <a:lstStyle/>
-          <a:p>
-            <a:endParaRPr lang="en-US"/>
+          <p:cNvPr id="3" name="Content Placeholder 2"/>
+          <p:cNvSpPr>
+            <a:spLocks noGrp="1"/>
+          </p:cNvSpPr>
+          <p:nvPr>
+            <p:ph idx="1"/>
+          </p:nvPr>
+        </p:nvSpPr>
+        <p:spPr/>
+        <p:txBody>
+          <a:bodyPr/>
+          <a:lstStyle/>
+          <a:p>
+            <a:r>
+              <a:rPr lang="en-US" dirty="0" smtClean="0"/>
+              <a:t>Previous work</a:t>
+            </a:r>
+          </a:p>
+          <a:p>
+            <a:r>
+              <a:rPr lang="en-US" dirty="0" smtClean="0"/>
+              <a:t>Background and Objectives</a:t>
+            </a:r>
+          </a:p>
+          <a:p>
+            <a:r>
+              <a:rPr lang="en-US" dirty="0" smtClean="0"/>
+              <a:t>Radium Studies</a:t>
+            </a:r>
+          </a:p>
+          <a:p>
+            <a:r>
+              <a:rPr lang="en-US" dirty="0" smtClean="0"/>
+              <a:t>Iodine Studies</a:t>
+            </a:r>
+          </a:p>
+          <a:p>
+            <a:r>
+              <a:rPr lang="en-US" dirty="0" smtClean="0"/>
+              <a:t>Summary and Timeline</a:t>
+            </a:r>
+          </a:p>
+          <a:p>
+            <a:endParaRPr lang="en-US" dirty="0" smtClean="0"/>
+          </a:p>
+          <a:p>
+            <a:endParaRPr lang="en-US" dirty="0"/>
           </a:p>
         </p:txBody>
       </p:sp>
     </p:spTree>
     <p:extLst>
       <p:ext uri="{BB962C8B-B14F-4D97-AF65-F5344CB8AC3E}">
-        <p14:creationId xmlns:p14="http://schemas.microsoft.com/office/powerpoint/2010/main" val="1653660564"/>
+        <p14:creationId xmlns:p14="http://schemas.microsoft.com/office/powerpoint/2010/main" val="400985729"/>
+      </p:ext>
+    </p:extLst>
+  </p:cSld>
+  <p:clrMapOvr>
+    <a:masterClrMapping/>
+  </p:clrMapOvr>
+</p:sld>
+</file>
+
+<file path=ppt/slides/slide20.xml><?xml version="1.0" encoding="utf-8"?>
+<p:sld xmlns:a="http://schemas.openxmlformats.org/drawingml/2006/main" xmlns:r="http://schemas.openxmlformats.org/officeDocument/2006/relationships" xmlns:p="http://schemas.openxmlformats.org/presentationml/2006/main">
+  <p:cSld>
+    <p:spTree>
+      <p:nvGrpSpPr>
+        <p:cNvPr id="1" name=""/>
+        <p:cNvGrpSpPr/>
+        <p:nvPr/>
+      </p:nvGrpSpPr>
+      <p:grpSpPr>
+        <a:xfrm>
+          <a:off x="0" y="0"/>
+          <a:ext cx="0" cy="0"/>
+          <a:chOff x="0" y="0"/>
+          <a:chExt cx="0" cy="0"/>
+        </a:xfrm>
+      </p:grpSpPr>
+      <p:sp>
+        <p:nvSpPr>
+          <p:cNvPr id="2" name="Title 1"/>
+          <p:cNvSpPr>
+            <a:spLocks noGrp="1"/>
+          </p:cNvSpPr>
+          <p:nvPr>
+            <p:ph type="title"/>
+          </p:nvPr>
+        </p:nvSpPr>
+        <p:spPr/>
+        <p:txBody>
+          <a:bodyPr/>
+          <a:lstStyle/>
+          <a:p>
+            <a:r>
+              <a:rPr lang="en-US" dirty="0" smtClean="0"/>
+              <a:t>Sorption and Transport Experiments</a:t>
+            </a:r>
+            <a:endParaRPr lang="en-US" dirty="0"/>
+          </a:p>
+        </p:txBody>
+      </p:sp>
+      <p:sp>
+        <p:nvSpPr>
+          <p:cNvPr id="3" name="Content Placeholder 2"/>
+          <p:cNvSpPr>
+            <a:spLocks noGrp="1"/>
+          </p:cNvSpPr>
+          <p:nvPr>
+            <p:ph idx="1"/>
+          </p:nvPr>
+        </p:nvSpPr>
+        <p:spPr/>
+        <p:txBody>
+          <a:bodyPr/>
+          <a:lstStyle/>
+          <a:p>
+            <a:endParaRPr lang="en-US"/>
+          </a:p>
+        </p:txBody>
+      </p:sp>
+    </p:spTree>
+    <p:extLst>
+      <p:ext uri="{BB962C8B-B14F-4D97-AF65-F5344CB8AC3E}">
+        <p14:creationId xmlns:p14="http://schemas.microsoft.com/office/powerpoint/2010/main" val="3174231657"/>
+      </p:ext>
+    </p:extLst>
+  </p:cSld>
+  <p:clrMapOvr>
+    <a:masterClrMapping/>
+  </p:clrMapOvr>
+</p:sld>
+</file>
+
+<file path=ppt/slides/slide21.xml><?xml version="1.0" encoding="utf-8"?>
+<p:sld xmlns:a="http://schemas.openxmlformats.org/drawingml/2006/main" xmlns:r="http://schemas.openxmlformats.org/officeDocument/2006/relationships" xmlns:p="http://schemas.openxmlformats.org/presentationml/2006/main">
+  <p:cSld>
+    <p:spTree>
+      <p:nvGrpSpPr>
+        <p:cNvPr id="1" name=""/>
+        <p:cNvGrpSpPr/>
+        <p:nvPr/>
+      </p:nvGrpSpPr>
+      <p:grpSpPr>
+        <a:xfrm>
+          <a:off x="0" y="0"/>
+          <a:ext cx="0" cy="0"/>
+          <a:chOff x="0" y="0"/>
+          <a:chExt cx="0" cy="0"/>
+        </a:xfrm>
+      </p:grpSpPr>
+      <p:sp>
+        <p:nvSpPr>
+          <p:cNvPr id="2" name="Title 1"/>
+          <p:cNvSpPr>
+            <a:spLocks noGrp="1"/>
+          </p:cNvSpPr>
+          <p:nvPr>
+            <p:ph type="title"/>
+          </p:nvPr>
+        </p:nvSpPr>
+        <p:spPr/>
+        <p:txBody>
+          <a:bodyPr/>
+          <a:lstStyle/>
+          <a:p>
+            <a:r>
+              <a:rPr lang="en-US" dirty="0" smtClean="0"/>
+              <a:t>Synchrotron Work</a:t>
+            </a:r>
+            <a:endParaRPr lang="en-US" dirty="0"/>
+          </a:p>
+        </p:txBody>
+      </p:sp>
+      <p:sp>
+        <p:nvSpPr>
+          <p:cNvPr id="3" name="Content Placeholder 2"/>
+          <p:cNvSpPr>
+            <a:spLocks noGrp="1"/>
+          </p:cNvSpPr>
+          <p:nvPr>
+            <p:ph idx="1"/>
+          </p:nvPr>
+        </p:nvSpPr>
+        <p:spPr/>
+        <p:txBody>
+          <a:bodyPr/>
+          <a:lstStyle/>
+          <a:p>
+            <a:r>
+              <a:rPr lang="en-US" dirty="0" smtClean="0"/>
+              <a:t>XANES spectra for iodine species</a:t>
+            </a:r>
+            <a:endParaRPr lang="en-US" dirty="0"/>
+          </a:p>
+        </p:txBody>
+      </p:sp>
+    </p:spTree>
+    <p:extLst>
+      <p:ext uri="{BB962C8B-B14F-4D97-AF65-F5344CB8AC3E}">
+        <p14:creationId xmlns:p14="http://schemas.microsoft.com/office/powerpoint/2010/main" val="3838390611"/>
+      </p:ext>
+    </p:extLst>
+  </p:cSld>
+  <p:clrMapOvr>
+    <a:masterClrMapping/>
+  </p:clrMapOvr>
+</p:sld>
+</file>
+
+<file path=ppt/slides/slide22.xml><?xml version="1.0" encoding="utf-8"?>
+<p:sld xmlns:a="http://schemas.openxmlformats.org/drawingml/2006/main" xmlns:r="http://schemas.openxmlformats.org/officeDocument/2006/relationships" xmlns:p="http://schemas.openxmlformats.org/presentationml/2006/main">
+  <p:cSld>
+    <p:spTree>
+      <p:nvGrpSpPr>
+        <p:cNvPr id="1" name=""/>
+        <p:cNvGrpSpPr/>
+        <p:nvPr/>
+      </p:nvGrpSpPr>
+      <p:grpSpPr>
+        <a:xfrm>
+          <a:off x="0" y="0"/>
+          <a:ext cx="0" cy="0"/>
+          <a:chOff x="0" y="0"/>
+          <a:chExt cx="0" cy="0"/>
+        </a:xfrm>
+      </p:grpSpPr>
+      <p:sp>
+        <p:nvSpPr>
+          <p:cNvPr id="2" name="Title 1"/>
+          <p:cNvSpPr>
+            <a:spLocks noGrp="1"/>
+          </p:cNvSpPr>
+          <p:nvPr>
+            <p:ph type="title"/>
+          </p:nvPr>
+        </p:nvSpPr>
+        <p:spPr/>
+        <p:txBody>
+          <a:bodyPr/>
+          <a:lstStyle/>
+          <a:p>
+            <a:r>
+              <a:rPr lang="en-US" dirty="0" smtClean="0"/>
+              <a:t>Fieldwork in HI</a:t>
+            </a:r>
+            <a:endParaRPr lang="en-US" dirty="0"/>
+          </a:p>
+        </p:txBody>
+      </p:sp>
+      <p:sp>
+        <p:nvSpPr>
+          <p:cNvPr id="3" name="Content Placeholder 2"/>
+          <p:cNvSpPr>
+            <a:spLocks noGrp="1"/>
+          </p:cNvSpPr>
+          <p:nvPr>
+            <p:ph idx="1"/>
+          </p:nvPr>
+        </p:nvSpPr>
+        <p:spPr/>
+        <p:txBody>
+          <a:bodyPr/>
+          <a:lstStyle/>
+          <a:p>
+            <a:r>
+              <a:rPr lang="en-US" dirty="0" smtClean="0"/>
+              <a:t>Focus on studying organic matter cycling</a:t>
+            </a:r>
+          </a:p>
+          <a:p>
+            <a:pPr lvl="1"/>
+            <a:r>
+              <a:rPr lang="en-US" smtClean="0"/>
+              <a:t>Pulse of </a:t>
+            </a:r>
+            <a:r>
+              <a:rPr lang="en-US" baseline="30000" smtClean="0"/>
+              <a:t>129</a:t>
+            </a:r>
+            <a:r>
+              <a:rPr lang="en-US" smtClean="0"/>
+              <a:t>I </a:t>
+            </a:r>
+            <a:r>
+              <a:rPr lang="en-US" dirty="0" smtClean="0"/>
+              <a:t>from bomb testing (</a:t>
+            </a:r>
+            <a:r>
+              <a:rPr lang="en-US" smtClean="0"/>
+              <a:t>Starfish prime)</a:t>
+            </a:r>
+            <a:endParaRPr lang="en-US"/>
+          </a:p>
+        </p:txBody>
+      </p:sp>
+    </p:spTree>
+    <p:extLst>
+      <p:ext uri="{BB962C8B-B14F-4D97-AF65-F5344CB8AC3E}">
+        <p14:creationId xmlns:p14="http://schemas.microsoft.com/office/powerpoint/2010/main" val="833709440"/>
+      </p:ext>
+    </p:extLst>
+  </p:cSld>
+  <p:clrMapOvr>
+    <a:masterClrMapping/>
+  </p:clrMapOvr>
+</p:sld>
+</file>
+
+<file path=ppt/slides/slide23.xml><?xml version="1.0" encoding="utf-8"?>
+<p:sld xmlns:a="http://schemas.openxmlformats.org/drawingml/2006/main" xmlns:r="http://schemas.openxmlformats.org/officeDocument/2006/relationships" xmlns:p="http://schemas.openxmlformats.org/presentationml/2006/main">
+  <p:cSld>
+    <p:spTree>
+      <p:nvGrpSpPr>
+        <p:cNvPr id="1" name=""/>
+        <p:cNvGrpSpPr/>
+        <p:nvPr/>
+      </p:nvGrpSpPr>
+      <p:grpSpPr>
+        <a:xfrm>
+          <a:off x="0" y="0"/>
+          <a:ext cx="0" cy="0"/>
+          <a:chOff x="0" y="0"/>
+          <a:chExt cx="0" cy="0"/>
+        </a:xfrm>
+      </p:grpSpPr>
+      <p:sp>
+        <p:nvSpPr>
+          <p:cNvPr id="2" name="Title 1"/>
+          <p:cNvSpPr>
+            <a:spLocks noGrp="1"/>
+          </p:cNvSpPr>
+          <p:nvPr>
+            <p:ph type="title"/>
+          </p:nvPr>
+        </p:nvSpPr>
+        <p:spPr/>
+        <p:txBody>
+          <a:bodyPr/>
+          <a:lstStyle/>
+          <a:p>
+            <a:r>
+              <a:rPr lang="en-US" dirty="0" smtClean="0"/>
+              <a:t>Summary</a:t>
+            </a:r>
+            <a:endParaRPr lang="en-US" dirty="0"/>
+          </a:p>
+        </p:txBody>
+      </p:sp>
+      <p:sp>
+        <p:nvSpPr>
+          <p:cNvPr id="3" name="Text Placeholder 2"/>
+          <p:cNvSpPr>
+            <a:spLocks noGrp="1"/>
+          </p:cNvSpPr>
+          <p:nvPr>
+            <p:ph type="body" idx="1"/>
+          </p:nvPr>
+        </p:nvSpPr>
+        <p:spPr/>
+        <p:txBody>
+          <a:bodyPr/>
+          <a:lstStyle/>
+          <a:p>
+            <a:endParaRPr lang="en-US" dirty="0"/>
+          </a:p>
+        </p:txBody>
+      </p:sp>
+    </p:spTree>
+    <p:extLst>
+      <p:ext uri="{BB962C8B-B14F-4D97-AF65-F5344CB8AC3E}">
+        <p14:creationId xmlns:p14="http://schemas.microsoft.com/office/powerpoint/2010/main" val="3265093828"/>
       </p:ext>
     </p:extLst>
   </p:cSld>
@@ -3136,7 +4717,7 @@
       </p:grpSpPr>
       <p:sp>
         <p:nvSpPr>
-          <p:cNvPr id="4" name="Title 3"/>
+          <p:cNvPr id="2" name="Title 1"/>
           <p:cNvSpPr>
             <a:spLocks noGrp="1"/>
           </p:cNvSpPr>
@@ -3151,7 +4732,7 @@
           <a:p>
             <a:r>
               <a:rPr lang="en-US" dirty="0" smtClean="0"/>
-              <a:t>Overview</a:t>
+              <a:t>Previous Research</a:t>
             </a:r>
             <a:endParaRPr lang="en-US" dirty="0"/>
           </a:p>
@@ -3159,7 +4740,7 @@
       </p:sp>
       <p:sp>
         <p:nvSpPr>
-          <p:cNvPr id="5" name="Text Placeholder 4"/>
+          <p:cNvPr id="4" name="Text Placeholder 3"/>
           <p:cNvSpPr>
             <a:spLocks noGrp="1"/>
           </p:cNvSpPr>
@@ -3179,7 +4760,7 @@
     </p:spTree>
     <p:extLst>
       <p:ext uri="{BB962C8B-B14F-4D97-AF65-F5344CB8AC3E}">
-        <p14:creationId xmlns:p14="http://schemas.microsoft.com/office/powerpoint/2010/main" val="3529869346"/>
+        <p14:creationId xmlns:p14="http://schemas.microsoft.com/office/powerpoint/2010/main" val="1653660564"/>
       </p:ext>
     </p:extLst>
   </p:cSld>
@@ -3208,7 +4789,7 @@
       </p:grpSpPr>
       <p:sp>
         <p:nvSpPr>
-          <p:cNvPr id="2" name="Title 1"/>
+          <p:cNvPr id="4" name="Title 3"/>
           <p:cNvSpPr>
             <a:spLocks noGrp="1"/>
           </p:cNvSpPr>
@@ -3223,7 +4804,7 @@
           <a:p>
             <a:r>
               <a:rPr lang="en-US" dirty="0" smtClean="0"/>
-              <a:t>What is this thesis about?</a:t>
+              <a:t>Waquoit Bay Groundwater Dynamics</a:t>
             </a:r>
             <a:endParaRPr lang="en-US" dirty="0"/>
           </a:p>
@@ -3231,7 +4812,7 @@
       </p:sp>
       <p:sp>
         <p:nvSpPr>
-          <p:cNvPr id="3" name="Content Placeholder 2"/>
+          <p:cNvPr id="5" name="Content Placeholder 4"/>
           <p:cNvSpPr>
             <a:spLocks noGrp="1"/>
           </p:cNvSpPr>
@@ -3239,60 +4820,83 @@
             <p:ph idx="1"/>
           </p:nvPr>
         </p:nvSpPr>
-        <p:spPr/>
-        <p:txBody>
-          <a:bodyPr/>
-          <a:lstStyle/>
-          <a:p>
-            <a:r>
-              <a:rPr lang="en-US" dirty="0" smtClean="0"/>
-              <a:t>Radioisotopes present a suite of tracers for many groundwater processes</a:t>
-            </a:r>
-          </a:p>
-          <a:p>
-            <a:pPr lvl="1"/>
-            <a:r>
-              <a:rPr lang="en-US" dirty="0" smtClean="0"/>
-              <a:t>Natural vs anthropogenic</a:t>
-            </a:r>
-          </a:p>
-          <a:p>
-            <a:pPr lvl="1"/>
-            <a:r>
-              <a:rPr lang="en-US" dirty="0" smtClean="0"/>
-              <a:t>Point and distributed sources</a:t>
-            </a:r>
-          </a:p>
-          <a:p>
-            <a:r>
-              <a:rPr lang="en-US" dirty="0" smtClean="0"/>
-              <a:t>Improved understanding of geochemistry enables tracer usage</a:t>
-            </a:r>
-          </a:p>
-          <a:p>
-            <a:pPr lvl="1"/>
+        <p:spPr>
+          <a:xfrm>
+            <a:off x="838200" y="1825625"/>
+            <a:ext cx="5076568" cy="4351338"/>
+          </a:xfrm>
+        </p:spPr>
+        <p:txBody>
+          <a:bodyPr/>
+          <a:lstStyle/>
+          <a:p>
+            <a:r>
+              <a:rPr lang="en-US" dirty="0" smtClean="0"/>
+              <a:t>Undergraduate research examining nitrogen fluxes in estuarine region </a:t>
+            </a:r>
+          </a:p>
+          <a:p>
+            <a:r>
+              <a:rPr lang="en-US" dirty="0" smtClean="0"/>
+              <a:t>Foundational project for interest in groundwater hydrology and geochemistry</a:t>
+            </a:r>
+            <a:endParaRPr lang="en-US" dirty="0"/>
+          </a:p>
+          <a:p>
+            <a:r>
+              <a:rPr lang="en-US" dirty="0" smtClean="0"/>
+              <a:t>Supervisor: </a:t>
+            </a:r>
             <a:r>
               <a:rPr lang="en-US" dirty="0" err="1" smtClean="0"/>
-              <a:t>Sorptive</a:t>
-            </a:r>
-            <a:r>
-              <a:rPr lang="en-US" dirty="0" smtClean="0"/>
-              <a:t> processes</a:t>
-            </a:r>
-          </a:p>
-          <a:p>
-            <a:pPr lvl="1"/>
-            <a:r>
-              <a:rPr lang="en-US" dirty="0" smtClean="0"/>
-              <a:t>Redox chemistry</a:t>
-            </a:r>
+              <a:t>Hanan</a:t>
+            </a:r>
+            <a:r>
+              <a:rPr lang="en-US" dirty="0" smtClean="0"/>
+              <a:t> </a:t>
+            </a:r>
+            <a:r>
+              <a:rPr lang="en-US" dirty="0" err="1" smtClean="0"/>
+              <a:t>Karam</a:t>
+            </a:r>
+            <a:endParaRPr lang="en-US" dirty="0"/>
+          </a:p>
+        </p:txBody>
+      </p:sp>
+      <p:sp>
+        <p:nvSpPr>
+          <p:cNvPr id="6" name="TextBox 5"/>
+          <p:cNvSpPr txBox="1"/>
+          <p:nvPr/>
+        </p:nvSpPr>
+        <p:spPr>
+          <a:xfrm>
+            <a:off x="6903308" y="2133600"/>
+            <a:ext cx="4110681" cy="369332"/>
+          </a:xfrm>
+          <a:prstGeom prst="rect">
+            <a:avLst/>
+          </a:prstGeom>
+          <a:noFill/>
+        </p:spPr>
+        <p:txBody>
+          <a:bodyPr wrap="square" rtlCol="0">
+            <a:spAutoFit/>
+          </a:bodyPr>
+          <a:lstStyle/>
+          <a:p>
+            <a:r>
+              <a:rPr lang="en-US" dirty="0" smtClean="0"/>
+              <a:t>A PICTURE A PICTURE A PICTURE</a:t>
+            </a:r>
+            <a:endParaRPr lang="en-US" dirty="0"/>
           </a:p>
         </p:txBody>
       </p:sp>
     </p:spTree>
     <p:extLst>
       <p:ext uri="{BB962C8B-B14F-4D97-AF65-F5344CB8AC3E}">
-        <p14:creationId xmlns:p14="http://schemas.microsoft.com/office/powerpoint/2010/main" val="4052464204"/>
+        <p14:creationId xmlns:p14="http://schemas.microsoft.com/office/powerpoint/2010/main" val="1044695371"/>
       </p:ext>
     </p:extLst>
   </p:cSld>
@@ -3336,7 +4940,7 @@
           <a:p>
             <a:r>
               <a:rPr lang="en-US" dirty="0" smtClean="0"/>
-              <a:t>Radium</a:t>
+              <a:t>Partial wetting puddle spreading</a:t>
             </a:r>
             <a:endParaRPr lang="en-US" dirty="0"/>
           </a:p>
@@ -3344,27 +4948,79 @@
       </p:sp>
       <p:sp>
         <p:nvSpPr>
-          <p:cNvPr id="3" name="Text Placeholder 2"/>
-          <p:cNvSpPr>
-            <a:spLocks noGrp="1"/>
-          </p:cNvSpPr>
-          <p:nvPr>
-            <p:ph type="body" idx="1"/>
-          </p:nvPr>
-        </p:nvSpPr>
-        <p:spPr/>
-        <p:txBody>
-          <a:bodyPr/>
-          <a:lstStyle/>
-          <a:p>
-            <a:endParaRPr lang="en-US" dirty="0"/>
-          </a:p>
-        </p:txBody>
-      </p:sp>
+          <p:cNvPr id="3" name="Content Placeholder 2"/>
+          <p:cNvSpPr>
+            <a:spLocks noGrp="1"/>
+          </p:cNvSpPr>
+          <p:nvPr>
+            <p:ph idx="1"/>
+          </p:nvPr>
+        </p:nvSpPr>
+        <p:spPr>
+          <a:xfrm>
+            <a:off x="6582032" y="1690688"/>
+            <a:ext cx="4771768" cy="4351338"/>
+          </a:xfrm>
+        </p:spPr>
+        <p:txBody>
+          <a:bodyPr/>
+          <a:lstStyle/>
+          <a:p>
+            <a:r>
+              <a:rPr lang="en-US" dirty="0" smtClean="0"/>
+              <a:t>Masters work studying fluid spread when a finite contact angle is present, a real system lacking convincing models</a:t>
+            </a:r>
+          </a:p>
+          <a:p>
+            <a:r>
+              <a:rPr lang="en-US" dirty="0" smtClean="0"/>
+              <a:t>Reinforced understanding of connection between experimental work and modeling</a:t>
+            </a:r>
+          </a:p>
+          <a:p>
+            <a:r>
+              <a:rPr lang="en-US" dirty="0" smtClean="0"/>
+              <a:t>Supervisor: Ruben Juanes</a:t>
+            </a:r>
+          </a:p>
+          <a:p>
+            <a:endParaRPr lang="en-US" dirty="0" smtClean="0"/>
+          </a:p>
+        </p:txBody>
+      </p:sp>
+      <p:pic>
+        <p:nvPicPr>
+          <p:cNvPr id="4" name="Picture 3"/>
+          <p:cNvPicPr>
+            <a:picLocks noChangeAspect="1"/>
+          </p:cNvPicPr>
+          <p:nvPr/>
+        </p:nvPicPr>
+        <p:blipFill rotWithShape="1">
+          <a:blip r:embed="rId2" cstate="print">
+            <a:extLst>
+              <a:ext uri="{28A0092B-C50C-407E-A947-70E740481C1C}">
+                <a14:useLocalDpi xmlns:a14="http://schemas.microsoft.com/office/drawing/2010/main" val="0"/>
+              </a:ext>
+            </a:extLst>
+          </a:blip>
+          <a:srcRect l="-2" t="24692" r="7" b="17357"/>
+          <a:stretch/>
+        </p:blipFill>
+        <p:spPr>
+          <a:xfrm>
+            <a:off x="1348946" y="2265405"/>
+            <a:ext cx="3421220" cy="2654643"/>
+          </a:xfrm>
+          <a:prstGeom prst="rect">
+            <a:avLst/>
+          </a:prstGeom>
+        </p:spPr>
+      </p:pic>
     </p:spTree>
     <p:extLst>
       <p:ext uri="{BB962C8B-B14F-4D97-AF65-F5344CB8AC3E}">
-        <p14:creationId xmlns:p14="http://schemas.microsoft.com/office/powerpoint/2010/main" val="1392598127"/>
+        <p14:creationId xmlns:p14="http://schemas.microsoft.com/office/powerpoint/2010/main" val="2825032973"/>
       </p:ext>
     </p:extLst>
   </p:cSld>
@@ -3408,7 +5064,7 @@
           <a:p>
             <a:r>
               <a:rPr lang="en-US" dirty="0" smtClean="0"/>
-              <a:t>Iodine</a:t>
+              <a:t>Background and Objectives</a:t>
             </a:r>
             <a:endParaRPr lang="en-US" dirty="0"/>
           </a:p>
@@ -3416,7 +5072,7 @@
       </p:sp>
       <p:sp>
         <p:nvSpPr>
-          <p:cNvPr id="6" name="Text Placeholder 5"/>
+          <p:cNvPr id="5" name="Text Placeholder 4"/>
           <p:cNvSpPr>
             <a:spLocks noGrp="1"/>
           </p:cNvSpPr>
@@ -3436,7 +5092,7 @@
     </p:spTree>
     <p:extLst>
       <p:ext uri="{BB962C8B-B14F-4D97-AF65-F5344CB8AC3E}">
-        <p14:creationId xmlns:p14="http://schemas.microsoft.com/office/powerpoint/2010/main" val="3654518950"/>
+        <p14:creationId xmlns:p14="http://schemas.microsoft.com/office/powerpoint/2010/main" val="3529869346"/>
       </p:ext>
     </p:extLst>
   </p:cSld>
@@ -3480,7 +5136,7 @@
           <a:p>
             <a:r>
               <a:rPr lang="en-US" dirty="0" smtClean="0"/>
-              <a:t>Summary</a:t>
+              <a:t>What is this thesis about?</a:t>
             </a:r>
             <a:endParaRPr lang="en-US" dirty="0"/>
           </a:p>
@@ -3488,27 +5144,441 @@
       </p:sp>
       <p:sp>
         <p:nvSpPr>
-          <p:cNvPr id="3" name="Text Placeholder 2"/>
-          <p:cNvSpPr>
-            <a:spLocks noGrp="1"/>
-          </p:cNvSpPr>
-          <p:nvPr>
-            <p:ph type="body" idx="1"/>
-          </p:nvPr>
-        </p:nvSpPr>
-        <p:spPr/>
-        <p:txBody>
-          <a:bodyPr/>
-          <a:lstStyle/>
-          <a:p>
+          <p:cNvPr id="3" name="Content Placeholder 2"/>
+          <p:cNvSpPr>
+            <a:spLocks noGrp="1"/>
+          </p:cNvSpPr>
+          <p:nvPr>
+            <p:ph idx="1"/>
+          </p:nvPr>
+        </p:nvSpPr>
+        <p:spPr/>
+        <p:txBody>
+          <a:bodyPr/>
+          <a:lstStyle/>
+          <a:p>
+            <a:r>
+              <a:rPr lang="en-US" dirty="0" smtClean="0"/>
+              <a:t>Radioisotopes present a suite of tracers for many groundwater processes</a:t>
+            </a:r>
+          </a:p>
+          <a:p>
+            <a:pPr lvl="1"/>
+            <a:r>
+              <a:rPr lang="en-US" dirty="0" smtClean="0"/>
+              <a:t>Natural vs anthropogenic</a:t>
+            </a:r>
+          </a:p>
+          <a:p>
+            <a:pPr lvl="1"/>
+            <a:r>
+              <a:rPr lang="en-US" dirty="0" smtClean="0"/>
+              <a:t>Point and distributed sources</a:t>
+            </a:r>
+          </a:p>
+          <a:p>
+            <a:r>
+              <a:rPr lang="en-US" dirty="0" smtClean="0"/>
+              <a:t>Improved understanding of </a:t>
+            </a:r>
+            <a:r>
+              <a:rPr lang="en-US" dirty="0" smtClean="0"/>
+              <a:t>isotope </a:t>
+            </a:r>
+            <a:r>
+              <a:rPr lang="en-US" dirty="0" smtClean="0"/>
+              <a:t>geochemistry </a:t>
+            </a:r>
+            <a:r>
+              <a:rPr lang="en-US" dirty="0" smtClean="0"/>
+              <a:t>enables tracer </a:t>
+            </a:r>
+            <a:r>
+              <a:rPr lang="en-US" dirty="0" smtClean="0"/>
+              <a:t>usage</a:t>
+            </a:r>
             <a:endParaRPr lang="en-US" dirty="0"/>
+          </a:p>
+          <a:p>
+            <a:pPr lvl="1"/>
+            <a:r>
+              <a:rPr lang="en-US" dirty="0" smtClean="0"/>
+              <a:t>Iodine as tracer for nuclear activities, organic matter cycling</a:t>
+            </a:r>
+          </a:p>
+          <a:p>
+            <a:pPr lvl="1"/>
+            <a:r>
+              <a:rPr lang="en-US" dirty="0" smtClean="0"/>
+              <a:t>Radium as tracer for hydraulic fracturing, other deep water releases</a:t>
+            </a:r>
+            <a:endParaRPr lang="en-US" dirty="0" smtClean="0"/>
           </a:p>
         </p:txBody>
       </p:sp>
     </p:spTree>
     <p:extLst>
       <p:ext uri="{BB962C8B-B14F-4D97-AF65-F5344CB8AC3E}">
-        <p14:creationId xmlns:p14="http://schemas.microsoft.com/office/powerpoint/2010/main" val="3265093828"/>
+        <p14:creationId xmlns:p14="http://schemas.microsoft.com/office/powerpoint/2010/main" val="4052464204"/>
+      </p:ext>
+    </p:extLst>
+  </p:cSld>
+  <p:clrMapOvr>
+    <a:masterClrMapping/>
+  </p:clrMapOvr>
+</p:sld>
+</file>
+
+<file path=ppt/slides/slide8.xml><?xml version="1.0" encoding="utf-8"?>
+<p:sld xmlns:a="http://schemas.openxmlformats.org/drawingml/2006/main" xmlns:r="http://schemas.openxmlformats.org/officeDocument/2006/relationships" xmlns:p="http://schemas.openxmlformats.org/presentationml/2006/main">
+  <p:cSld>
+    <p:spTree>
+      <p:nvGrpSpPr>
+        <p:cNvPr id="1" name=""/>
+        <p:cNvGrpSpPr/>
+        <p:nvPr/>
+      </p:nvGrpSpPr>
+      <p:grpSpPr>
+        <a:xfrm>
+          <a:off x="0" y="0"/>
+          <a:ext cx="0" cy="0"/>
+          <a:chOff x="0" y="0"/>
+          <a:chExt cx="0" cy="0"/>
+        </a:xfrm>
+      </p:grpSpPr>
+      <p:sp>
+        <p:nvSpPr>
+          <p:cNvPr id="4" name="Title 3"/>
+          <p:cNvSpPr>
+            <a:spLocks noGrp="1"/>
+          </p:cNvSpPr>
+          <p:nvPr>
+            <p:ph type="title"/>
+          </p:nvPr>
+        </p:nvSpPr>
+        <p:spPr/>
+        <p:txBody>
+          <a:bodyPr/>
+          <a:lstStyle/>
+          <a:p>
+            <a:r>
+              <a:rPr lang="en-US" dirty="0" smtClean="0"/>
+              <a:t>Why radioactive isotopes?</a:t>
+            </a:r>
+            <a:endParaRPr lang="en-US" dirty="0"/>
+          </a:p>
+        </p:txBody>
+      </p:sp>
+      <p:sp>
+        <p:nvSpPr>
+          <p:cNvPr id="5" name="Content Placeholder 4"/>
+          <p:cNvSpPr>
+            <a:spLocks noGrp="1"/>
+          </p:cNvSpPr>
+          <p:nvPr>
+            <p:ph idx="1"/>
+          </p:nvPr>
+        </p:nvSpPr>
+        <p:spPr>
+          <a:xfrm>
+            <a:off x="838200" y="1825625"/>
+            <a:ext cx="4994189" cy="4351338"/>
+          </a:xfrm>
+        </p:spPr>
+        <p:txBody>
+          <a:bodyPr/>
+          <a:lstStyle/>
+          <a:p>
+            <a:r>
+              <a:rPr lang="en-US" dirty="0" smtClean="0"/>
+              <a:t>Critical environmental contaminants from energy generation and nuclear medicine</a:t>
+            </a:r>
+          </a:p>
+          <a:p>
+            <a:r>
+              <a:rPr lang="en-US" dirty="0" smtClean="0"/>
+              <a:t>Unique detection methods</a:t>
+            </a:r>
+          </a:p>
+          <a:p>
+            <a:r>
+              <a:rPr lang="en-US" dirty="0" smtClean="0"/>
+              <a:t>Discreet, well defined anthropogenic signals</a:t>
+            </a:r>
+          </a:p>
+          <a:p>
+            <a:r>
+              <a:rPr lang="en-US" dirty="0" smtClean="0"/>
+              <a:t>Broad base natural signals</a:t>
+            </a:r>
+          </a:p>
+        </p:txBody>
+      </p:sp>
+    </p:spTree>
+    <p:extLst>
+      <p:ext uri="{BB962C8B-B14F-4D97-AF65-F5344CB8AC3E}">
+        <p14:creationId xmlns:p14="http://schemas.microsoft.com/office/powerpoint/2010/main" val="362586474"/>
+      </p:ext>
+    </p:extLst>
+  </p:cSld>
+  <p:clrMapOvr>
+    <a:masterClrMapping/>
+  </p:clrMapOvr>
+</p:sld>
+</file>
+
+<file path=ppt/slides/slide9.xml><?xml version="1.0" encoding="utf-8"?>
+<p:sld xmlns:a="http://schemas.openxmlformats.org/drawingml/2006/main" xmlns:r="http://schemas.openxmlformats.org/officeDocument/2006/relationships" xmlns:p="http://schemas.openxmlformats.org/presentationml/2006/main">
+  <p:cSld>
+    <p:spTree>
+      <p:nvGrpSpPr>
+        <p:cNvPr id="1" name=""/>
+        <p:cNvGrpSpPr/>
+        <p:nvPr/>
+      </p:nvGrpSpPr>
+      <p:grpSpPr>
+        <a:xfrm>
+          <a:off x="0" y="0"/>
+          <a:ext cx="0" cy="0"/>
+          <a:chOff x="0" y="0"/>
+          <a:chExt cx="0" cy="0"/>
+        </a:xfrm>
+      </p:grpSpPr>
+      <p:sp>
+        <p:nvSpPr>
+          <p:cNvPr id="4" name="Title 3"/>
+          <p:cNvSpPr>
+            <a:spLocks noGrp="1"/>
+          </p:cNvSpPr>
+          <p:nvPr>
+            <p:ph type="title"/>
+          </p:nvPr>
+        </p:nvSpPr>
+        <p:spPr/>
+        <p:txBody>
+          <a:bodyPr/>
+          <a:lstStyle/>
+          <a:p>
+            <a:r>
+              <a:rPr lang="en-US" dirty="0" smtClean="0"/>
+              <a:t>Radioisotopes as environmental tracers</a:t>
+            </a:r>
+            <a:endParaRPr lang="en-US" dirty="0"/>
+          </a:p>
+        </p:txBody>
+      </p:sp>
+      <p:sp>
+        <p:nvSpPr>
+          <p:cNvPr id="10" name="Text Placeholder 9"/>
+          <p:cNvSpPr>
+            <a:spLocks noGrp="1"/>
+          </p:cNvSpPr>
+          <p:nvPr>
+            <p:ph type="body" idx="1"/>
+          </p:nvPr>
+        </p:nvSpPr>
+        <p:spPr/>
+        <p:txBody>
+          <a:bodyPr/>
+          <a:lstStyle/>
+          <a:p>
+            <a:r>
+              <a:rPr lang="en-US" dirty="0" smtClean="0"/>
+              <a:t>Radium</a:t>
+            </a:r>
+            <a:endParaRPr lang="en-US" dirty="0"/>
+          </a:p>
+        </p:txBody>
+      </p:sp>
+      <p:sp>
+        <p:nvSpPr>
+          <p:cNvPr id="5" name="Content Placeholder 4"/>
+          <p:cNvSpPr>
+            <a:spLocks noGrp="1"/>
+          </p:cNvSpPr>
+          <p:nvPr>
+            <p:ph sz="half" idx="2"/>
+          </p:nvPr>
+        </p:nvSpPr>
+        <p:spPr>
+          <a:xfrm>
+            <a:off x="839788" y="2505075"/>
+            <a:ext cx="5332410" cy="3684588"/>
+          </a:xfrm>
+        </p:spPr>
+        <p:txBody>
+          <a:bodyPr/>
+          <a:lstStyle/>
+          <a:p>
+            <a:r>
+              <a:rPr lang="en-US" dirty="0" smtClean="0"/>
+              <a:t>Major Isotopes: </a:t>
+            </a:r>
+            <a:r>
+              <a:rPr lang="en-US" baseline="30000" dirty="0" smtClean="0"/>
+              <a:t>226</a:t>
+            </a:r>
+            <a:r>
+              <a:rPr lang="en-US" dirty="0" smtClean="0"/>
+              <a:t>Ra, </a:t>
+            </a:r>
+            <a:r>
+              <a:rPr lang="en-US" baseline="30000" dirty="0" smtClean="0"/>
+              <a:t>224</a:t>
+            </a:r>
+            <a:r>
+              <a:rPr lang="en-US" dirty="0" smtClean="0"/>
+              <a:t>Ra, </a:t>
+            </a:r>
+            <a:r>
+              <a:rPr lang="en-US" baseline="30000" dirty="0" smtClean="0"/>
+              <a:t>228</a:t>
+            </a:r>
+            <a:r>
+              <a:rPr lang="en-US" dirty="0" smtClean="0"/>
+              <a:t>Ra</a:t>
+            </a:r>
+          </a:p>
+          <a:p>
+            <a:r>
+              <a:rPr lang="en-US" dirty="0" smtClean="0"/>
+              <a:t>Half-life: 3 days-1600 years</a:t>
+            </a:r>
+          </a:p>
+          <a:p>
+            <a:r>
+              <a:rPr lang="en-US" dirty="0" smtClean="0"/>
+              <a:t>Oxidation states: II, 0</a:t>
+            </a:r>
+          </a:p>
+          <a:p>
+            <a:r>
+              <a:rPr lang="en-US" dirty="0" smtClean="0"/>
+              <a:t>Transport retarded by mineral sorption</a:t>
+            </a:r>
+          </a:p>
+          <a:p>
+            <a:r>
+              <a:rPr lang="en-US" dirty="0" smtClean="0"/>
+              <a:t>Isotopes used as tracers for groundwater flow into oceans</a:t>
+            </a:r>
+          </a:p>
+          <a:p>
+            <a:endParaRPr lang="en-US" dirty="0"/>
+          </a:p>
+        </p:txBody>
+      </p:sp>
+      <p:sp>
+        <p:nvSpPr>
+          <p:cNvPr id="11" name="Text Placeholder 10"/>
+          <p:cNvSpPr>
+            <a:spLocks noGrp="1"/>
+          </p:cNvSpPr>
+          <p:nvPr>
+            <p:ph type="body" sz="quarter" idx="3"/>
+          </p:nvPr>
+        </p:nvSpPr>
+        <p:spPr/>
+        <p:txBody>
+          <a:bodyPr/>
+          <a:lstStyle/>
+          <a:p>
+            <a:r>
+              <a:rPr lang="en-US" dirty="0" smtClean="0"/>
+              <a:t>Iodine</a:t>
+            </a:r>
+            <a:endParaRPr lang="en-US" dirty="0"/>
+          </a:p>
+        </p:txBody>
+      </p:sp>
+      <p:sp>
+        <p:nvSpPr>
+          <p:cNvPr id="12" name="Content Placeholder 11"/>
+          <p:cNvSpPr>
+            <a:spLocks noGrp="1"/>
+          </p:cNvSpPr>
+          <p:nvPr>
+            <p:ph sz="quarter" idx="4"/>
+          </p:nvPr>
+        </p:nvSpPr>
+        <p:spPr>
+          <a:xfrm>
+            <a:off x="6172199" y="2505075"/>
+            <a:ext cx="5682049" cy="3684588"/>
+          </a:xfrm>
+        </p:spPr>
+        <p:txBody>
+          <a:bodyPr/>
+          <a:lstStyle/>
+          <a:p>
+            <a:r>
+              <a:rPr lang="en-US" dirty="0" smtClean="0"/>
+              <a:t>Major Isotopes: </a:t>
+            </a:r>
+            <a:r>
+              <a:rPr lang="en-US" baseline="30000" dirty="0" smtClean="0"/>
+              <a:t>131</a:t>
+            </a:r>
+            <a:r>
+              <a:rPr lang="en-US" dirty="0" smtClean="0"/>
+              <a:t>I, </a:t>
+            </a:r>
+            <a:r>
+              <a:rPr lang="en-US" baseline="30000" dirty="0" smtClean="0"/>
+              <a:t>129</a:t>
+            </a:r>
+            <a:r>
+              <a:rPr lang="en-US" dirty="0" smtClean="0"/>
+              <a:t>I, </a:t>
+            </a:r>
+            <a:r>
+              <a:rPr lang="en-US" baseline="30000" dirty="0" smtClean="0"/>
+              <a:t>127</a:t>
+            </a:r>
+            <a:r>
+              <a:rPr lang="en-US" dirty="0" smtClean="0"/>
+              <a:t>I (stable)</a:t>
+            </a:r>
+          </a:p>
+          <a:p>
+            <a:r>
+              <a:rPr lang="en-US" dirty="0" smtClean="0"/>
+              <a:t>Half-life: 8 days to millions of years</a:t>
+            </a:r>
+          </a:p>
+          <a:p>
+            <a:r>
+              <a:rPr lang="en-US" dirty="0" smtClean="0"/>
+              <a:t>Oxidation States: VII, V, III, I, 0, -I</a:t>
+            </a:r>
+          </a:p>
+          <a:p>
+            <a:r>
+              <a:rPr lang="en-US" dirty="0" smtClean="0"/>
+              <a:t>Transport dominated by organic matter interactions</a:t>
+            </a:r>
+          </a:p>
+          <a:p>
+            <a:r>
+              <a:rPr lang="en-US" dirty="0" smtClean="0"/>
+              <a:t>Primary </a:t>
+            </a:r>
+            <a:r>
+              <a:rPr lang="en-US" baseline="30000" dirty="0" smtClean="0"/>
+              <a:t>129</a:t>
+            </a:r>
+            <a:r>
+              <a:rPr lang="en-US" dirty="0" smtClean="0"/>
+              <a:t>I source from human nuclear activities</a:t>
+            </a:r>
+            <a:endParaRPr lang="en-US" dirty="0"/>
+          </a:p>
+        </p:txBody>
+      </p:sp>
+    </p:spTree>
+    <p:extLst>
+      <p:ext uri="{BB962C8B-B14F-4D97-AF65-F5344CB8AC3E}">
+        <p14:creationId xmlns:p14="http://schemas.microsoft.com/office/powerpoint/2010/main" val="35306901"/>
       </p:ext>
     </p:extLst>
   </p:cSld>

--- a/Presentation.pptx
+++ b/Presentation.pptx
@@ -16,18 +16,20 @@
     <p:sldId id="266" r:id="rId10"/>
     <p:sldId id="269" r:id="rId11"/>
     <p:sldId id="260" r:id="rId12"/>
-    <p:sldId id="270" r:id="rId13"/>
-    <p:sldId id="272" r:id="rId14"/>
-    <p:sldId id="273" r:id="rId15"/>
-    <p:sldId id="274" r:id="rId16"/>
-    <p:sldId id="275" r:id="rId17"/>
-    <p:sldId id="261" r:id="rId18"/>
-    <p:sldId id="271" r:id="rId19"/>
-    <p:sldId id="277" r:id="rId20"/>
-    <p:sldId id="278" r:id="rId21"/>
-    <p:sldId id="279" r:id="rId22"/>
-    <p:sldId id="280" r:id="rId23"/>
-    <p:sldId id="262" r:id="rId24"/>
+    <p:sldId id="281" r:id="rId13"/>
+    <p:sldId id="270" r:id="rId14"/>
+    <p:sldId id="282" r:id="rId15"/>
+    <p:sldId id="272" r:id="rId16"/>
+    <p:sldId id="273" r:id="rId17"/>
+    <p:sldId id="274" r:id="rId18"/>
+    <p:sldId id="275" r:id="rId19"/>
+    <p:sldId id="261" r:id="rId20"/>
+    <p:sldId id="271" r:id="rId21"/>
+    <p:sldId id="277" r:id="rId22"/>
+    <p:sldId id="278" r:id="rId23"/>
+    <p:sldId id="279" r:id="rId24"/>
+    <p:sldId id="280" r:id="rId25"/>
+    <p:sldId id="262" r:id="rId26"/>
   </p:sldIdLst>
   <p:sldSz cx="12192000" cy="6858000"/>
   <p:notesSz cx="6858000" cy="9144000"/>
@@ -128,7 +130,7 @@
   </p:defaultTextStyle>
   <p:extLst>
     <p:ext uri="{EFAFB233-063F-42B5-8137-9DF3F51BA10A}">
-      <p15:sldGuideLst xmlns:p15="http://schemas.microsoft.com/office/powerpoint/2012/main"/>
+      <p15:sldGuideLst xmlns:p15="http://schemas.microsoft.com/office/powerpoint/2012/main" xmlns=""/>
     </p:ext>
   </p:extLst>
 </p:presentation>
@@ -265,7 +267,7 @@
           <a:p>
             <a:fld id="{31D0073F-64D9-41C6-AFCE-2DD7C5A9D9FB}" type="datetimeFigureOut">
               <a:rPr lang="en-US" smtClean="0"/>
-              <a:t>2/27/2015</a:t>
+              <a:t>2/28/2015</a:t>
             </a:fld>
             <a:endParaRPr lang="en-US"/>
           </a:p>
@@ -435,7 +437,7 @@
           <a:p>
             <a:fld id="{31D0073F-64D9-41C6-AFCE-2DD7C5A9D9FB}" type="datetimeFigureOut">
               <a:rPr lang="en-US" smtClean="0"/>
-              <a:t>2/27/2015</a:t>
+              <a:t>2/28/2015</a:t>
             </a:fld>
             <a:endParaRPr lang="en-US"/>
           </a:p>
@@ -615,7 +617,7 @@
           <a:p>
             <a:fld id="{31D0073F-64D9-41C6-AFCE-2DD7C5A9D9FB}" type="datetimeFigureOut">
               <a:rPr lang="en-US" smtClean="0"/>
-              <a:t>2/27/2015</a:t>
+              <a:t>2/28/2015</a:t>
             </a:fld>
             <a:endParaRPr lang="en-US"/>
           </a:p>
@@ -785,7 +787,7 @@
           <a:p>
             <a:fld id="{31D0073F-64D9-41C6-AFCE-2DD7C5A9D9FB}" type="datetimeFigureOut">
               <a:rPr lang="en-US" smtClean="0"/>
-              <a:t>2/27/2015</a:t>
+              <a:t>2/28/2015</a:t>
             </a:fld>
             <a:endParaRPr lang="en-US"/>
           </a:p>
@@ -1031,7 +1033,7 @@
           <a:p>
             <a:fld id="{31D0073F-64D9-41C6-AFCE-2DD7C5A9D9FB}" type="datetimeFigureOut">
               <a:rPr lang="en-US" smtClean="0"/>
-              <a:t>2/27/2015</a:t>
+              <a:t>2/28/2015</a:t>
             </a:fld>
             <a:endParaRPr lang="en-US"/>
           </a:p>
@@ -1263,7 +1265,7 @@
           <a:p>
             <a:fld id="{31D0073F-64D9-41C6-AFCE-2DD7C5A9D9FB}" type="datetimeFigureOut">
               <a:rPr lang="en-US" smtClean="0"/>
-              <a:t>2/27/2015</a:t>
+              <a:t>2/28/2015</a:t>
             </a:fld>
             <a:endParaRPr lang="en-US"/>
           </a:p>
@@ -1630,7 +1632,7 @@
           <a:p>
             <a:fld id="{31D0073F-64D9-41C6-AFCE-2DD7C5A9D9FB}" type="datetimeFigureOut">
               <a:rPr lang="en-US" smtClean="0"/>
-              <a:t>2/27/2015</a:t>
+              <a:t>2/28/2015</a:t>
             </a:fld>
             <a:endParaRPr lang="en-US"/>
           </a:p>
@@ -1748,7 +1750,7 @@
           <a:p>
             <a:fld id="{31D0073F-64D9-41C6-AFCE-2DD7C5A9D9FB}" type="datetimeFigureOut">
               <a:rPr lang="en-US" smtClean="0"/>
-              <a:t>2/27/2015</a:t>
+              <a:t>2/28/2015</a:t>
             </a:fld>
             <a:endParaRPr lang="en-US"/>
           </a:p>
@@ -1843,7 +1845,7 @@
           <a:p>
             <a:fld id="{31D0073F-64D9-41C6-AFCE-2DD7C5A9D9FB}" type="datetimeFigureOut">
               <a:rPr lang="en-US" smtClean="0"/>
-              <a:t>2/27/2015</a:t>
+              <a:t>2/28/2015</a:t>
             </a:fld>
             <a:endParaRPr lang="en-US"/>
           </a:p>
@@ -2120,7 +2122,7 @@
           <a:p>
             <a:fld id="{31D0073F-64D9-41C6-AFCE-2DD7C5A9D9FB}" type="datetimeFigureOut">
               <a:rPr lang="en-US" smtClean="0"/>
-              <a:t>2/27/2015</a:t>
+              <a:t>2/28/2015</a:t>
             </a:fld>
             <a:endParaRPr lang="en-US"/>
           </a:p>
@@ -2373,7 +2375,7 @@
           <a:p>
             <a:fld id="{31D0073F-64D9-41C6-AFCE-2DD7C5A9D9FB}" type="datetimeFigureOut">
               <a:rPr lang="en-US" smtClean="0"/>
-              <a:t>2/27/2015</a:t>
+              <a:t>2/28/2015</a:t>
             </a:fld>
             <a:endParaRPr lang="en-US"/>
           </a:p>
@@ -2586,7 +2588,7 @@
           <a:p>
             <a:fld id="{31D0073F-64D9-41C6-AFCE-2DD7C5A9D9FB}" type="datetimeFigureOut">
               <a:rPr lang="en-US" smtClean="0"/>
-              <a:t>2/27/2015</a:t>
+              <a:t>2/28/2015</a:t>
             </a:fld>
             <a:endParaRPr lang="en-US"/>
           </a:p>
@@ -3599,32 +3601,108 @@
           </a:p>
         </p:txBody>
       </p:sp>
-      <p:sp>
-        <p:nvSpPr>
-          <p:cNvPr id="5" name="Content Placeholder 4"/>
-          <p:cNvSpPr>
-            <a:spLocks noGrp="1"/>
-          </p:cNvSpPr>
-          <p:nvPr>
-            <p:ph idx="1"/>
-          </p:nvPr>
-        </p:nvSpPr>
-        <p:spPr/>
-        <p:txBody>
-          <a:bodyPr/>
-          <a:lstStyle/>
-          <a:p>
-            <a:r>
-              <a:rPr lang="en-US" dirty="0" smtClean="0"/>
-              <a:t>MAKE A CARTOON</a:t>
-            </a:r>
+      <p:pic>
+        <p:nvPicPr>
+          <p:cNvPr id="7" name="Picture 6"/>
+          <p:cNvPicPr>
+            <a:picLocks noChangeAspect="1"/>
+          </p:cNvPicPr>
+          <p:nvPr/>
+        </p:nvPicPr>
+        <p:blipFill>
+          <a:blip r:embed="rId2" cstate="print">
+            <a:extLst>
+              <a:ext uri="{28A0092B-C50C-407E-A947-70E740481C1C}">
+                <a14:useLocalDpi xmlns:a14="http://schemas.microsoft.com/office/drawing/2010/main" val="0"/>
+              </a:ext>
+            </a:extLst>
+          </a:blip>
+          <a:stretch>
+            <a:fillRect/>
+          </a:stretch>
+        </p:blipFill>
+        <p:spPr>
+          <a:xfrm>
+            <a:off x="1230187" y="1464343"/>
+            <a:ext cx="9595655" cy="5056742"/>
+          </a:xfrm>
+          <a:prstGeom prst="rect">
+            <a:avLst/>
+          </a:prstGeom>
+        </p:spPr>
+      </p:pic>
+      <p:sp>
+        <p:nvSpPr>
+          <p:cNvPr id="8" name="TextBox 7"/>
+          <p:cNvSpPr txBox="1"/>
+          <p:nvPr/>
+        </p:nvSpPr>
+        <p:spPr>
+          <a:xfrm>
+            <a:off x="3054350" y="4190315"/>
+            <a:ext cx="2656164" cy="646331"/>
+          </a:xfrm>
+          <a:prstGeom prst="rect">
+            <a:avLst/>
+          </a:prstGeom>
+          <a:noFill/>
+        </p:spPr>
+        <p:txBody>
+          <a:bodyPr wrap="square" rtlCol="0">
+            <a:spAutoFit/>
+          </a:bodyPr>
+          <a:lstStyle/>
+          <a:p>
+            <a:r>
+              <a:rPr lang="en-US" baseline="30000" dirty="0" smtClean="0"/>
+              <a:t>238</a:t>
+            </a:r>
+            <a:r>
+              <a:rPr lang="en-US" dirty="0" smtClean="0"/>
+              <a:t>U -&gt; </a:t>
+            </a:r>
+            <a:r>
+              <a:rPr lang="en-US" baseline="30000" dirty="0" smtClean="0"/>
+              <a:t>226</a:t>
+            </a:r>
+            <a:r>
+              <a:rPr lang="en-US" dirty="0" smtClean="0"/>
+              <a:t>Ra</a:t>
+            </a:r>
+          </a:p>
+          <a:p>
+            <a:r>
+              <a:rPr lang="en-US" baseline="30000" dirty="0" smtClean="0"/>
+              <a:t>232</a:t>
+            </a:r>
+            <a:r>
+              <a:rPr lang="en-US" dirty="0" smtClean="0"/>
+              <a:t>Th-&gt;</a:t>
+            </a:r>
+            <a:r>
+              <a:rPr lang="en-US" baseline="30000" dirty="0" smtClean="0"/>
+              <a:t>228</a:t>
+            </a:r>
+            <a:r>
+              <a:rPr lang="en-US" dirty="0" smtClean="0"/>
+              <a:t>Ra-&gt;</a:t>
+            </a:r>
+            <a:r>
+              <a:rPr lang="en-US" baseline="30000" dirty="0" smtClean="0"/>
+              <a:t>224</a:t>
+            </a:r>
+            <a:r>
+              <a:rPr lang="en-US" dirty="0" smtClean="0"/>
+              <a:t>Ra</a:t>
+            </a:r>
+            <a:endParaRPr lang="en-US" baseline="30000" dirty="0"/>
           </a:p>
         </p:txBody>
       </p:sp>
     </p:spTree>
     <p:extLst>
       <p:ext uri="{BB962C8B-B14F-4D97-AF65-F5344CB8AC3E}">
-        <p14:creationId xmlns:p14="http://schemas.microsoft.com/office/powerpoint/2010/main" val="2382742584"/>
+        <p14:creationId xmlns:p14="http://schemas.microsoft.com/office/powerpoint/2010/main" val="2404664391"/>
       </p:ext>
     </p:extLst>
   </p:cSld>
@@ -3653,7 +3731,7 @@
       </p:grpSpPr>
       <p:sp>
         <p:nvSpPr>
-          <p:cNvPr id="2" name="Title 1"/>
+          <p:cNvPr id="4" name="Title 3"/>
           <p:cNvSpPr>
             <a:spLocks noGrp="1"/>
           </p:cNvSpPr>
@@ -3668,30 +3746,149 @@
           <a:p>
             <a:r>
               <a:rPr lang="en-US" dirty="0" smtClean="0"/>
-              <a:t>Transport properties…</a:t>
+              <a:t>Radium Cycling</a:t>
             </a:r>
             <a:endParaRPr lang="en-US" dirty="0"/>
           </a:p>
         </p:txBody>
       </p:sp>
-      <p:sp>
-        <p:nvSpPr>
-          <p:cNvPr id="3" name="Content Placeholder 2"/>
-          <p:cNvSpPr>
-            <a:spLocks noGrp="1"/>
-          </p:cNvSpPr>
-          <p:nvPr>
-            <p:ph idx="1"/>
-          </p:nvPr>
-        </p:nvSpPr>
-        <p:spPr/>
-        <p:txBody>
-          <a:bodyPr/>
-          <a:lstStyle/>
-          <a:p>
-            <a:r>
-              <a:rPr lang="en-US" dirty="0" smtClean="0"/>
-              <a:t>IMAGE OF RADIUM SORPTION PROPERTIES FOR QUARTZ SAND</a:t>
+      <p:pic>
+        <p:nvPicPr>
+          <p:cNvPr id="7" name="Picture 6"/>
+          <p:cNvPicPr>
+            <a:picLocks noChangeAspect="1"/>
+          </p:cNvPicPr>
+          <p:nvPr/>
+        </p:nvPicPr>
+        <p:blipFill>
+          <a:blip r:embed="rId2" cstate="print">
+            <a:extLst>
+              <a:ext uri="{28A0092B-C50C-407E-A947-70E740481C1C}">
+                <a14:useLocalDpi xmlns:a14="http://schemas.microsoft.com/office/drawing/2010/main" val="0"/>
+              </a:ext>
+            </a:extLst>
+          </a:blip>
+          <a:stretch>
+            <a:fillRect/>
+          </a:stretch>
+        </p:blipFill>
+        <p:spPr>
+          <a:xfrm>
+            <a:off x="1230187" y="1464343"/>
+            <a:ext cx="9595655" cy="5056742"/>
+          </a:xfrm>
+          <a:prstGeom prst="rect">
+            <a:avLst/>
+          </a:prstGeom>
+        </p:spPr>
+      </p:pic>
+      <p:sp>
+        <p:nvSpPr>
+          <p:cNvPr id="8" name="TextBox 7"/>
+          <p:cNvSpPr txBox="1"/>
+          <p:nvPr/>
+        </p:nvSpPr>
+        <p:spPr>
+          <a:xfrm>
+            <a:off x="3054350" y="4190315"/>
+            <a:ext cx="2656164" cy="646331"/>
+          </a:xfrm>
+          <a:prstGeom prst="rect">
+            <a:avLst/>
+          </a:prstGeom>
+          <a:noFill/>
+        </p:spPr>
+        <p:txBody>
+          <a:bodyPr wrap="square" rtlCol="0">
+            <a:spAutoFit/>
+          </a:bodyPr>
+          <a:lstStyle/>
+          <a:p>
+            <a:r>
+              <a:rPr lang="en-US" baseline="30000" dirty="0" smtClean="0"/>
+              <a:t>238</a:t>
+            </a:r>
+            <a:r>
+              <a:rPr lang="en-US" dirty="0" smtClean="0"/>
+              <a:t>U -&gt; </a:t>
+            </a:r>
+            <a:r>
+              <a:rPr lang="en-US" baseline="30000" dirty="0" smtClean="0"/>
+              <a:t>226</a:t>
+            </a:r>
+            <a:r>
+              <a:rPr lang="en-US" dirty="0" smtClean="0"/>
+              <a:t>Ra</a:t>
+            </a:r>
+          </a:p>
+          <a:p>
+            <a:r>
+              <a:rPr lang="en-US" baseline="30000" dirty="0" smtClean="0"/>
+              <a:t>232</a:t>
+            </a:r>
+            <a:r>
+              <a:rPr lang="en-US" dirty="0" smtClean="0"/>
+              <a:t>Th-&gt;</a:t>
+            </a:r>
+            <a:r>
+              <a:rPr lang="en-US" baseline="30000" dirty="0" smtClean="0"/>
+              <a:t>228</a:t>
+            </a:r>
+            <a:r>
+              <a:rPr lang="en-US" dirty="0" smtClean="0"/>
+              <a:t>Ra-&gt;</a:t>
+            </a:r>
+            <a:r>
+              <a:rPr lang="en-US" baseline="30000" dirty="0" smtClean="0"/>
+              <a:t>224</a:t>
+            </a:r>
+            <a:r>
+              <a:rPr lang="en-US" dirty="0" smtClean="0"/>
+              <a:t>Ra</a:t>
+            </a:r>
+            <a:endParaRPr lang="en-US" baseline="30000" dirty="0"/>
+          </a:p>
+        </p:txBody>
+      </p:sp>
+      <p:sp>
+        <p:nvSpPr>
+          <p:cNvPr id="9" name="Right Arrow 8"/>
+          <p:cNvSpPr/>
+          <p:nvPr/>
+        </p:nvSpPr>
+        <p:spPr>
+          <a:xfrm>
+            <a:off x="5149850" y="4179171"/>
+            <a:ext cx="2546350" cy="668805"/>
+          </a:xfrm>
+          <a:prstGeom prst="rightArrow">
+            <a:avLst/>
+          </a:prstGeom>
+        </p:spPr>
+        <p:style>
+          <a:lnRef idx="2">
+            <a:schemeClr val="accent1">
+              <a:shade val="50000"/>
+            </a:schemeClr>
+          </a:lnRef>
+          <a:fillRef idx="1">
+            <a:schemeClr val="accent1"/>
+          </a:fillRef>
+          <a:effectRef idx="0">
+            <a:schemeClr val="accent1"/>
+          </a:effectRef>
+          <a:fontRef idx="minor">
+            <a:schemeClr val="lt1"/>
+          </a:fontRef>
+        </p:style>
+        <p:txBody>
+          <a:bodyPr rtlCol="0" anchor="ctr"/>
+          <a:lstStyle/>
+          <a:p>
+            <a:pPr algn="ctr"/>
+            <a:r>
+              <a:rPr lang="en-US" dirty="0" smtClean="0"/>
+              <a:t>Groundwater Flow</a:t>
             </a:r>
             <a:endParaRPr lang="en-US" dirty="0"/>
           </a:p>
@@ -3700,7 +3897,7 @@
     </p:spTree>
     <p:extLst>
       <p:ext uri="{BB962C8B-B14F-4D97-AF65-F5344CB8AC3E}">
-        <p14:creationId xmlns:p14="http://schemas.microsoft.com/office/powerpoint/2010/main" val="1706735475"/>
+        <p14:creationId xmlns:p14="http://schemas.microsoft.com/office/powerpoint/2010/main" val="2382742584"/>
       </p:ext>
     </p:extLst>
   </p:cSld>
@@ -3729,6 +3926,377 @@
       </p:grpSpPr>
       <p:sp>
         <p:nvSpPr>
+          <p:cNvPr id="4" name="Title 3"/>
+          <p:cNvSpPr>
+            <a:spLocks noGrp="1"/>
+          </p:cNvSpPr>
+          <p:nvPr>
+            <p:ph type="title"/>
+          </p:nvPr>
+        </p:nvSpPr>
+        <p:spPr/>
+        <p:txBody>
+          <a:bodyPr/>
+          <a:lstStyle/>
+          <a:p>
+            <a:r>
+              <a:rPr lang="en-US" dirty="0" smtClean="0"/>
+              <a:t>Radium Cycling</a:t>
+            </a:r>
+            <a:endParaRPr lang="en-US" dirty="0"/>
+          </a:p>
+        </p:txBody>
+      </p:sp>
+      <p:pic>
+        <p:nvPicPr>
+          <p:cNvPr id="7" name="Picture 6"/>
+          <p:cNvPicPr>
+            <a:picLocks noChangeAspect="1"/>
+          </p:cNvPicPr>
+          <p:nvPr/>
+        </p:nvPicPr>
+        <p:blipFill>
+          <a:blip r:embed="rId2" cstate="print">
+            <a:extLst>
+              <a:ext uri="{28A0092B-C50C-407E-A947-70E740481C1C}">
+                <a14:useLocalDpi xmlns:a14="http://schemas.microsoft.com/office/drawing/2010/main" val="0"/>
+              </a:ext>
+            </a:extLst>
+          </a:blip>
+          <a:stretch>
+            <a:fillRect/>
+          </a:stretch>
+        </p:blipFill>
+        <p:spPr>
+          <a:xfrm>
+            <a:off x="1230187" y="1464343"/>
+            <a:ext cx="9595655" cy="5056742"/>
+          </a:xfrm>
+          <a:prstGeom prst="rect">
+            <a:avLst/>
+          </a:prstGeom>
+        </p:spPr>
+      </p:pic>
+      <p:sp>
+        <p:nvSpPr>
+          <p:cNvPr id="8" name="TextBox 7"/>
+          <p:cNvSpPr txBox="1"/>
+          <p:nvPr/>
+        </p:nvSpPr>
+        <p:spPr>
+          <a:xfrm>
+            <a:off x="3055487" y="4191006"/>
+            <a:ext cx="2656164" cy="646331"/>
+          </a:xfrm>
+          <a:prstGeom prst="rect">
+            <a:avLst/>
+          </a:prstGeom>
+          <a:noFill/>
+        </p:spPr>
+        <p:txBody>
+          <a:bodyPr wrap="square" rtlCol="0">
+            <a:spAutoFit/>
+          </a:bodyPr>
+          <a:lstStyle/>
+          <a:p>
+            <a:r>
+              <a:rPr lang="en-US" baseline="30000" dirty="0" smtClean="0"/>
+              <a:t>238</a:t>
+            </a:r>
+            <a:r>
+              <a:rPr lang="en-US" dirty="0" smtClean="0"/>
+              <a:t>U -&gt; </a:t>
+            </a:r>
+            <a:r>
+              <a:rPr lang="en-US" baseline="30000" dirty="0" smtClean="0"/>
+              <a:t>226</a:t>
+            </a:r>
+            <a:r>
+              <a:rPr lang="en-US" dirty="0" smtClean="0"/>
+              <a:t>Ra</a:t>
+            </a:r>
+          </a:p>
+          <a:p>
+            <a:r>
+              <a:rPr lang="en-US" baseline="30000" dirty="0" smtClean="0"/>
+              <a:t>232</a:t>
+            </a:r>
+            <a:r>
+              <a:rPr lang="en-US" dirty="0" smtClean="0"/>
+              <a:t>Th-&gt;</a:t>
+            </a:r>
+            <a:r>
+              <a:rPr lang="en-US" baseline="30000" dirty="0" smtClean="0"/>
+              <a:t>228</a:t>
+            </a:r>
+            <a:r>
+              <a:rPr lang="en-US" dirty="0" smtClean="0"/>
+              <a:t>Ra-&gt;</a:t>
+            </a:r>
+            <a:r>
+              <a:rPr lang="en-US" baseline="30000" dirty="0" smtClean="0"/>
+              <a:t>224</a:t>
+            </a:r>
+            <a:r>
+              <a:rPr lang="en-US" dirty="0" smtClean="0"/>
+              <a:t>Ra</a:t>
+            </a:r>
+            <a:endParaRPr lang="en-US" baseline="30000" dirty="0"/>
+          </a:p>
+        </p:txBody>
+      </p:sp>
+      <p:cxnSp>
+        <p:nvCxnSpPr>
+          <p:cNvPr id="19" name="Straight Connector 18"/>
+          <p:cNvCxnSpPr/>
+          <p:nvPr/>
+        </p:nvCxnSpPr>
+        <p:spPr>
+          <a:xfrm flipH="1">
+            <a:off x="2433638" y="5781675"/>
+            <a:ext cx="1262062" cy="0"/>
+          </a:xfrm>
+          <a:prstGeom prst="line">
+            <a:avLst/>
+          </a:prstGeom>
+          <a:ln w="19050">
+            <a:solidFill>
+              <a:schemeClr val="accent2">
+                <a:lumMod val="75000"/>
+              </a:schemeClr>
+            </a:solidFill>
+          </a:ln>
+        </p:spPr>
+        <p:style>
+          <a:lnRef idx="1">
+            <a:schemeClr val="accent1"/>
+          </a:lnRef>
+          <a:fillRef idx="0">
+            <a:schemeClr val="accent1"/>
+          </a:fillRef>
+          <a:effectRef idx="0">
+            <a:schemeClr val="accent1"/>
+          </a:effectRef>
+          <a:fontRef idx="minor">
+            <a:schemeClr val="tx1"/>
+          </a:fontRef>
+        </p:style>
+      </p:cxnSp>
+      <p:cxnSp>
+        <p:nvCxnSpPr>
+          <p:cNvPr id="21" name="Straight Connector 20"/>
+          <p:cNvCxnSpPr/>
+          <p:nvPr/>
+        </p:nvCxnSpPr>
+        <p:spPr>
+          <a:xfrm flipV="1">
+            <a:off x="2433638" y="2790825"/>
+            <a:ext cx="0" cy="2990850"/>
+          </a:xfrm>
+          <a:prstGeom prst="line">
+            <a:avLst/>
+          </a:prstGeom>
+          <a:ln w="19050">
+            <a:solidFill>
+              <a:schemeClr val="accent2">
+                <a:lumMod val="75000"/>
+              </a:schemeClr>
+            </a:solidFill>
+          </a:ln>
+        </p:spPr>
+        <p:style>
+          <a:lnRef idx="1">
+            <a:schemeClr val="accent1"/>
+          </a:lnRef>
+          <a:fillRef idx="0">
+            <a:schemeClr val="accent1"/>
+          </a:fillRef>
+          <a:effectRef idx="0">
+            <a:schemeClr val="accent1"/>
+          </a:effectRef>
+          <a:fontRef idx="minor">
+            <a:schemeClr val="tx1"/>
+          </a:fontRef>
+        </p:style>
+      </p:cxnSp>
+      <p:cxnSp>
+        <p:nvCxnSpPr>
+          <p:cNvPr id="25" name="Elbow Connector 24"/>
+          <p:cNvCxnSpPr/>
+          <p:nvPr/>
+        </p:nvCxnSpPr>
+        <p:spPr>
+          <a:xfrm>
+            <a:off x="2433638" y="2790825"/>
+            <a:ext cx="1390650" cy="566738"/>
+          </a:xfrm>
+          <a:prstGeom prst="bentConnector3">
+            <a:avLst>
+              <a:gd name="adj1" fmla="val 100000"/>
+            </a:avLst>
+          </a:prstGeom>
+          <a:ln w="19050">
+            <a:solidFill>
+              <a:schemeClr val="accent2">
+                <a:lumMod val="75000"/>
+              </a:schemeClr>
+            </a:solidFill>
+            <a:tailEnd type="arrow"/>
+          </a:ln>
+        </p:spPr>
+        <p:style>
+          <a:lnRef idx="1">
+            <a:schemeClr val="accent1"/>
+          </a:lnRef>
+          <a:fillRef idx="0">
+            <a:schemeClr val="accent1"/>
+          </a:fillRef>
+          <a:effectRef idx="0">
+            <a:schemeClr val="accent1"/>
+          </a:effectRef>
+          <a:fontRef idx="minor">
+            <a:schemeClr val="tx1"/>
+          </a:fontRef>
+        </p:style>
+      </p:cxnSp>
+      <p:sp>
+        <p:nvSpPr>
+          <p:cNvPr id="30" name="TextBox 29"/>
+          <p:cNvSpPr txBox="1"/>
+          <p:nvPr/>
+        </p:nvSpPr>
+        <p:spPr>
+          <a:xfrm>
+            <a:off x="3912734" y="2904917"/>
+            <a:ext cx="1814513" cy="338554"/>
+          </a:xfrm>
+          <a:prstGeom prst="rect">
+            <a:avLst/>
+          </a:prstGeom>
+          <a:noFill/>
+        </p:spPr>
+        <p:txBody>
+          <a:bodyPr wrap="square" rtlCol="0">
+            <a:spAutoFit/>
+          </a:bodyPr>
+          <a:lstStyle/>
+          <a:p>
+            <a:r>
+              <a:rPr lang="en-US" sz="1600" dirty="0" smtClean="0"/>
+              <a:t>Produced Water</a:t>
+            </a:r>
+            <a:endParaRPr lang="en-US" sz="1600" dirty="0"/>
+          </a:p>
+        </p:txBody>
+      </p:sp>
+    </p:spTree>
+    <p:extLst>
+      <p:ext uri="{BB962C8B-B14F-4D97-AF65-F5344CB8AC3E}">
+        <p14:creationId xmlns:p14="http://schemas.microsoft.com/office/powerpoint/2010/main" val="1889651305"/>
+      </p:ext>
+    </p:extLst>
+  </p:cSld>
+  <p:clrMapOvr>
+    <a:masterClrMapping/>
+  </p:clrMapOvr>
+</p:sld>
+</file>
+
+<file path=ppt/slides/slide15.xml><?xml version="1.0" encoding="utf-8"?>
+<p:sld xmlns:a="http://schemas.openxmlformats.org/drawingml/2006/main" xmlns:r="http://schemas.openxmlformats.org/officeDocument/2006/relationships" xmlns:p="http://schemas.openxmlformats.org/presentationml/2006/main">
+  <p:cSld>
+    <p:spTree>
+      <p:nvGrpSpPr>
+        <p:cNvPr id="1" name=""/>
+        <p:cNvGrpSpPr/>
+        <p:nvPr/>
+      </p:nvGrpSpPr>
+      <p:grpSpPr>
+        <a:xfrm>
+          <a:off x="0" y="0"/>
+          <a:ext cx="0" cy="0"/>
+          <a:chOff x="0" y="0"/>
+          <a:chExt cx="0" cy="0"/>
+        </a:xfrm>
+      </p:grpSpPr>
+      <p:sp>
+        <p:nvSpPr>
+          <p:cNvPr id="2" name="Title 1"/>
+          <p:cNvSpPr>
+            <a:spLocks noGrp="1"/>
+          </p:cNvSpPr>
+          <p:nvPr>
+            <p:ph type="title"/>
+          </p:nvPr>
+        </p:nvSpPr>
+        <p:spPr/>
+        <p:txBody>
+          <a:bodyPr/>
+          <a:lstStyle/>
+          <a:p>
+            <a:r>
+              <a:rPr lang="en-US" dirty="0" smtClean="0"/>
+              <a:t>Transport properties…</a:t>
+            </a:r>
+            <a:endParaRPr lang="en-US" dirty="0"/>
+          </a:p>
+        </p:txBody>
+      </p:sp>
+      <p:sp>
+        <p:nvSpPr>
+          <p:cNvPr id="3" name="Content Placeholder 2"/>
+          <p:cNvSpPr>
+            <a:spLocks noGrp="1"/>
+          </p:cNvSpPr>
+          <p:nvPr>
+            <p:ph idx="1"/>
+          </p:nvPr>
+        </p:nvSpPr>
+        <p:spPr/>
+        <p:txBody>
+          <a:bodyPr/>
+          <a:lstStyle/>
+          <a:p>
+            <a:r>
+              <a:rPr lang="en-US" dirty="0" smtClean="0"/>
+              <a:t>IMAGE OF RADIUM SORPTION PROPERTIES FOR QUARTZ SAND</a:t>
+            </a:r>
+            <a:endParaRPr lang="en-US" dirty="0"/>
+          </a:p>
+        </p:txBody>
+      </p:sp>
+    </p:spTree>
+    <p:extLst>
+      <p:ext uri="{BB962C8B-B14F-4D97-AF65-F5344CB8AC3E}">
+        <p14:creationId xmlns:p14="http://schemas.microsoft.com/office/powerpoint/2010/main" val="1706735475"/>
+      </p:ext>
+    </p:extLst>
+  </p:cSld>
+  <p:clrMapOvr>
+    <a:masterClrMapping/>
+  </p:clrMapOvr>
+</p:sld>
+</file>
+
+<file path=ppt/slides/slide16.xml><?xml version="1.0" encoding="utf-8"?>
+<p:sld xmlns:a="http://schemas.openxmlformats.org/drawingml/2006/main" xmlns:r="http://schemas.openxmlformats.org/officeDocument/2006/relationships" xmlns:p="http://schemas.openxmlformats.org/presentationml/2006/main">
+  <p:cSld>
+    <p:spTree>
+      <p:nvGrpSpPr>
+        <p:cNvPr id="1" name=""/>
+        <p:cNvGrpSpPr/>
+        <p:nvPr/>
+      </p:nvGrpSpPr>
+      <p:grpSpPr>
+        <a:xfrm>
+          <a:off x="0" y="0"/>
+          <a:ext cx="0" cy="0"/>
+          <a:chOff x="0" y="0"/>
+          <a:chExt cx="0" cy="0"/>
+        </a:xfrm>
+      </p:grpSpPr>
+      <p:sp>
+        <p:nvSpPr>
           <p:cNvPr id="2" name="Title 1"/>
           <p:cNvSpPr>
             <a:spLocks noGrp="1"/>
@@ -3788,7 +4356,7 @@
 </p:sld>
 </file>
 
-<file path=ppt/slides/slide15.xml><?xml version="1.0" encoding="utf-8"?>
+<file path=ppt/slides/slide17.xml><?xml version="1.0" encoding="utf-8"?>
 <p:sld xmlns:a="http://schemas.openxmlformats.org/drawingml/2006/main" xmlns:r="http://schemas.openxmlformats.org/officeDocument/2006/relationships" xmlns:p="http://schemas.openxmlformats.org/presentationml/2006/main">
   <p:cSld>
     <p:spTree>
@@ -3870,7 +4438,7 @@
 </p:sld>
 </file>
 
-<file path=ppt/slides/slide16.xml><?xml version="1.0" encoding="utf-8"?>
+<file path=ppt/slides/slide18.xml><?xml version="1.0" encoding="utf-8"?>
 <p:sld xmlns:a="http://schemas.openxmlformats.org/drawingml/2006/main" xmlns:r="http://schemas.openxmlformats.org/officeDocument/2006/relationships" xmlns:p="http://schemas.openxmlformats.org/presentationml/2006/main">
   <p:cSld>
     <p:spTree>
@@ -4033,154 +4601,6 @@
 </p:sld>
 </file>
 
-<file path=ppt/slides/slide17.xml><?xml version="1.0" encoding="utf-8"?>
-<p:sld xmlns:a="http://schemas.openxmlformats.org/drawingml/2006/main" xmlns:r="http://schemas.openxmlformats.org/officeDocument/2006/relationships" xmlns:p="http://schemas.openxmlformats.org/presentationml/2006/main">
-  <p:cSld>
-    <p:spTree>
-      <p:nvGrpSpPr>
-        <p:cNvPr id="1" name=""/>
-        <p:cNvGrpSpPr/>
-        <p:nvPr/>
-      </p:nvGrpSpPr>
-      <p:grpSpPr>
-        <a:xfrm>
-          <a:off x="0" y="0"/>
-          <a:ext cx="0" cy="0"/>
-          <a:chOff x="0" y="0"/>
-          <a:chExt cx="0" cy="0"/>
-        </a:xfrm>
-      </p:grpSpPr>
-      <p:sp>
-        <p:nvSpPr>
-          <p:cNvPr id="4" name="Title 3"/>
-          <p:cNvSpPr>
-            <a:spLocks noGrp="1"/>
-          </p:cNvSpPr>
-          <p:nvPr>
-            <p:ph type="title"/>
-          </p:nvPr>
-        </p:nvSpPr>
-        <p:spPr/>
-        <p:txBody>
-          <a:bodyPr/>
-          <a:lstStyle/>
-          <a:p>
-            <a:r>
-              <a:rPr lang="en-US" dirty="0" smtClean="0"/>
-              <a:t>Iodine</a:t>
-            </a:r>
-            <a:endParaRPr lang="en-US" dirty="0"/>
-          </a:p>
-        </p:txBody>
-      </p:sp>
-      <p:sp>
-        <p:nvSpPr>
-          <p:cNvPr id="6" name="Text Placeholder 5"/>
-          <p:cNvSpPr>
-            <a:spLocks noGrp="1"/>
-          </p:cNvSpPr>
-          <p:nvPr>
-            <p:ph type="body" idx="1"/>
-          </p:nvPr>
-        </p:nvSpPr>
-        <p:spPr/>
-        <p:txBody>
-          <a:bodyPr/>
-          <a:lstStyle/>
-          <a:p>
-            <a:endParaRPr lang="en-US"/>
-          </a:p>
-        </p:txBody>
-      </p:sp>
-    </p:spTree>
-    <p:extLst>
-      <p:ext uri="{BB962C8B-B14F-4D97-AF65-F5344CB8AC3E}">
-        <p14:creationId xmlns:p14="http://schemas.microsoft.com/office/powerpoint/2010/main" val="3654518950"/>
-      </p:ext>
-    </p:extLst>
-  </p:cSld>
-  <p:clrMapOvr>
-    <a:masterClrMapping/>
-  </p:clrMapOvr>
-</p:sld>
-</file>
-
-<file path=ppt/slides/slide18.xml><?xml version="1.0" encoding="utf-8"?>
-<p:sld xmlns:a="http://schemas.openxmlformats.org/drawingml/2006/main" xmlns:r="http://schemas.openxmlformats.org/officeDocument/2006/relationships" xmlns:p="http://schemas.openxmlformats.org/presentationml/2006/main">
-  <p:cSld>
-    <p:spTree>
-      <p:nvGrpSpPr>
-        <p:cNvPr id="1" name=""/>
-        <p:cNvGrpSpPr/>
-        <p:nvPr/>
-      </p:nvGrpSpPr>
-      <p:grpSpPr>
-        <a:xfrm>
-          <a:off x="0" y="0"/>
-          <a:ext cx="0" cy="0"/>
-          <a:chOff x="0" y="0"/>
-          <a:chExt cx="0" cy="0"/>
-        </a:xfrm>
-      </p:grpSpPr>
-      <p:sp>
-        <p:nvSpPr>
-          <p:cNvPr id="9" name="Title 8"/>
-          <p:cNvSpPr>
-            <a:spLocks noGrp="1"/>
-          </p:cNvSpPr>
-          <p:nvPr>
-            <p:ph type="title"/>
-          </p:nvPr>
-        </p:nvSpPr>
-        <p:spPr/>
-        <p:txBody>
-          <a:bodyPr/>
-          <a:lstStyle/>
-          <a:p>
-            <a:r>
-              <a:rPr lang="en-US" dirty="0" smtClean="0"/>
-              <a:t>Iodine Cycling</a:t>
-            </a:r>
-            <a:endParaRPr lang="en-US" dirty="0"/>
-          </a:p>
-        </p:txBody>
-      </p:sp>
-      <p:sp>
-        <p:nvSpPr>
-          <p:cNvPr id="10" name="Content Placeholder 9"/>
-          <p:cNvSpPr>
-            <a:spLocks noGrp="1"/>
-          </p:cNvSpPr>
-          <p:nvPr>
-            <p:ph idx="1"/>
-          </p:nvPr>
-        </p:nvSpPr>
-        <p:spPr/>
-        <p:txBody>
-          <a:bodyPr/>
-          <a:lstStyle/>
-          <a:p>
-            <a:r>
-              <a:rPr lang="en-US" dirty="0" smtClean="0"/>
-              <a:t>FIGURE OF CYCLING</a:t>
-            </a:r>
-            <a:endParaRPr lang="en-US" dirty="0"/>
-          </a:p>
-        </p:txBody>
-      </p:sp>
-    </p:spTree>
-    <p:extLst>
-      <p:ext uri="{BB962C8B-B14F-4D97-AF65-F5344CB8AC3E}">
-        <p14:creationId xmlns:p14="http://schemas.microsoft.com/office/powerpoint/2010/main" val="1749583555"/>
-      </p:ext>
-    </p:extLst>
-  </p:cSld>
-  <p:clrMapOvr>
-    <a:masterClrMapping/>
-  </p:clrMapOvr>
-</p:sld>
-</file>
-
 <file path=ppt/slides/slide19.xml><?xml version="1.0" encoding="utf-8"?>
 <p:sld xmlns:a="http://schemas.openxmlformats.org/drawingml/2006/main" xmlns:r="http://schemas.openxmlformats.org/officeDocument/2006/relationships" xmlns:p="http://schemas.openxmlformats.org/presentationml/2006/main">
   <p:cSld>
@@ -4200,7 +4620,7 @@
       </p:grpSpPr>
       <p:sp>
         <p:nvSpPr>
-          <p:cNvPr id="2" name="Title 1"/>
+          <p:cNvPr id="4" name="Title 3"/>
           <p:cNvSpPr>
             <a:spLocks noGrp="1"/>
           </p:cNvSpPr>
@@ -4215,7 +4635,7 @@
           <a:p>
             <a:r>
               <a:rPr lang="en-US" dirty="0" smtClean="0"/>
-              <a:t>Interactions with aquifer solids</a:t>
+              <a:t>Iodine</a:t>
             </a:r>
             <a:endParaRPr lang="en-US" dirty="0"/>
           </a:p>
@@ -4223,48 +4643,27 @@
       </p:sp>
       <p:sp>
         <p:nvSpPr>
-          <p:cNvPr id="3" name="Content Placeholder 2"/>
-          <p:cNvSpPr>
-            <a:spLocks noGrp="1"/>
-          </p:cNvSpPr>
-          <p:nvPr>
-            <p:ph idx="1"/>
-          </p:nvPr>
-        </p:nvSpPr>
-        <p:spPr/>
-        <p:txBody>
-          <a:bodyPr/>
-          <a:lstStyle/>
-          <a:p>
-            <a:r>
-              <a:rPr lang="en-US" dirty="0" smtClean="0"/>
-              <a:t>Figure of relevant, understood processes</a:t>
-            </a:r>
-          </a:p>
-          <a:p>
-            <a:pPr lvl="1"/>
-            <a:r>
-              <a:rPr lang="en-US" dirty="0" smtClean="0"/>
-              <a:t>Mineral partitioning</a:t>
-            </a:r>
-          </a:p>
-          <a:p>
-            <a:pPr lvl="1"/>
-            <a:r>
-              <a:rPr lang="en-US" dirty="0" smtClean="0"/>
-              <a:t>Organic matter sorption and transformation</a:t>
-            </a:r>
-          </a:p>
-          <a:p>
-            <a:pPr lvl="1"/>
-            <a:endParaRPr lang="en-US" dirty="0"/>
+          <p:cNvPr id="6" name="Text Placeholder 5"/>
+          <p:cNvSpPr>
+            <a:spLocks noGrp="1"/>
+          </p:cNvSpPr>
+          <p:nvPr>
+            <p:ph type="body" idx="1"/>
+          </p:nvPr>
+        </p:nvSpPr>
+        <p:spPr/>
+        <p:txBody>
+          <a:bodyPr/>
+          <a:lstStyle/>
+          <a:p>
+            <a:endParaRPr lang="en-US"/>
           </a:p>
         </p:txBody>
       </p:sp>
     </p:spTree>
     <p:extLst>
       <p:ext uri="{BB962C8B-B14F-4D97-AF65-F5344CB8AC3E}">
-        <p14:creationId xmlns:p14="http://schemas.microsoft.com/office/powerpoint/2010/main" val="3906547553"/>
+        <p14:creationId xmlns:p14="http://schemas.microsoft.com/office/powerpoint/2010/main" val="3654518950"/>
       </p:ext>
     </p:extLst>
   </p:cSld>
@@ -4398,7 +4797,7 @@
       </p:grpSpPr>
       <p:sp>
         <p:nvSpPr>
-          <p:cNvPr id="2" name="Title 1"/>
+          <p:cNvPr id="9" name="Title 8"/>
           <p:cNvSpPr>
             <a:spLocks noGrp="1"/>
           </p:cNvSpPr>
@@ -4413,7 +4812,7 @@
           <a:p>
             <a:r>
               <a:rPr lang="en-US" dirty="0" smtClean="0"/>
-              <a:t>Sorption and Transport Experiments</a:t>
+              <a:t>Iodine Cycling</a:t>
             </a:r>
             <a:endParaRPr lang="en-US" dirty="0"/>
           </a:p>
@@ -4421,7 +4820,7 @@
       </p:sp>
       <p:sp>
         <p:nvSpPr>
-          <p:cNvPr id="3" name="Content Placeholder 2"/>
+          <p:cNvPr id="10" name="Content Placeholder 9"/>
           <p:cNvSpPr>
             <a:spLocks noGrp="1"/>
           </p:cNvSpPr>
@@ -4434,14 +4833,18 @@
           <a:bodyPr/>
           <a:lstStyle/>
           <a:p>
-            <a:endParaRPr lang="en-US"/>
+            <a:r>
+              <a:rPr lang="en-US" dirty="0" smtClean="0"/>
+              <a:t>FIGURE OF CYCLING</a:t>
+            </a:r>
+            <a:endParaRPr lang="en-US" dirty="0"/>
           </a:p>
         </p:txBody>
       </p:sp>
     </p:spTree>
     <p:extLst>
       <p:ext uri="{BB962C8B-B14F-4D97-AF65-F5344CB8AC3E}">
-        <p14:creationId xmlns:p14="http://schemas.microsoft.com/office/powerpoint/2010/main" val="3174231657"/>
+        <p14:creationId xmlns:p14="http://schemas.microsoft.com/office/powerpoint/2010/main" val="1749583555"/>
       </p:ext>
     </p:extLst>
   </p:cSld>
@@ -4485,7 +4888,7 @@
           <a:p>
             <a:r>
               <a:rPr lang="en-US" dirty="0" smtClean="0"/>
-              <a:t>Synchrotron Work</a:t>
+              <a:t>Interactions with aquifer solids</a:t>
             </a:r>
             <a:endParaRPr lang="en-US" dirty="0"/>
           </a:p>
@@ -4508,8 +4911,25 @@
           <a:p>
             <a:r>
               <a:rPr lang="en-US" dirty="0" smtClean="0"/>
-              <a:t>XANES spectra for iodine species</a:t>
-            </a:r>
+              <a:t>Figure of relevant, understood processes</a:t>
+            </a:r>
+          </a:p>
+          <a:p>
+            <a:pPr lvl="1"/>
+            <a:r>
+              <a:rPr lang="en-US" dirty="0" smtClean="0"/>
+              <a:t>Mineral partitioning</a:t>
+            </a:r>
+          </a:p>
+          <a:p>
+            <a:pPr lvl="1"/>
+            <a:r>
+              <a:rPr lang="en-US" dirty="0" smtClean="0"/>
+              <a:t>Organic matter sorption and transformation</a:t>
+            </a:r>
+          </a:p>
+          <a:p>
+            <a:pPr lvl="1"/>
             <a:endParaRPr lang="en-US" dirty="0"/>
           </a:p>
         </p:txBody>
@@ -4517,7 +4937,7 @@
     </p:spTree>
     <p:extLst>
       <p:ext uri="{BB962C8B-B14F-4D97-AF65-F5344CB8AC3E}">
-        <p14:creationId xmlns:p14="http://schemas.microsoft.com/office/powerpoint/2010/main" val="3838390611"/>
+        <p14:creationId xmlns:p14="http://schemas.microsoft.com/office/powerpoint/2010/main" val="3906547553"/>
       </p:ext>
     </p:extLst>
   </p:cSld>
@@ -4561,6 +4981,154 @@
           <a:p>
             <a:r>
               <a:rPr lang="en-US" dirty="0" smtClean="0"/>
+              <a:t>Sorption and Transport Experiments</a:t>
+            </a:r>
+            <a:endParaRPr lang="en-US" dirty="0"/>
+          </a:p>
+        </p:txBody>
+      </p:sp>
+      <p:sp>
+        <p:nvSpPr>
+          <p:cNvPr id="3" name="Content Placeholder 2"/>
+          <p:cNvSpPr>
+            <a:spLocks noGrp="1"/>
+          </p:cNvSpPr>
+          <p:nvPr>
+            <p:ph idx="1"/>
+          </p:nvPr>
+        </p:nvSpPr>
+        <p:spPr/>
+        <p:txBody>
+          <a:bodyPr/>
+          <a:lstStyle/>
+          <a:p>
+            <a:endParaRPr lang="en-US"/>
+          </a:p>
+        </p:txBody>
+      </p:sp>
+    </p:spTree>
+    <p:extLst>
+      <p:ext uri="{BB962C8B-B14F-4D97-AF65-F5344CB8AC3E}">
+        <p14:creationId xmlns:p14="http://schemas.microsoft.com/office/powerpoint/2010/main" val="3174231657"/>
+      </p:ext>
+    </p:extLst>
+  </p:cSld>
+  <p:clrMapOvr>
+    <a:masterClrMapping/>
+  </p:clrMapOvr>
+</p:sld>
+</file>
+
+<file path=ppt/slides/slide23.xml><?xml version="1.0" encoding="utf-8"?>
+<p:sld xmlns:a="http://schemas.openxmlformats.org/drawingml/2006/main" xmlns:r="http://schemas.openxmlformats.org/officeDocument/2006/relationships" xmlns:p="http://schemas.openxmlformats.org/presentationml/2006/main">
+  <p:cSld>
+    <p:spTree>
+      <p:nvGrpSpPr>
+        <p:cNvPr id="1" name=""/>
+        <p:cNvGrpSpPr/>
+        <p:nvPr/>
+      </p:nvGrpSpPr>
+      <p:grpSpPr>
+        <a:xfrm>
+          <a:off x="0" y="0"/>
+          <a:ext cx="0" cy="0"/>
+          <a:chOff x="0" y="0"/>
+          <a:chExt cx="0" cy="0"/>
+        </a:xfrm>
+      </p:grpSpPr>
+      <p:sp>
+        <p:nvSpPr>
+          <p:cNvPr id="2" name="Title 1"/>
+          <p:cNvSpPr>
+            <a:spLocks noGrp="1"/>
+          </p:cNvSpPr>
+          <p:nvPr>
+            <p:ph type="title"/>
+          </p:nvPr>
+        </p:nvSpPr>
+        <p:spPr/>
+        <p:txBody>
+          <a:bodyPr/>
+          <a:lstStyle/>
+          <a:p>
+            <a:r>
+              <a:rPr lang="en-US" dirty="0" smtClean="0"/>
+              <a:t>Synchrotron Work</a:t>
+            </a:r>
+            <a:endParaRPr lang="en-US" dirty="0"/>
+          </a:p>
+        </p:txBody>
+      </p:sp>
+      <p:sp>
+        <p:nvSpPr>
+          <p:cNvPr id="3" name="Content Placeholder 2"/>
+          <p:cNvSpPr>
+            <a:spLocks noGrp="1"/>
+          </p:cNvSpPr>
+          <p:nvPr>
+            <p:ph idx="1"/>
+          </p:nvPr>
+        </p:nvSpPr>
+        <p:spPr/>
+        <p:txBody>
+          <a:bodyPr/>
+          <a:lstStyle/>
+          <a:p>
+            <a:r>
+              <a:rPr lang="en-US" dirty="0" smtClean="0"/>
+              <a:t>XANES spectra for iodine species</a:t>
+            </a:r>
+            <a:endParaRPr lang="en-US" dirty="0"/>
+          </a:p>
+        </p:txBody>
+      </p:sp>
+    </p:spTree>
+    <p:extLst>
+      <p:ext uri="{BB962C8B-B14F-4D97-AF65-F5344CB8AC3E}">
+        <p14:creationId xmlns:p14="http://schemas.microsoft.com/office/powerpoint/2010/main" val="3838390611"/>
+      </p:ext>
+    </p:extLst>
+  </p:cSld>
+  <p:clrMapOvr>
+    <a:masterClrMapping/>
+  </p:clrMapOvr>
+</p:sld>
+</file>
+
+<file path=ppt/slides/slide24.xml><?xml version="1.0" encoding="utf-8"?>
+<p:sld xmlns:a="http://schemas.openxmlformats.org/drawingml/2006/main" xmlns:r="http://schemas.openxmlformats.org/officeDocument/2006/relationships" xmlns:p="http://schemas.openxmlformats.org/presentationml/2006/main">
+  <p:cSld>
+    <p:spTree>
+      <p:nvGrpSpPr>
+        <p:cNvPr id="1" name=""/>
+        <p:cNvGrpSpPr/>
+        <p:nvPr/>
+      </p:nvGrpSpPr>
+      <p:grpSpPr>
+        <a:xfrm>
+          <a:off x="0" y="0"/>
+          <a:ext cx="0" cy="0"/>
+          <a:chOff x="0" y="0"/>
+          <a:chExt cx="0" cy="0"/>
+        </a:xfrm>
+      </p:grpSpPr>
+      <p:sp>
+        <p:nvSpPr>
+          <p:cNvPr id="2" name="Title 1"/>
+          <p:cNvSpPr>
+            <a:spLocks noGrp="1"/>
+          </p:cNvSpPr>
+          <p:nvPr>
+            <p:ph type="title"/>
+          </p:nvPr>
+        </p:nvSpPr>
+        <p:spPr/>
+        <p:txBody>
+          <a:bodyPr/>
+          <a:lstStyle/>
+          <a:p>
+            <a:r>
+              <a:rPr lang="en-US" dirty="0" smtClean="0"/>
               <a:t>Fieldwork in HI</a:t>
             </a:r>
             <a:endParaRPr lang="en-US" dirty="0"/>
@@ -4626,7 +5194,7 @@
 </p:sld>
 </file>
 
-<file path=ppt/slides/slide23.xml><?xml version="1.0" encoding="utf-8"?>
+<file path=ppt/slides/slide25.xml><?xml version="1.0" encoding="utf-8"?>
 <p:sld xmlns:a="http://schemas.openxmlformats.org/drawingml/2006/main" xmlns:r="http://schemas.openxmlformats.org/officeDocument/2006/relationships" xmlns:p="http://schemas.openxmlformats.org/presentationml/2006/main">
   <p:cSld>
     <p:spTree>
@@ -5179,23 +5747,7 @@
           <a:p>
             <a:r>
               <a:rPr lang="en-US" dirty="0" smtClean="0"/>
-              <a:t>Improved understanding of </a:t>
-            </a:r>
-            <a:r>
-              <a:rPr lang="en-US" dirty="0" smtClean="0"/>
-              <a:t>isotope </a:t>
-            </a:r>
-            <a:r>
-              <a:rPr lang="en-US" dirty="0" smtClean="0"/>
-              <a:t>geochemistry </a:t>
-            </a:r>
-            <a:r>
-              <a:rPr lang="en-US" dirty="0" smtClean="0"/>
-              <a:t>enables tracer </a:t>
-            </a:r>
-            <a:r>
-              <a:rPr lang="en-US" dirty="0" smtClean="0"/>
-              <a:t>usage</a:t>
+              <a:t>Improved understanding of isotope geochemistry enables tracer usage</a:t>
             </a:r>
             <a:endParaRPr lang="en-US" dirty="0"/>
           </a:p>
@@ -5212,7 +5764,6 @@
               <a:rPr lang="en-US" dirty="0" smtClean="0"/>
               <a:t>Radium as tracer for hydraulic fracturing, other deep water releases</a:t>
             </a:r>
-            <a:endParaRPr lang="en-US" dirty="0" smtClean="0"/>
           </a:p>
         </p:txBody>
       </p:sp>
@@ -5843,7 +6394,7 @@
   <a:extraClrSchemeLst/>
   <a:extLst>
     <a:ext uri="{05A4C25C-085E-4340-85A3-A5531E510DB2}">
-      <thm15:themeFamily xmlns:thm15="http://schemas.microsoft.com/office/thememl/2012/main" name="Office Theme" id="{62F939B6-93AF-4DB8-9C6B-D6C7DFDC589F}" vid="{4A3C46E8-61CC-4603-A589-7422A47A8E4A}"/>
+      <thm15:themeFamily xmlns:thm15="http://schemas.microsoft.com/office/thememl/2012/main" xmlns="" name="Office Theme" id="{62F939B6-93AF-4DB8-9C6B-D6C7DFDC589F}" vid="{4A3C46E8-61CC-4603-A589-7422A47A8E4A}"/>
     </a:ext>
   </a:extLst>
 </a:theme>

--- a/Presentation.pptx
+++ b/Presentation.pptx
@@ -16,20 +16,26 @@
     <p:sldId id="266" r:id="rId10"/>
     <p:sldId id="269" r:id="rId11"/>
     <p:sldId id="260" r:id="rId12"/>
-    <p:sldId id="281" r:id="rId13"/>
-    <p:sldId id="270" r:id="rId14"/>
-    <p:sldId id="282" r:id="rId15"/>
-    <p:sldId id="272" r:id="rId16"/>
-    <p:sldId id="273" r:id="rId17"/>
-    <p:sldId id="274" r:id="rId18"/>
-    <p:sldId id="275" r:id="rId19"/>
+    <p:sldId id="270" r:id="rId13"/>
+    <p:sldId id="282" r:id="rId14"/>
+    <p:sldId id="272" r:id="rId15"/>
+    <p:sldId id="273" r:id="rId16"/>
+    <p:sldId id="274" r:id="rId17"/>
+    <p:sldId id="275" r:id="rId18"/>
+    <p:sldId id="283" r:id="rId19"/>
     <p:sldId id="261" r:id="rId20"/>
     <p:sldId id="271" r:id="rId21"/>
-    <p:sldId id="277" r:id="rId22"/>
-    <p:sldId id="278" r:id="rId23"/>
-    <p:sldId id="279" r:id="rId24"/>
-    <p:sldId id="280" r:id="rId25"/>
-    <p:sldId id="262" r:id="rId26"/>
+    <p:sldId id="284" r:id="rId22"/>
+    <p:sldId id="285" r:id="rId23"/>
+    <p:sldId id="278" r:id="rId24"/>
+    <p:sldId id="279" r:id="rId25"/>
+    <p:sldId id="280" r:id="rId26"/>
+    <p:sldId id="286" r:id="rId27"/>
+    <p:sldId id="262" r:id="rId28"/>
+    <p:sldId id="287" r:id="rId29"/>
+    <p:sldId id="288" r:id="rId30"/>
+    <p:sldId id="289" r:id="rId31"/>
+    <p:sldId id="290" r:id="rId32"/>
   </p:sldIdLst>
   <p:sldSz cx="12192000" cy="6858000"/>
   <p:notesSz cx="6858000" cy="9144000"/>
@@ -130,7 +136,18 @@
   </p:defaultTextStyle>
   <p:extLst>
     <p:ext uri="{EFAFB233-063F-42B5-8137-9DF3F51BA10A}">
-      <p15:sldGuideLst xmlns:p15="http://schemas.microsoft.com/office/powerpoint/2012/main" xmlns=""/>
+      <p15:sldGuideLst xmlns:p15="http://schemas.microsoft.com/office/powerpoint/2012/main">
+        <p15:guide id="1" orient="horz" pos="2160">
+          <p15:clr>
+            <a:srgbClr val="A4A3A4"/>
+          </p15:clr>
+        </p15:guide>
+        <p15:guide id="2" pos="3840">
+          <p15:clr>
+            <a:srgbClr val="A4A3A4"/>
+          </p15:clr>
+        </p15:guide>
+      </p15:sldGuideLst>
     </p:ext>
   </p:extLst>
 </p:presentation>
@@ -267,7 +284,7 @@
           <a:p>
             <a:fld id="{31D0073F-64D9-41C6-AFCE-2DD7C5A9D9FB}" type="datetimeFigureOut">
               <a:rPr lang="en-US" smtClean="0"/>
-              <a:t>2/28/2015</a:t>
+              <a:t>3/5/2015</a:t>
             </a:fld>
             <a:endParaRPr lang="en-US"/>
           </a:p>
@@ -437,7 +454,7 @@
           <a:p>
             <a:fld id="{31D0073F-64D9-41C6-AFCE-2DD7C5A9D9FB}" type="datetimeFigureOut">
               <a:rPr lang="en-US" smtClean="0"/>
-              <a:t>2/28/2015</a:t>
+              <a:t>3/5/2015</a:t>
             </a:fld>
             <a:endParaRPr lang="en-US"/>
           </a:p>
@@ -617,7 +634,7 @@
           <a:p>
             <a:fld id="{31D0073F-64D9-41C6-AFCE-2DD7C5A9D9FB}" type="datetimeFigureOut">
               <a:rPr lang="en-US" smtClean="0"/>
-              <a:t>2/28/2015</a:t>
+              <a:t>3/5/2015</a:t>
             </a:fld>
             <a:endParaRPr lang="en-US"/>
           </a:p>
@@ -787,7 +804,7 @@
           <a:p>
             <a:fld id="{31D0073F-64D9-41C6-AFCE-2DD7C5A9D9FB}" type="datetimeFigureOut">
               <a:rPr lang="en-US" smtClean="0"/>
-              <a:t>2/28/2015</a:t>
+              <a:t>3/5/2015</a:t>
             </a:fld>
             <a:endParaRPr lang="en-US"/>
           </a:p>
@@ -1033,7 +1050,7 @@
           <a:p>
             <a:fld id="{31D0073F-64D9-41C6-AFCE-2DD7C5A9D9FB}" type="datetimeFigureOut">
               <a:rPr lang="en-US" smtClean="0"/>
-              <a:t>2/28/2015</a:t>
+              <a:t>3/5/2015</a:t>
             </a:fld>
             <a:endParaRPr lang="en-US"/>
           </a:p>
@@ -1265,7 +1282,7 @@
           <a:p>
             <a:fld id="{31D0073F-64D9-41C6-AFCE-2DD7C5A9D9FB}" type="datetimeFigureOut">
               <a:rPr lang="en-US" smtClean="0"/>
-              <a:t>2/28/2015</a:t>
+              <a:t>3/5/2015</a:t>
             </a:fld>
             <a:endParaRPr lang="en-US"/>
           </a:p>
@@ -1632,7 +1649,7 @@
           <a:p>
             <a:fld id="{31D0073F-64D9-41C6-AFCE-2DD7C5A9D9FB}" type="datetimeFigureOut">
               <a:rPr lang="en-US" smtClean="0"/>
-              <a:t>2/28/2015</a:t>
+              <a:t>3/5/2015</a:t>
             </a:fld>
             <a:endParaRPr lang="en-US"/>
           </a:p>
@@ -1750,7 +1767,7 @@
           <a:p>
             <a:fld id="{31D0073F-64D9-41C6-AFCE-2DD7C5A9D9FB}" type="datetimeFigureOut">
               <a:rPr lang="en-US" smtClean="0"/>
-              <a:t>2/28/2015</a:t>
+              <a:t>3/5/2015</a:t>
             </a:fld>
             <a:endParaRPr lang="en-US"/>
           </a:p>
@@ -1845,7 +1862,7 @@
           <a:p>
             <a:fld id="{31D0073F-64D9-41C6-AFCE-2DD7C5A9D9FB}" type="datetimeFigureOut">
               <a:rPr lang="en-US" smtClean="0"/>
-              <a:t>2/28/2015</a:t>
+              <a:t>3/5/2015</a:t>
             </a:fld>
             <a:endParaRPr lang="en-US"/>
           </a:p>
@@ -2122,7 +2139,7 @@
           <a:p>
             <a:fld id="{31D0073F-64D9-41C6-AFCE-2DD7C5A9D9FB}" type="datetimeFigureOut">
               <a:rPr lang="en-US" smtClean="0"/>
-              <a:t>2/28/2015</a:t>
+              <a:t>3/5/2015</a:t>
             </a:fld>
             <a:endParaRPr lang="en-US"/>
           </a:p>
@@ -2375,7 +2392,7 @@
           <a:p>
             <a:fld id="{31D0073F-64D9-41C6-AFCE-2DD7C5A9D9FB}" type="datetimeFigureOut">
               <a:rPr lang="en-US" smtClean="0"/>
-              <a:t>2/28/2015</a:t>
+              <a:t>3/5/2015</a:t>
             </a:fld>
             <a:endParaRPr lang="en-US"/>
           </a:p>
@@ -2588,7 +2605,7 @@
           <a:p>
             <a:fld id="{31D0073F-64D9-41C6-AFCE-2DD7C5A9D9FB}" type="datetimeFigureOut">
               <a:rPr lang="en-US" smtClean="0"/>
-              <a:t>2/28/2015</a:t>
+              <a:t>3/5/2015</a:t>
             </a:fld>
             <a:endParaRPr lang="en-US"/>
           </a:p>
@@ -3003,36 +3020,43 @@
             <p:ph type="ctrTitle"/>
           </p:nvPr>
         </p:nvSpPr>
+        <p:spPr>
+          <a:xfrm>
+            <a:off x="1167962" y="1214438"/>
+            <a:ext cx="9856076" cy="2387600"/>
+          </a:xfrm>
+        </p:spPr>
+        <p:txBody>
+          <a:bodyPr>
+            <a:normAutofit fontScale="90000"/>
+          </a:bodyPr>
+          <a:lstStyle/>
+          <a:p>
+            <a:r>
+              <a:rPr lang="en-US" dirty="0" smtClean="0"/>
+              <a:t>Studies of radioisotopes as tracers for groundwater processes</a:t>
+            </a:r>
+            <a:endParaRPr lang="en-US" dirty="0"/>
+          </a:p>
+        </p:txBody>
+      </p:sp>
+      <p:sp>
+        <p:nvSpPr>
+          <p:cNvPr id="3" name="Subtitle 2"/>
+          <p:cNvSpPr>
+            <a:spLocks noGrp="1"/>
+          </p:cNvSpPr>
+          <p:nvPr>
+            <p:ph type="subTitle" idx="1"/>
+          </p:nvPr>
+        </p:nvSpPr>
         <p:spPr/>
         <p:txBody>
           <a:bodyPr/>
           <a:lstStyle/>
           <a:p>
             <a:r>
-              <a:rPr lang="en-US" dirty="0" smtClean="0"/>
-              <a:t>Studies of radioisotopes as tracers for groundwater</a:t>
-            </a:r>
-            <a:endParaRPr lang="en-US" dirty="0"/>
-          </a:p>
-        </p:txBody>
-      </p:sp>
-      <p:sp>
-        <p:nvSpPr>
-          <p:cNvPr id="3" name="Subtitle 2"/>
-          <p:cNvSpPr>
-            <a:spLocks noGrp="1"/>
-          </p:cNvSpPr>
-          <p:nvPr>
-            <p:ph type="subTitle" idx="1"/>
-          </p:nvPr>
-        </p:nvSpPr>
-        <p:spPr/>
-        <p:txBody>
-          <a:bodyPr/>
-          <a:lstStyle/>
-          <a:p>
-            <a:r>
-              <a:rPr lang="en-US" dirty="0" smtClean="0"/>
+              <a:rPr lang="en-US" sz="4000" dirty="0" smtClean="0"/>
               <a:t>Michael Chen</a:t>
             </a:r>
           </a:p>
@@ -3044,7 +3068,7 @@
           </a:p>
           <a:p>
             <a:r>
-              <a:rPr lang="en-US" smtClean="0"/>
+              <a:rPr lang="en-US" dirty="0" smtClean="0"/>
               <a:t>3/5/2015</a:t>
             </a:r>
           </a:p>
@@ -3060,6 +3084,13 @@
   <p:clrMapOvr>
     <a:masterClrMapping/>
   </p:clrMapOvr>
+  <p:timing>
+    <p:tnLst>
+      <p:par>
+        <p:cTn id="1" dur="indefinite" restart="never" nodeType="tmRoot"/>
+      </p:par>
+    </p:tnLst>
+  </p:timing>
 </p:sld>
 </file>
 
@@ -3486,6 +3517,13 @@
   <p:clrMapOvr>
     <a:masterClrMapping/>
   </p:clrMapOvr>
+  <p:timing>
+    <p:tnLst>
+      <p:par>
+        <p:cTn id="1" dur="indefinite" restart="never" nodeType="tmRoot"/>
+      </p:par>
+    </p:tnLst>
+  </p:timing>
 </p:sld>
 </file>
 
@@ -3558,6 +3596,13 @@
   <p:clrMapOvr>
     <a:masterClrMapping/>
   </p:clrMapOvr>
+  <p:timing>
+    <p:tnLst>
+      <p:par>
+        <p:cTn id="1" dur="indefinite" restart="never" nodeType="tmRoot"/>
+      </p:par>
+    </p:tnLst>
+  </p:timing>
 </p:sld>
 </file>
 
@@ -3654,61 +3699,156 @@
           <a:lstStyle/>
           <a:p>
             <a:r>
-              <a:rPr lang="en-US" baseline="30000" dirty="0" smtClean="0"/>
+              <a:rPr lang="en-US" baseline="30000" dirty="0" smtClean="0">
+                <a:solidFill>
+                  <a:schemeClr val="bg1"/>
+                </a:solidFill>
+              </a:rPr>
               <a:t>238</a:t>
             </a:r>
             <a:r>
-              <a:rPr lang="en-US" dirty="0" smtClean="0"/>
+              <a:rPr lang="en-US" dirty="0" smtClean="0">
+                <a:solidFill>
+                  <a:schemeClr val="bg1"/>
+                </a:solidFill>
+              </a:rPr>
               <a:t>U -&gt; </a:t>
             </a:r>
             <a:r>
-              <a:rPr lang="en-US" baseline="30000" dirty="0" smtClean="0"/>
+              <a:rPr lang="en-US" baseline="30000" dirty="0" smtClean="0">
+                <a:solidFill>
+                  <a:schemeClr val="bg1"/>
+                </a:solidFill>
+              </a:rPr>
               <a:t>226</a:t>
             </a:r>
             <a:r>
-              <a:rPr lang="en-US" dirty="0" smtClean="0"/>
+              <a:rPr lang="en-US" dirty="0" smtClean="0">
+                <a:solidFill>
+                  <a:schemeClr val="bg1"/>
+                </a:solidFill>
+              </a:rPr>
               <a:t>Ra</a:t>
             </a:r>
           </a:p>
           <a:p>
             <a:r>
-              <a:rPr lang="en-US" baseline="30000" dirty="0" smtClean="0"/>
+              <a:rPr lang="en-US" baseline="30000" dirty="0" smtClean="0">
+                <a:solidFill>
+                  <a:schemeClr val="bg1"/>
+                </a:solidFill>
+              </a:rPr>
               <a:t>232</a:t>
             </a:r>
             <a:r>
-              <a:rPr lang="en-US" dirty="0" smtClean="0"/>
+              <a:rPr lang="en-US" dirty="0" smtClean="0">
+                <a:solidFill>
+                  <a:schemeClr val="bg1"/>
+                </a:solidFill>
+              </a:rPr>
               <a:t>Th-&gt;</a:t>
             </a:r>
             <a:r>
-              <a:rPr lang="en-US" baseline="30000" dirty="0" smtClean="0"/>
+              <a:rPr lang="en-US" baseline="30000" dirty="0" smtClean="0">
+                <a:solidFill>
+                  <a:schemeClr val="bg1"/>
+                </a:solidFill>
+              </a:rPr>
               <a:t>228</a:t>
             </a:r>
             <a:r>
-              <a:rPr lang="en-US" dirty="0" smtClean="0"/>
+              <a:rPr lang="en-US" dirty="0" smtClean="0">
+                <a:solidFill>
+                  <a:schemeClr val="bg1"/>
+                </a:solidFill>
+              </a:rPr>
               <a:t>Ra-&gt;</a:t>
             </a:r>
             <a:r>
-              <a:rPr lang="en-US" baseline="30000" dirty="0" smtClean="0"/>
+              <a:rPr lang="en-US" baseline="30000" dirty="0" smtClean="0">
+                <a:solidFill>
+                  <a:schemeClr val="bg1"/>
+                </a:solidFill>
+              </a:rPr>
               <a:t>224</a:t>
             </a:r>
             <a:r>
-              <a:rPr lang="en-US" dirty="0" smtClean="0"/>
+              <a:rPr lang="en-US" dirty="0" smtClean="0">
+                <a:solidFill>
+                  <a:schemeClr val="bg1"/>
+                </a:solidFill>
+              </a:rPr>
               <a:t>Ra</a:t>
             </a:r>
-            <a:endParaRPr lang="en-US" baseline="30000" dirty="0"/>
+            <a:endParaRPr lang="en-US" baseline="30000" dirty="0">
+              <a:solidFill>
+                <a:schemeClr val="bg1"/>
+              </a:solidFill>
+            </a:endParaRPr>
+          </a:p>
+        </p:txBody>
+      </p:sp>
+      <p:sp>
+        <p:nvSpPr>
+          <p:cNvPr id="9" name="Right Arrow 8"/>
+          <p:cNvSpPr/>
+          <p:nvPr/>
+        </p:nvSpPr>
+        <p:spPr>
+          <a:xfrm>
+            <a:off x="5149850" y="4179171"/>
+            <a:ext cx="2546350" cy="668805"/>
+          </a:xfrm>
+          <a:prstGeom prst="rightArrow">
+            <a:avLst/>
+          </a:prstGeom>
+        </p:spPr>
+        <p:style>
+          <a:lnRef idx="2">
+            <a:schemeClr val="accent1">
+              <a:shade val="50000"/>
+            </a:schemeClr>
+          </a:lnRef>
+          <a:fillRef idx="1">
+            <a:schemeClr val="accent1"/>
+          </a:fillRef>
+          <a:effectRef idx="0">
+            <a:schemeClr val="accent1"/>
+          </a:effectRef>
+          <a:fontRef idx="minor">
+            <a:schemeClr val="lt1"/>
+          </a:fontRef>
+        </p:style>
+        <p:txBody>
+          <a:bodyPr rtlCol="0" anchor="ctr"/>
+          <a:lstStyle/>
+          <a:p>
+            <a:pPr algn="ctr"/>
+            <a:r>
+              <a:rPr lang="en-US" dirty="0" smtClean="0"/>
+              <a:t>Groundwater Flow</a:t>
+            </a:r>
+            <a:endParaRPr lang="en-US" dirty="0"/>
           </a:p>
         </p:txBody>
       </p:sp>
     </p:spTree>
     <p:extLst>
       <p:ext uri="{BB962C8B-B14F-4D97-AF65-F5344CB8AC3E}">
-        <p14:creationId xmlns:p14="http://schemas.microsoft.com/office/powerpoint/2010/main" val="2404664391"/>
+        <p14:creationId xmlns:p14="http://schemas.microsoft.com/office/powerpoint/2010/main" val="2382742584"/>
       </p:ext>
     </p:extLst>
   </p:cSld>
   <p:clrMapOvr>
     <a:masterClrMapping/>
   </p:clrMapOvr>
+  <p:timing>
+    <p:tnLst>
+      <p:par>
+        <p:cTn id="1" dur="indefinite" restart="never" nodeType="tmRoot"/>
+      </p:par>
+    </p:tnLst>
+  </p:timing>
 </p:sld>
 </file>
 
@@ -3790,7 +3930,7 @@
         </p:nvSpPr>
         <p:spPr>
           <a:xfrm>
-            <a:off x="3054350" y="4190315"/>
+            <a:off x="3055487" y="4191006"/>
             <a:ext cx="2656164" cy="646331"/>
           </a:xfrm>
           <a:prstGeom prst="rect">
@@ -3805,243 +3945,92 @@
           <a:lstStyle/>
           <a:p>
             <a:r>
-              <a:rPr lang="en-US" baseline="30000" dirty="0" smtClean="0"/>
+              <a:rPr lang="en-US" baseline="30000" dirty="0" smtClean="0">
+                <a:solidFill>
+                  <a:schemeClr val="bg1"/>
+                </a:solidFill>
+              </a:rPr>
               <a:t>238</a:t>
             </a:r>
             <a:r>
-              <a:rPr lang="en-US" dirty="0" smtClean="0"/>
+              <a:rPr lang="en-US" dirty="0" smtClean="0">
+                <a:solidFill>
+                  <a:schemeClr val="bg1"/>
+                </a:solidFill>
+              </a:rPr>
               <a:t>U -&gt; </a:t>
             </a:r>
             <a:r>
-              <a:rPr lang="en-US" baseline="30000" dirty="0" smtClean="0"/>
+              <a:rPr lang="en-US" baseline="30000" dirty="0" smtClean="0">
+                <a:solidFill>
+                  <a:schemeClr val="bg1"/>
+                </a:solidFill>
+              </a:rPr>
               <a:t>226</a:t>
             </a:r>
             <a:r>
-              <a:rPr lang="en-US" dirty="0" smtClean="0"/>
+              <a:rPr lang="en-US" dirty="0" smtClean="0">
+                <a:solidFill>
+                  <a:schemeClr val="bg1"/>
+                </a:solidFill>
+              </a:rPr>
               <a:t>Ra</a:t>
             </a:r>
           </a:p>
           <a:p>
             <a:r>
-              <a:rPr lang="en-US" baseline="30000" dirty="0" smtClean="0"/>
+              <a:rPr lang="en-US" baseline="30000" dirty="0" smtClean="0">
+                <a:solidFill>
+                  <a:schemeClr val="bg1"/>
+                </a:solidFill>
+              </a:rPr>
               <a:t>232</a:t>
             </a:r>
             <a:r>
-              <a:rPr lang="en-US" dirty="0" smtClean="0"/>
+              <a:rPr lang="en-US" dirty="0" smtClean="0">
+                <a:solidFill>
+                  <a:schemeClr val="bg1"/>
+                </a:solidFill>
+              </a:rPr>
               <a:t>Th-&gt;</a:t>
             </a:r>
             <a:r>
-              <a:rPr lang="en-US" baseline="30000" dirty="0" smtClean="0"/>
+              <a:rPr lang="en-US" baseline="30000" dirty="0" smtClean="0">
+                <a:solidFill>
+                  <a:schemeClr val="bg1"/>
+                </a:solidFill>
+              </a:rPr>
               <a:t>228</a:t>
             </a:r>
             <a:r>
-              <a:rPr lang="en-US" dirty="0" smtClean="0"/>
+              <a:rPr lang="en-US" dirty="0" smtClean="0">
+                <a:solidFill>
+                  <a:schemeClr val="bg1"/>
+                </a:solidFill>
+              </a:rPr>
               <a:t>Ra-&gt;</a:t>
             </a:r>
             <a:r>
-              <a:rPr lang="en-US" baseline="30000" dirty="0" smtClean="0"/>
+              <a:rPr lang="en-US" baseline="30000" dirty="0" smtClean="0">
+                <a:solidFill>
+                  <a:schemeClr val="bg1"/>
+                </a:solidFill>
+              </a:rPr>
               <a:t>224</a:t>
             </a:r>
             <a:r>
-              <a:rPr lang="en-US" dirty="0" smtClean="0"/>
+              <a:rPr lang="en-US" dirty="0" smtClean="0">
+                <a:solidFill>
+                  <a:schemeClr val="bg1"/>
+                </a:solidFill>
+              </a:rPr>
               <a:t>Ra</a:t>
             </a:r>
-            <a:endParaRPr lang="en-US" baseline="30000" dirty="0"/>
-          </a:p>
-        </p:txBody>
-      </p:sp>
-      <p:sp>
-        <p:nvSpPr>
-          <p:cNvPr id="9" name="Right Arrow 8"/>
-          <p:cNvSpPr/>
-          <p:nvPr/>
-        </p:nvSpPr>
-        <p:spPr>
-          <a:xfrm>
-            <a:off x="5149850" y="4179171"/>
-            <a:ext cx="2546350" cy="668805"/>
-          </a:xfrm>
-          <a:prstGeom prst="rightArrow">
-            <a:avLst/>
-          </a:prstGeom>
-        </p:spPr>
-        <p:style>
-          <a:lnRef idx="2">
-            <a:schemeClr val="accent1">
-              <a:shade val="50000"/>
-            </a:schemeClr>
-          </a:lnRef>
-          <a:fillRef idx="1">
-            <a:schemeClr val="accent1"/>
-          </a:fillRef>
-          <a:effectRef idx="0">
-            <a:schemeClr val="accent1"/>
-          </a:effectRef>
-          <a:fontRef idx="minor">
-            <a:schemeClr val="lt1"/>
-          </a:fontRef>
-        </p:style>
-        <p:txBody>
-          <a:bodyPr rtlCol="0" anchor="ctr"/>
-          <a:lstStyle/>
-          <a:p>
-            <a:pPr algn="ctr"/>
-            <a:r>
-              <a:rPr lang="en-US" dirty="0" smtClean="0"/>
-              <a:t>Groundwater Flow</a:t>
-            </a:r>
-            <a:endParaRPr lang="en-US" dirty="0"/>
-          </a:p>
-        </p:txBody>
-      </p:sp>
-    </p:spTree>
-    <p:extLst>
-      <p:ext uri="{BB962C8B-B14F-4D97-AF65-F5344CB8AC3E}">
-        <p14:creationId xmlns:p14="http://schemas.microsoft.com/office/powerpoint/2010/main" val="2382742584"/>
-      </p:ext>
-    </p:extLst>
-  </p:cSld>
-  <p:clrMapOvr>
-    <a:masterClrMapping/>
-  </p:clrMapOvr>
-</p:sld>
-</file>
-
-<file path=ppt/slides/slide14.xml><?xml version="1.0" encoding="utf-8"?>
-<p:sld xmlns:a="http://schemas.openxmlformats.org/drawingml/2006/main" xmlns:r="http://schemas.openxmlformats.org/officeDocument/2006/relationships" xmlns:p="http://schemas.openxmlformats.org/presentationml/2006/main">
-  <p:cSld>
-    <p:spTree>
-      <p:nvGrpSpPr>
-        <p:cNvPr id="1" name=""/>
-        <p:cNvGrpSpPr/>
-        <p:nvPr/>
-      </p:nvGrpSpPr>
-      <p:grpSpPr>
-        <a:xfrm>
-          <a:off x="0" y="0"/>
-          <a:ext cx="0" cy="0"/>
-          <a:chOff x="0" y="0"/>
-          <a:chExt cx="0" cy="0"/>
-        </a:xfrm>
-      </p:grpSpPr>
-      <p:sp>
-        <p:nvSpPr>
-          <p:cNvPr id="4" name="Title 3"/>
-          <p:cNvSpPr>
-            <a:spLocks noGrp="1"/>
-          </p:cNvSpPr>
-          <p:nvPr>
-            <p:ph type="title"/>
-          </p:nvPr>
-        </p:nvSpPr>
-        <p:spPr/>
-        <p:txBody>
-          <a:bodyPr/>
-          <a:lstStyle/>
-          <a:p>
-            <a:r>
-              <a:rPr lang="en-US" dirty="0" smtClean="0"/>
-              <a:t>Radium Cycling</a:t>
-            </a:r>
-            <a:endParaRPr lang="en-US" dirty="0"/>
-          </a:p>
-        </p:txBody>
-      </p:sp>
-      <p:pic>
-        <p:nvPicPr>
-          <p:cNvPr id="7" name="Picture 6"/>
-          <p:cNvPicPr>
-            <a:picLocks noChangeAspect="1"/>
-          </p:cNvPicPr>
-          <p:nvPr/>
-        </p:nvPicPr>
-        <p:blipFill>
-          <a:blip r:embed="rId2" cstate="print">
-            <a:extLst>
-              <a:ext uri="{28A0092B-C50C-407E-A947-70E740481C1C}">
-                <a14:useLocalDpi xmlns:a14="http://schemas.microsoft.com/office/drawing/2010/main" val="0"/>
-              </a:ext>
-            </a:extLst>
-          </a:blip>
-          <a:stretch>
-            <a:fillRect/>
-          </a:stretch>
-        </p:blipFill>
-        <p:spPr>
-          <a:xfrm>
-            <a:off x="1230187" y="1464343"/>
-            <a:ext cx="9595655" cy="5056742"/>
-          </a:xfrm>
-          <a:prstGeom prst="rect">
-            <a:avLst/>
-          </a:prstGeom>
-        </p:spPr>
-      </p:pic>
-      <p:sp>
-        <p:nvSpPr>
-          <p:cNvPr id="8" name="TextBox 7"/>
-          <p:cNvSpPr txBox="1"/>
-          <p:nvPr/>
-        </p:nvSpPr>
-        <p:spPr>
-          <a:xfrm>
-            <a:off x="3055487" y="4191006"/>
-            <a:ext cx="2656164" cy="646331"/>
-          </a:xfrm>
-          <a:prstGeom prst="rect">
-            <a:avLst/>
-          </a:prstGeom>
-          <a:noFill/>
-        </p:spPr>
-        <p:txBody>
-          <a:bodyPr wrap="square" rtlCol="0">
-            <a:spAutoFit/>
-          </a:bodyPr>
-          <a:lstStyle/>
-          <a:p>
-            <a:r>
-              <a:rPr lang="en-US" baseline="30000" dirty="0" smtClean="0"/>
-              <a:t>238</a:t>
-            </a:r>
-            <a:r>
-              <a:rPr lang="en-US" dirty="0" smtClean="0"/>
-              <a:t>U -&gt; </a:t>
-            </a:r>
-            <a:r>
-              <a:rPr lang="en-US" baseline="30000" dirty="0" smtClean="0"/>
-              <a:t>226</a:t>
-            </a:r>
-            <a:r>
-              <a:rPr lang="en-US" dirty="0" smtClean="0"/>
-              <a:t>Ra</a:t>
-            </a:r>
-          </a:p>
-          <a:p>
-            <a:r>
-              <a:rPr lang="en-US" baseline="30000" dirty="0" smtClean="0"/>
-              <a:t>232</a:t>
-            </a:r>
-            <a:r>
-              <a:rPr lang="en-US" dirty="0" smtClean="0"/>
-              <a:t>Th-&gt;</a:t>
-            </a:r>
-            <a:r>
-              <a:rPr lang="en-US" baseline="30000" dirty="0" smtClean="0"/>
-              <a:t>228</a:t>
-            </a:r>
-            <a:r>
-              <a:rPr lang="en-US" dirty="0" smtClean="0"/>
-              <a:t>Ra-&gt;</a:t>
-            </a:r>
-            <a:r>
-              <a:rPr lang="en-US" baseline="30000" dirty="0" smtClean="0"/>
-              <a:t>224</a:t>
-            </a:r>
-            <a:r>
-              <a:rPr lang="en-US" dirty="0" smtClean="0"/>
-              <a:t>Ra</a:t>
-            </a:r>
-            <a:endParaRPr lang="en-US" baseline="30000" dirty="0"/>
+            <a:endParaRPr lang="en-US" baseline="30000" dirty="0">
+              <a:solidFill>
+                <a:schemeClr val="bg1"/>
+              </a:solidFill>
+            </a:endParaRPr>
           </a:p>
         </p:txBody>
       </p:sp>
@@ -4189,6 +4178,44 @@
           </a:p>
         </p:txBody>
       </p:sp>
+      <p:sp>
+        <p:nvSpPr>
+          <p:cNvPr id="2" name="TextBox 1"/>
+          <p:cNvSpPr txBox="1"/>
+          <p:nvPr/>
+        </p:nvSpPr>
+        <p:spPr>
+          <a:xfrm>
+            <a:off x="3824288" y="5597009"/>
+            <a:ext cx="2323309" cy="369332"/>
+          </a:xfrm>
+          <a:prstGeom prst="rect">
+            <a:avLst/>
+          </a:prstGeom>
+          <a:noFill/>
+        </p:spPr>
+        <p:txBody>
+          <a:bodyPr wrap="square" rtlCol="0">
+            <a:spAutoFit/>
+          </a:bodyPr>
+          <a:lstStyle/>
+          <a:p>
+            <a:r>
+              <a:rPr lang="en-US" dirty="0" smtClean="0">
+                <a:solidFill>
+                  <a:schemeClr val="bg1"/>
+                </a:solidFill>
+              </a:rPr>
+              <a:t>Hydraulic Fracturing</a:t>
+            </a:r>
+            <a:endParaRPr lang="en-US" dirty="0">
+              <a:solidFill>
+                <a:schemeClr val="bg1"/>
+              </a:solidFill>
+            </a:endParaRPr>
+          </a:p>
+        </p:txBody>
+      </p:sp>
     </p:spTree>
     <p:extLst>
       <p:ext uri="{BB962C8B-B14F-4D97-AF65-F5344CB8AC3E}">
@@ -4199,6 +4226,132 @@
   <p:clrMapOvr>
     <a:masterClrMapping/>
   </p:clrMapOvr>
+  <p:timing>
+    <p:tnLst>
+      <p:par>
+        <p:cTn id="1" dur="indefinite" restart="never" nodeType="tmRoot"/>
+      </p:par>
+    </p:tnLst>
+  </p:timing>
+</p:sld>
+</file>
+
+<file path=ppt/slides/slide14.xml><?xml version="1.0" encoding="utf-8"?>
+<p:sld xmlns:a="http://schemas.openxmlformats.org/drawingml/2006/main" xmlns:r="http://schemas.openxmlformats.org/officeDocument/2006/relationships" xmlns:p="http://schemas.openxmlformats.org/presentationml/2006/main">
+  <p:cSld>
+    <p:spTree>
+      <p:nvGrpSpPr>
+        <p:cNvPr id="1" name=""/>
+        <p:cNvGrpSpPr/>
+        <p:nvPr/>
+      </p:nvGrpSpPr>
+      <p:grpSpPr>
+        <a:xfrm>
+          <a:off x="0" y="0"/>
+          <a:ext cx="0" cy="0"/>
+          <a:chOff x="0" y="0"/>
+          <a:chExt cx="0" cy="0"/>
+        </a:xfrm>
+      </p:grpSpPr>
+      <p:sp>
+        <p:nvSpPr>
+          <p:cNvPr id="2" name="Title 1"/>
+          <p:cNvSpPr>
+            <a:spLocks noGrp="1"/>
+          </p:cNvSpPr>
+          <p:nvPr>
+            <p:ph type="title"/>
+          </p:nvPr>
+        </p:nvSpPr>
+        <p:spPr/>
+        <p:txBody>
+          <a:bodyPr/>
+          <a:lstStyle/>
+          <a:p>
+            <a:r>
+              <a:rPr lang="en-US" dirty="0" smtClean="0"/>
+              <a:t>Transport properties…</a:t>
+            </a:r>
+            <a:endParaRPr lang="en-US" dirty="0"/>
+          </a:p>
+        </p:txBody>
+      </p:sp>
+      <p:pic>
+        <p:nvPicPr>
+          <p:cNvPr id="5" name="Content Placeholder 4"/>
+          <p:cNvPicPr>
+            <a:picLocks noGrp="1" noChangeAspect="1"/>
+          </p:cNvPicPr>
+          <p:nvPr>
+            <p:ph idx="1"/>
+          </p:nvPr>
+        </p:nvPicPr>
+        <p:blipFill>
+          <a:blip r:embed="rId2">
+            <a:extLst>
+              <a:ext uri="{28A0092B-C50C-407E-A947-70E740481C1C}">
+                <a14:useLocalDpi xmlns:a14="http://schemas.microsoft.com/office/drawing/2010/main" val="0"/>
+              </a:ext>
+            </a:extLst>
+          </a:blip>
+          <a:stretch>
+            <a:fillRect/>
+          </a:stretch>
+        </p:blipFill>
+        <p:spPr>
+          <a:xfrm>
+            <a:off x="838200" y="1690688"/>
+            <a:ext cx="7768535" cy="4351338"/>
+          </a:xfrm>
+        </p:spPr>
+      </p:pic>
+      <p:sp>
+        <p:nvSpPr>
+          <p:cNvPr id="6" name="TextBox 5"/>
+          <p:cNvSpPr txBox="1"/>
+          <p:nvPr/>
+        </p:nvSpPr>
+        <p:spPr>
+          <a:xfrm>
+            <a:off x="9152238" y="3266192"/>
+            <a:ext cx="2421925" cy="1200329"/>
+          </a:xfrm>
+          <a:prstGeom prst="rect">
+            <a:avLst/>
+          </a:prstGeom>
+          <a:noFill/>
+        </p:spPr>
+        <p:txBody>
+          <a:bodyPr wrap="square" rtlCol="0">
+            <a:spAutoFit/>
+          </a:bodyPr>
+          <a:lstStyle/>
+          <a:p>
+            <a:r>
+              <a:rPr lang="en-US" dirty="0" smtClean="0"/>
+              <a:t>Radium sorption to marine sands in seawater from Beck &amp; Cochran, 2013</a:t>
+            </a:r>
+            <a:endParaRPr lang="en-US" dirty="0"/>
+          </a:p>
+        </p:txBody>
+      </p:sp>
+    </p:spTree>
+    <p:extLst>
+      <p:ext uri="{BB962C8B-B14F-4D97-AF65-F5344CB8AC3E}">
+        <p14:creationId xmlns:p14="http://schemas.microsoft.com/office/powerpoint/2010/main" val="1706735475"/>
+      </p:ext>
+    </p:extLst>
+  </p:cSld>
+  <p:clrMapOvr>
+    <a:masterClrMapping/>
+  </p:clrMapOvr>
+  <p:timing>
+    <p:tnLst>
+      <p:par>
+        <p:cTn id="1" dur="indefinite" restart="never" nodeType="tmRoot"/>
+      </p:par>
+    </p:tnLst>
+  </p:timing>
 </p:sld>
 </file>
 
@@ -4236,7 +4389,7 @@
           <a:p>
             <a:r>
               <a:rPr lang="en-US" dirty="0" smtClean="0"/>
-              <a:t>Transport properties…</a:t>
+              <a:t>Lab experiments</a:t>
             </a:r>
             <a:endParaRPr lang="en-US" dirty="0"/>
           </a:p>
@@ -4244,12 +4397,12 @@
       </p:sp>
       <p:sp>
         <p:nvSpPr>
-          <p:cNvPr id="3" name="Content Placeholder 2"/>
-          <p:cNvSpPr>
-            <a:spLocks noGrp="1"/>
-          </p:cNvSpPr>
-          <p:nvPr>
-            <p:ph idx="1"/>
+          <p:cNvPr id="8" name="Text Placeholder 7"/>
+          <p:cNvSpPr>
+            <a:spLocks noGrp="1"/>
+          </p:cNvSpPr>
+          <p:nvPr>
+            <p:ph type="body" idx="1"/>
           </p:nvPr>
         </p:nvSpPr>
         <p:spPr/>
@@ -4259,7 +4412,197 @@
           <a:p>
             <a:r>
               <a:rPr lang="en-US" dirty="0" smtClean="0"/>
-              <a:t>IMAGE OF RADIUM SORPTION PROPERTIES FOR QUARTZ SAND</a:t>
+              <a:t>Media and Sorbents</a:t>
+            </a:r>
+            <a:endParaRPr lang="en-US" dirty="0"/>
+          </a:p>
+        </p:txBody>
+      </p:sp>
+      <p:sp>
+        <p:nvSpPr>
+          <p:cNvPr id="7" name="Content Placeholder 6"/>
+          <p:cNvSpPr>
+            <a:spLocks noGrp="1"/>
+          </p:cNvSpPr>
+          <p:nvPr>
+            <p:ph sz="half" idx="2"/>
+          </p:nvPr>
+        </p:nvSpPr>
+        <p:spPr/>
+        <p:txBody>
+          <a:bodyPr>
+            <a:normAutofit fontScale="92500" lnSpcReduction="10000"/>
+          </a:bodyPr>
+          <a:lstStyle/>
+          <a:p>
+            <a:r>
+              <a:rPr lang="en-US" dirty="0" smtClean="0"/>
+              <a:t>Minerals:</a:t>
+            </a:r>
+          </a:p>
+          <a:p>
+            <a:pPr lvl="1"/>
+            <a:r>
+              <a:rPr lang="en-US" dirty="0" err="1" smtClean="0"/>
+              <a:t>Ferrihydrite</a:t>
+            </a:r>
+            <a:endParaRPr lang="en-US" dirty="0" smtClean="0"/>
+          </a:p>
+          <a:p>
+            <a:pPr lvl="1"/>
+            <a:r>
+              <a:rPr lang="en-US" dirty="0" smtClean="0"/>
+              <a:t>Pyrite</a:t>
+            </a:r>
+          </a:p>
+          <a:p>
+            <a:pPr lvl="1"/>
+            <a:r>
+              <a:rPr lang="en-US" dirty="0" err="1" smtClean="0"/>
+              <a:t>Illite</a:t>
+            </a:r>
+            <a:endParaRPr lang="en-US" dirty="0" smtClean="0"/>
+          </a:p>
+          <a:p>
+            <a:pPr lvl="1"/>
+            <a:r>
+              <a:rPr lang="en-US" dirty="0" smtClean="0"/>
+              <a:t>Quartz</a:t>
+            </a:r>
+          </a:p>
+          <a:p>
+            <a:r>
+              <a:rPr lang="en-US" dirty="0" smtClean="0"/>
+              <a:t>Media:</a:t>
+            </a:r>
+          </a:p>
+          <a:p>
+            <a:pPr lvl="1"/>
+            <a:r>
+              <a:rPr lang="en-US" dirty="0" smtClean="0"/>
+              <a:t>Pure water</a:t>
+            </a:r>
+          </a:p>
+          <a:p>
+            <a:pPr lvl="1"/>
+            <a:r>
+              <a:rPr lang="en-US" dirty="0" smtClean="0"/>
+              <a:t>Groundwater</a:t>
+            </a:r>
+          </a:p>
+          <a:p>
+            <a:pPr lvl="1"/>
+            <a:r>
+              <a:rPr lang="en-US" dirty="0" smtClean="0"/>
+              <a:t>Seawater</a:t>
+            </a:r>
+          </a:p>
+          <a:p>
+            <a:pPr lvl="1"/>
+            <a:r>
+              <a:rPr lang="en-US" dirty="0" smtClean="0"/>
+              <a:t>Fracking brine</a:t>
+            </a:r>
+          </a:p>
+        </p:txBody>
+      </p:sp>
+      <p:sp>
+        <p:nvSpPr>
+          <p:cNvPr id="10" name="Text Placeholder 9"/>
+          <p:cNvSpPr>
+            <a:spLocks noGrp="1"/>
+          </p:cNvSpPr>
+          <p:nvPr>
+            <p:ph type="body" sz="quarter" idx="3"/>
+          </p:nvPr>
+        </p:nvSpPr>
+        <p:spPr/>
+        <p:txBody>
+          <a:bodyPr/>
+          <a:lstStyle/>
+          <a:p>
+            <a:r>
+              <a:rPr lang="en-US" dirty="0" smtClean="0"/>
+              <a:t>Experiment Types</a:t>
+            </a:r>
+            <a:endParaRPr lang="en-US" dirty="0"/>
+          </a:p>
+        </p:txBody>
+      </p:sp>
+      <p:sp>
+        <p:nvSpPr>
+          <p:cNvPr id="6" name="Text Placeholder 5"/>
+          <p:cNvSpPr>
+            <a:spLocks noGrp="1"/>
+          </p:cNvSpPr>
+          <p:nvPr>
+            <p:ph sz="quarter" idx="4"/>
+          </p:nvPr>
+        </p:nvSpPr>
+        <p:spPr/>
+        <p:txBody>
+          <a:bodyPr>
+            <a:normAutofit lnSpcReduction="10000"/>
+          </a:bodyPr>
+          <a:lstStyle/>
+          <a:p>
+            <a:r>
+              <a:rPr lang="en-US" dirty="0" smtClean="0"/>
+              <a:t>Batch sorption</a:t>
+            </a:r>
+          </a:p>
+          <a:p>
+            <a:pPr lvl="1"/>
+            <a:r>
+              <a:rPr lang="en-US" dirty="0" smtClean="0"/>
+              <a:t>Sorption Kinetics</a:t>
+            </a:r>
+          </a:p>
+          <a:p>
+            <a:pPr lvl="1"/>
+            <a:r>
+              <a:rPr lang="en-US" dirty="0" smtClean="0"/>
+              <a:t>Surface complexation</a:t>
+            </a:r>
+          </a:p>
+          <a:p>
+            <a:r>
+              <a:rPr lang="en-US" dirty="0" smtClean="0"/>
+              <a:t>Column transport</a:t>
+            </a:r>
+          </a:p>
+          <a:p>
+            <a:pPr lvl="1"/>
+            <a:r>
+              <a:rPr lang="en-US" dirty="0" smtClean="0"/>
+              <a:t>Retardation factors</a:t>
+            </a:r>
+          </a:p>
+          <a:p>
+            <a:pPr lvl="1"/>
+            <a:r>
+              <a:rPr lang="en-US" dirty="0" smtClean="0"/>
+              <a:t>Effect of mineral transformations</a:t>
+            </a:r>
+          </a:p>
+          <a:p>
+            <a:r>
+              <a:rPr lang="en-US" dirty="0" smtClean="0"/>
+              <a:t>Detection</a:t>
+            </a:r>
+          </a:p>
+          <a:p>
+            <a:pPr lvl="1"/>
+            <a:r>
+              <a:rPr lang="en-US" dirty="0" smtClean="0"/>
+              <a:t>Gamma counting</a:t>
+            </a:r>
+          </a:p>
+          <a:p>
+            <a:pPr lvl="1"/>
+            <a:r>
+              <a:rPr lang="en-US" dirty="0" smtClean="0"/>
+              <a:t>Scintillation counting</a:t>
             </a:r>
             <a:endParaRPr lang="en-US" dirty="0"/>
           </a:p>
@@ -4268,13 +4611,20 @@
     </p:spTree>
     <p:extLst>
       <p:ext uri="{BB962C8B-B14F-4D97-AF65-F5344CB8AC3E}">
-        <p14:creationId xmlns:p14="http://schemas.microsoft.com/office/powerpoint/2010/main" val="1706735475"/>
+        <p14:creationId xmlns:p14="http://schemas.microsoft.com/office/powerpoint/2010/main" val="2350963484"/>
       </p:ext>
     </p:extLst>
   </p:cSld>
   <p:clrMapOvr>
     <a:masterClrMapping/>
   </p:clrMapOvr>
+  <p:timing>
+    <p:tnLst>
+      <p:par>
+        <p:cTn id="1" dur="indefinite" restart="never" nodeType="tmRoot"/>
+      </p:par>
+    </p:tnLst>
+  </p:timing>
 </p:sld>
 </file>
 
@@ -4297,7 +4647,7 @@
       </p:grpSpPr>
       <p:sp>
         <p:nvSpPr>
-          <p:cNvPr id="2" name="Title 1"/>
+          <p:cNvPr id="6" name="Title 5"/>
           <p:cNvSpPr>
             <a:spLocks noGrp="1"/>
           </p:cNvSpPr>
@@ -4312,47 +4662,58 @@
           <a:p>
             <a:r>
               <a:rPr lang="en-US" dirty="0" smtClean="0"/>
-              <a:t>Lab experiments</a:t>
+              <a:t>Preliminary Sorption Experiment</a:t>
             </a:r>
             <a:endParaRPr lang="en-US" dirty="0"/>
           </a:p>
         </p:txBody>
       </p:sp>
-      <p:sp>
-        <p:nvSpPr>
-          <p:cNvPr id="3" name="Content Placeholder 2"/>
-          <p:cNvSpPr>
-            <a:spLocks noGrp="1"/>
-          </p:cNvSpPr>
+      <p:pic>
+        <p:nvPicPr>
+          <p:cNvPr id="8" name="Content Placeholder 7"/>
+          <p:cNvPicPr>
+            <a:picLocks noGrp="1" noChangeAspect="1"/>
+          </p:cNvPicPr>
           <p:nvPr>
             <p:ph idx="1"/>
           </p:nvPr>
-        </p:nvSpPr>
-        <p:spPr/>
-        <p:txBody>
-          <a:bodyPr/>
-          <a:lstStyle/>
-          <a:p>
-            <a:r>
-              <a:rPr lang="en-US" dirty="0" smtClean="0"/>
-              <a:t>CARTOON:</a:t>
-            </a:r>
-          </a:p>
-          <a:p>
-            <a:endParaRPr lang="en-US" dirty="0"/>
-          </a:p>
-        </p:txBody>
-      </p:sp>
+        </p:nvPicPr>
+        <p:blipFill>
+          <a:blip r:embed="rId2" cstate="print">
+            <a:extLst>
+              <a:ext uri="{28A0092B-C50C-407E-A947-70E740481C1C}">
+                <a14:useLocalDpi xmlns:a14="http://schemas.microsoft.com/office/drawing/2010/main" val="0"/>
+              </a:ext>
+            </a:extLst>
+          </a:blip>
+          <a:stretch>
+            <a:fillRect/>
+          </a:stretch>
+        </p:blipFill>
+        <p:spPr>
+          <a:xfrm>
+            <a:off x="1158704" y="1298963"/>
+            <a:ext cx="9874592" cy="5134788"/>
+          </a:xfrm>
+        </p:spPr>
+      </p:pic>
     </p:spTree>
     <p:extLst>
       <p:ext uri="{BB962C8B-B14F-4D97-AF65-F5344CB8AC3E}">
-        <p14:creationId xmlns:p14="http://schemas.microsoft.com/office/powerpoint/2010/main" val="2350963484"/>
+        <p14:creationId xmlns:p14="http://schemas.microsoft.com/office/powerpoint/2010/main" val="649372989"/>
       </p:ext>
     </p:extLst>
   </p:cSld>
   <p:clrMapOvr>
     <a:masterClrMapping/>
   </p:clrMapOvr>
+  <p:timing>
+    <p:tnLst>
+      <p:par>
+        <p:cTn id="1" dur="indefinite" restart="never" nodeType="tmRoot"/>
+      </p:par>
+    </p:tnLst>
+  </p:timing>
 </p:sld>
 </file>
 
@@ -4375,7 +4736,7 @@
       </p:grpSpPr>
       <p:sp>
         <p:nvSpPr>
-          <p:cNvPr id="6" name="Title 5"/>
+          <p:cNvPr id="2" name="Title 1"/>
           <p:cNvSpPr>
             <a:spLocks noGrp="1"/>
           </p:cNvSpPr>
@@ -4390,7 +4751,41 @@
           <a:p>
             <a:r>
               <a:rPr lang="en-US" dirty="0" smtClean="0"/>
-              <a:t>Preliminary Sorption Experiment</a:t>
+              <a:t>Fieldwork in PA</a:t>
+            </a:r>
+            <a:endParaRPr lang="en-US" dirty="0"/>
+          </a:p>
+        </p:txBody>
+      </p:sp>
+      <p:sp>
+        <p:nvSpPr>
+          <p:cNvPr id="3" name="Content Placeholder 2"/>
+          <p:cNvSpPr>
+            <a:spLocks noGrp="1"/>
+          </p:cNvSpPr>
+          <p:nvPr>
+            <p:ph idx="1"/>
+          </p:nvPr>
+        </p:nvSpPr>
+        <p:spPr>
+          <a:xfrm>
+            <a:off x="838200" y="1825625"/>
+            <a:ext cx="5282514" cy="4351338"/>
+          </a:xfrm>
+        </p:spPr>
+        <p:txBody>
+          <a:bodyPr/>
+          <a:lstStyle/>
+          <a:p>
+            <a:r>
+              <a:rPr lang="en-US" dirty="0" smtClean="0"/>
+              <a:t>Hydraulic fracturing prevalent around the United States, especially Pennsylvania</a:t>
+            </a:r>
+          </a:p>
+          <a:p>
+            <a:r>
+              <a:rPr lang="en-US" dirty="0" smtClean="0"/>
+              <a:t>Allegheny National Forest, PA ideal field site to examine potential impacts to shallow groundwater</a:t>
             </a:r>
             <a:endParaRPr lang="en-US" dirty="0"/>
           </a:p>
@@ -4398,16 +4793,14 @@
       </p:sp>
       <p:pic>
         <p:nvPicPr>
-          <p:cNvPr id="8" name="Content Placeholder 7"/>
+          <p:cNvPr id="4" name="Picture 3"/>
           <p:cNvPicPr>
-            <a:picLocks noGrp="1" noChangeAspect="1"/>
+            <a:picLocks noChangeAspect="1"/>
           </p:cNvPicPr>
-          <p:nvPr>
-            <p:ph idx="1"/>
-          </p:nvPr>
+          <p:nvPr/>
         </p:nvPicPr>
         <p:blipFill>
-          <a:blip r:embed="rId2" cstate="print">
+          <a:blip r:embed="rId2">
             <a:extLst>
               <a:ext uri="{28A0092B-C50C-407E-A947-70E740481C1C}">
                 <a14:useLocalDpi xmlns:a14="http://schemas.microsoft.com/office/drawing/2010/main" val="0"/>
@@ -4420,21 +4813,77 @@
         </p:blipFill>
         <p:spPr>
           <a:xfrm>
-            <a:off x="1158704" y="1298963"/>
-            <a:ext cx="9874592" cy="5134788"/>
-          </a:xfrm>
+            <a:off x="7190822" y="1690688"/>
+            <a:ext cx="3988734" cy="3206748"/>
+          </a:xfrm>
+          <a:prstGeom prst="rect">
+            <a:avLst/>
+          </a:prstGeom>
         </p:spPr>
       </p:pic>
+      <p:sp>
+        <p:nvSpPr>
+          <p:cNvPr id="5" name="TextBox 4"/>
+          <p:cNvSpPr txBox="1"/>
+          <p:nvPr/>
+        </p:nvSpPr>
+        <p:spPr>
+          <a:xfrm>
+            <a:off x="7595286" y="5198076"/>
+            <a:ext cx="3608173" cy="1077218"/>
+          </a:xfrm>
+          <a:prstGeom prst="rect">
+            <a:avLst/>
+          </a:prstGeom>
+          <a:noFill/>
+        </p:spPr>
+        <p:txBody>
+          <a:bodyPr wrap="square" rtlCol="0">
+            <a:spAutoFit/>
+          </a:bodyPr>
+          <a:lstStyle/>
+          <a:p>
+            <a:pPr algn="ctr"/>
+            <a:r>
+              <a:rPr lang="en-US" sz="1600" dirty="0" smtClean="0"/>
+              <a:t>Hydraulic fracturing wells drilled in Allegheny National Forest </a:t>
+            </a:r>
+            <a:r>
+              <a:rPr lang="en-US" sz="1600" dirty="0" smtClean="0">
+                <a:hlinkClick r:id="rId3"/>
+              </a:rPr>
+              <a:t>http</a:t>
+            </a:r>
+            <a:r>
+              <a:rPr lang="en-US" sz="1600" dirty="0">
+                <a:hlinkClick r:id="rId3"/>
+              </a:rPr>
+              <a:t>://www.nrdc.org/energy/fracking-map/pa.asp</a:t>
+            </a:r>
+            <a:r>
+              <a:rPr lang="en-US" sz="1600" dirty="0"/>
+              <a:t> </a:t>
+            </a:r>
+          </a:p>
+        </p:txBody>
+      </p:sp>
     </p:spTree>
     <p:extLst>
       <p:ext uri="{BB962C8B-B14F-4D97-AF65-F5344CB8AC3E}">
-        <p14:creationId xmlns:p14="http://schemas.microsoft.com/office/powerpoint/2010/main" val="649372989"/>
+        <p14:creationId xmlns:p14="http://schemas.microsoft.com/office/powerpoint/2010/main" val="1280894544"/>
       </p:ext>
     </p:extLst>
   </p:cSld>
   <p:clrMapOvr>
     <a:masterClrMapping/>
   </p:clrMapOvr>
+  <p:timing>
+    <p:tnLst>
+      <p:par>
+        <p:cTn id="1" dur="indefinite" restart="never" nodeType="tmRoot"/>
+      </p:par>
+    </p:tnLst>
+  </p:timing>
 </p:sld>
 </file>
 
@@ -4472,7 +4921,7 @@
           <a:p>
             <a:r>
               <a:rPr lang="en-US" dirty="0" smtClean="0"/>
-              <a:t>Fieldwork in PA</a:t>
+              <a:t>Expected Results</a:t>
             </a:r>
             <a:endParaRPr lang="en-US" dirty="0"/>
           </a:p>
@@ -4488,116 +4937,68 @@
             <p:ph idx="1"/>
           </p:nvPr>
         </p:nvSpPr>
-        <p:spPr>
-          <a:xfrm>
-            <a:off x="838200" y="1825625"/>
-            <a:ext cx="5282514" cy="4351338"/>
-          </a:xfrm>
-        </p:spPr>
-        <p:txBody>
-          <a:bodyPr/>
-          <a:lstStyle/>
-          <a:p>
-            <a:r>
-              <a:rPr lang="en-US" dirty="0" smtClean="0"/>
-              <a:t>Hydraulic fracturing prevalent around the United States, especially Pennsylvania</a:t>
-            </a:r>
-          </a:p>
-          <a:p>
-            <a:r>
-              <a:rPr lang="en-US" dirty="0" smtClean="0"/>
-              <a:t>Allegheny National Forest, PA ideal field site to examine potential impacts to shallow groundwater</a:t>
-            </a:r>
+        <p:spPr/>
+        <p:txBody>
+          <a:bodyPr/>
+          <a:lstStyle/>
+          <a:p>
+            <a:r>
+              <a:rPr lang="en-US" dirty="0" smtClean="0"/>
+              <a:t>Radium transport controlled by sorption to metal (</a:t>
+            </a:r>
+            <a:r>
+              <a:rPr lang="en-US" dirty="0" err="1" smtClean="0"/>
+              <a:t>hydr</a:t>
+            </a:r>
+            <a:r>
+              <a:rPr lang="en-US" dirty="0" smtClean="0"/>
+              <a:t>)oxides</a:t>
+            </a:r>
+          </a:p>
+          <a:p>
+            <a:r>
+              <a:rPr lang="en-US" i="1" dirty="0" smtClean="0"/>
+              <a:t>In situ</a:t>
+            </a:r>
+            <a:r>
+              <a:rPr lang="en-US" dirty="0" smtClean="0"/>
+              <a:t> mineral transformations can alter transport</a:t>
+            </a:r>
+          </a:p>
+          <a:p>
+            <a:r>
+              <a:rPr lang="en-US" dirty="0" smtClean="0"/>
+              <a:t>Develop accurate groundwater transport model</a:t>
+            </a:r>
+          </a:p>
+          <a:p>
+            <a:r>
+              <a:rPr lang="en-US" dirty="0" smtClean="0"/>
+              <a:t>Trace hydraulic fracturing surface water impacts via radium tracers</a:t>
+            </a:r>
+          </a:p>
+          <a:p>
             <a:endParaRPr lang="en-US" dirty="0"/>
-          </a:p>
-        </p:txBody>
-      </p:sp>
-      <p:pic>
-        <p:nvPicPr>
-          <p:cNvPr id="4" name="Picture 3"/>
-          <p:cNvPicPr>
-            <a:picLocks noChangeAspect="1"/>
-          </p:cNvPicPr>
-          <p:nvPr/>
-        </p:nvPicPr>
-        <p:blipFill>
-          <a:blip r:embed="rId2">
-            <a:extLst>
-              <a:ext uri="{28A0092B-C50C-407E-A947-70E740481C1C}">
-                <a14:useLocalDpi xmlns:a14="http://schemas.microsoft.com/office/drawing/2010/main" val="0"/>
-              </a:ext>
-            </a:extLst>
-          </a:blip>
-          <a:stretch>
-            <a:fillRect/>
-          </a:stretch>
-        </p:blipFill>
-        <p:spPr>
-          <a:xfrm>
-            <a:off x="7190822" y="1690688"/>
-            <a:ext cx="3988734" cy="3206748"/>
-          </a:xfrm>
-          <a:prstGeom prst="rect">
-            <a:avLst/>
-          </a:prstGeom>
-        </p:spPr>
-      </p:pic>
-      <p:sp>
-        <p:nvSpPr>
-          <p:cNvPr id="5" name="TextBox 4"/>
-          <p:cNvSpPr txBox="1"/>
-          <p:nvPr/>
-        </p:nvSpPr>
-        <p:spPr>
-          <a:xfrm>
-            <a:off x="7595286" y="5198076"/>
-            <a:ext cx="3608173" cy="1077218"/>
-          </a:xfrm>
-          <a:prstGeom prst="rect">
-            <a:avLst/>
-          </a:prstGeom>
-          <a:noFill/>
-        </p:spPr>
-        <p:txBody>
-          <a:bodyPr wrap="square" rtlCol="0">
-            <a:spAutoFit/>
-          </a:bodyPr>
-          <a:lstStyle/>
-          <a:p>
-            <a:pPr algn="ctr"/>
-            <a:r>
-              <a:rPr lang="en-US" sz="1600" dirty="0" smtClean="0"/>
-              <a:t>Hydraulic fracturing wells drilled in Allegheny National Forest </a:t>
-            </a:r>
-            <a:r>
-              <a:rPr lang="en-US" sz="1600" dirty="0" smtClean="0">
-                <a:hlinkClick r:id="rId3"/>
-              </a:rPr>
-              <a:t>http</a:t>
-            </a:r>
-            <a:r>
-              <a:rPr lang="en-US" sz="1600" dirty="0">
-                <a:hlinkClick r:id="rId3"/>
-              </a:rPr>
-              <a:t>://www.nrdc.org/energy/fracking-map/pa.asp</a:t>
-            </a:r>
-            <a:r>
-              <a:rPr lang="en-US" sz="1600" dirty="0"/>
-              <a:t> </a:t>
-            </a:r>
           </a:p>
         </p:txBody>
       </p:sp>
     </p:spTree>
     <p:extLst>
       <p:ext uri="{BB962C8B-B14F-4D97-AF65-F5344CB8AC3E}">
-        <p14:creationId xmlns:p14="http://schemas.microsoft.com/office/powerpoint/2010/main" val="1280894544"/>
+        <p14:creationId xmlns:p14="http://schemas.microsoft.com/office/powerpoint/2010/main" val="3812223175"/>
       </p:ext>
     </p:extLst>
   </p:cSld>
   <p:clrMapOvr>
     <a:masterClrMapping/>
   </p:clrMapOvr>
+  <p:timing>
+    <p:tnLst>
+      <p:par>
+        <p:cTn id="1" dur="indefinite" restart="never" nodeType="tmRoot"/>
+      </p:par>
+    </p:tnLst>
+  </p:timing>
 </p:sld>
 </file>
 
@@ -4670,6 +5071,13 @@
   <p:clrMapOvr>
     <a:masterClrMapping/>
   </p:clrMapOvr>
+  <p:timing>
+    <p:tnLst>
+      <p:par>
+        <p:cTn id="1" dur="indefinite" restart="never" nodeType="tmRoot"/>
+      </p:par>
+    </p:tnLst>
+  </p:timing>
 </p:sld>
 </file>
 
@@ -4775,6 +5183,13 @@
   <p:clrMapOvr>
     <a:masterClrMapping/>
   </p:clrMapOvr>
+  <p:timing>
+    <p:tnLst>
+      <p:par>
+        <p:cTn id="1" dur="indefinite" restart="never" nodeType="tmRoot"/>
+      </p:par>
+    </p:tnLst>
+  </p:timing>
 </p:sld>
 </file>
 
@@ -4812,30 +5227,320 @@
           <a:p>
             <a:r>
               <a:rPr lang="en-US" dirty="0" smtClean="0"/>
-              <a:t>Iodine Cycling</a:t>
+              <a:t>Natural Iodine Isotope Cycling</a:t>
             </a:r>
             <a:endParaRPr lang="en-US" dirty="0"/>
           </a:p>
         </p:txBody>
       </p:sp>
-      <p:sp>
-        <p:nvSpPr>
-          <p:cNvPr id="10" name="Content Placeholder 9"/>
-          <p:cNvSpPr>
-            <a:spLocks noGrp="1"/>
-          </p:cNvSpPr>
+      <p:pic>
+        <p:nvPicPr>
+          <p:cNvPr id="5" name="Content Placeholder 4"/>
+          <p:cNvPicPr>
+            <a:picLocks noGrp="1" noChangeAspect="1"/>
+          </p:cNvPicPr>
           <p:nvPr>
             <p:ph idx="1"/>
           </p:nvPr>
-        </p:nvSpPr>
-        <p:spPr/>
-        <p:txBody>
-          <a:bodyPr/>
-          <a:lstStyle/>
-          <a:p>
-            <a:r>
-              <a:rPr lang="en-US" dirty="0" smtClean="0"/>
-              <a:t>FIGURE OF CYCLING</a:t>
+        </p:nvPicPr>
+        <p:blipFill>
+          <a:blip r:embed="rId2" cstate="print">
+            <a:extLst>
+              <a:ext uri="{28A0092B-C50C-407E-A947-70E740481C1C}">
+                <a14:useLocalDpi xmlns:a14="http://schemas.microsoft.com/office/drawing/2010/main" val="0"/>
+              </a:ext>
+            </a:extLst>
+          </a:blip>
+          <a:stretch>
+            <a:fillRect/>
+          </a:stretch>
+        </p:blipFill>
+        <p:spPr>
+          <a:xfrm>
+            <a:off x="793922" y="1649782"/>
+            <a:ext cx="9417908" cy="4963072"/>
+          </a:xfrm>
+        </p:spPr>
+      </p:pic>
+      <p:sp>
+        <p:nvSpPr>
+          <p:cNvPr id="6" name="TextBox 5"/>
+          <p:cNvSpPr txBox="1"/>
+          <p:nvPr/>
+        </p:nvSpPr>
+        <p:spPr>
+          <a:xfrm>
+            <a:off x="5502876" y="5491289"/>
+            <a:ext cx="593124" cy="646331"/>
+          </a:xfrm>
+          <a:prstGeom prst="rect">
+            <a:avLst/>
+          </a:prstGeom>
+          <a:noFill/>
+        </p:spPr>
+        <p:txBody>
+          <a:bodyPr wrap="square" rtlCol="0">
+            <a:spAutoFit/>
+          </a:bodyPr>
+          <a:lstStyle/>
+          <a:p>
+            <a:r>
+              <a:rPr lang="en-US" baseline="30000" dirty="0" smtClean="0">
+                <a:solidFill>
+                  <a:schemeClr val="bg1"/>
+                </a:solidFill>
+              </a:rPr>
+              <a:t>127</a:t>
+            </a:r>
+            <a:r>
+              <a:rPr lang="en-US" dirty="0" smtClean="0">
+                <a:solidFill>
+                  <a:schemeClr val="bg1"/>
+                </a:solidFill>
+              </a:rPr>
+              <a:t>I </a:t>
+            </a:r>
+            <a:r>
+              <a:rPr lang="en-US" baseline="30000" dirty="0" smtClean="0">
+                <a:solidFill>
+                  <a:schemeClr val="bg1"/>
+                </a:solidFill>
+              </a:rPr>
+              <a:t>129</a:t>
+            </a:r>
+            <a:r>
+              <a:rPr lang="en-US" dirty="0" smtClean="0">
+                <a:solidFill>
+                  <a:schemeClr val="bg1"/>
+                </a:solidFill>
+              </a:rPr>
+              <a:t>I</a:t>
+            </a:r>
+            <a:endParaRPr lang="en-US" dirty="0">
+              <a:solidFill>
+                <a:schemeClr val="bg1"/>
+              </a:solidFill>
+            </a:endParaRPr>
+          </a:p>
+        </p:txBody>
+      </p:sp>
+      <p:sp>
+        <p:nvSpPr>
+          <p:cNvPr id="7" name="Up Arrow 6"/>
+          <p:cNvSpPr/>
+          <p:nvPr/>
+        </p:nvSpPr>
+        <p:spPr>
+          <a:xfrm>
+            <a:off x="5688784" y="3946652"/>
+            <a:ext cx="277256" cy="1544637"/>
+          </a:xfrm>
+          <a:prstGeom prst="upArrow">
+            <a:avLst/>
+          </a:prstGeom>
+        </p:spPr>
+        <p:style>
+          <a:lnRef idx="2">
+            <a:schemeClr val="accent1">
+              <a:shade val="50000"/>
+            </a:schemeClr>
+          </a:lnRef>
+          <a:fillRef idx="1">
+            <a:schemeClr val="accent1"/>
+          </a:fillRef>
+          <a:effectRef idx="0">
+            <a:schemeClr val="accent1"/>
+          </a:effectRef>
+          <a:fontRef idx="minor">
+            <a:schemeClr val="lt1"/>
+          </a:fontRef>
+        </p:style>
+        <p:txBody>
+          <a:bodyPr rtlCol="0" anchor="ctr"/>
+          <a:lstStyle/>
+          <a:p>
+            <a:pPr algn="ctr"/>
+            <a:endParaRPr lang="en-US" dirty="0"/>
+          </a:p>
+        </p:txBody>
+      </p:sp>
+      <p:sp>
+        <p:nvSpPr>
+          <p:cNvPr id="8" name="TextBox 7"/>
+          <p:cNvSpPr txBox="1"/>
+          <p:nvPr/>
+        </p:nvSpPr>
+        <p:spPr>
+          <a:xfrm>
+            <a:off x="3361038" y="1960605"/>
+            <a:ext cx="1878227" cy="369332"/>
+          </a:xfrm>
+          <a:prstGeom prst="rect">
+            <a:avLst/>
+          </a:prstGeom>
+          <a:noFill/>
+        </p:spPr>
+        <p:txBody>
+          <a:bodyPr wrap="square" rtlCol="0">
+            <a:spAutoFit/>
+          </a:bodyPr>
+          <a:lstStyle/>
+          <a:p>
+            <a:r>
+              <a:rPr lang="en-US" dirty="0" smtClean="0"/>
+              <a:t>Cosmic Rays-&gt;</a:t>
+            </a:r>
+            <a:r>
+              <a:rPr lang="en-US" baseline="30000" dirty="0" smtClean="0"/>
+              <a:t>129</a:t>
+            </a:r>
+            <a:r>
+              <a:rPr lang="en-US" dirty="0" smtClean="0"/>
+              <a:t>I</a:t>
+            </a:r>
+            <a:endParaRPr lang="en-US" dirty="0"/>
+          </a:p>
+        </p:txBody>
+      </p:sp>
+      <p:sp>
+        <p:nvSpPr>
+          <p:cNvPr id="13" name="Left-Right Arrow 12"/>
+          <p:cNvSpPr/>
+          <p:nvPr/>
+        </p:nvSpPr>
+        <p:spPr>
+          <a:xfrm>
+            <a:off x="6096000" y="5526087"/>
+            <a:ext cx="2575354" cy="576733"/>
+          </a:xfrm>
+          <a:prstGeom prst="leftRightArrow">
+            <a:avLst/>
+          </a:prstGeom>
+        </p:spPr>
+        <p:style>
+          <a:lnRef idx="2">
+            <a:schemeClr val="accent1">
+              <a:shade val="50000"/>
+            </a:schemeClr>
+          </a:lnRef>
+          <a:fillRef idx="1">
+            <a:schemeClr val="accent1"/>
+          </a:fillRef>
+          <a:effectRef idx="0">
+            <a:schemeClr val="accent1"/>
+          </a:effectRef>
+          <a:fontRef idx="minor">
+            <a:schemeClr val="lt1"/>
+          </a:fontRef>
+        </p:style>
+        <p:txBody>
+          <a:bodyPr rtlCol="0" anchor="ctr"/>
+          <a:lstStyle/>
+          <a:p>
+            <a:pPr algn="ctr"/>
+            <a:r>
+              <a:rPr lang="en-US" dirty="0" smtClean="0"/>
+              <a:t>Groundwater Fluxes</a:t>
+            </a:r>
+            <a:endParaRPr lang="en-US" dirty="0"/>
+          </a:p>
+        </p:txBody>
+      </p:sp>
+      <p:sp>
+        <p:nvSpPr>
+          <p:cNvPr id="14" name="Down Arrow 13"/>
+          <p:cNvSpPr/>
+          <p:nvPr/>
+        </p:nvSpPr>
+        <p:spPr>
+          <a:xfrm>
+            <a:off x="4135567" y="2354007"/>
+            <a:ext cx="149568" cy="1260587"/>
+          </a:xfrm>
+          <a:prstGeom prst="downArrow">
+            <a:avLst/>
+          </a:prstGeom>
+        </p:spPr>
+        <p:style>
+          <a:lnRef idx="2">
+            <a:schemeClr val="accent1">
+              <a:shade val="50000"/>
+            </a:schemeClr>
+          </a:lnRef>
+          <a:fillRef idx="1">
+            <a:schemeClr val="accent1"/>
+          </a:fillRef>
+          <a:effectRef idx="0">
+            <a:schemeClr val="accent1"/>
+          </a:effectRef>
+          <a:fontRef idx="minor">
+            <a:schemeClr val="lt1"/>
+          </a:fontRef>
+        </p:style>
+        <p:txBody>
+          <a:bodyPr rtlCol="0" anchor="ctr"/>
+          <a:lstStyle/>
+          <a:p>
+            <a:pPr algn="ctr"/>
+            <a:endParaRPr lang="en-US" dirty="0"/>
+          </a:p>
+        </p:txBody>
+      </p:sp>
+      <p:sp>
+        <p:nvSpPr>
+          <p:cNvPr id="15" name="TextBox 14"/>
+          <p:cNvSpPr txBox="1"/>
+          <p:nvPr/>
+        </p:nvSpPr>
+        <p:spPr>
+          <a:xfrm>
+            <a:off x="3580157" y="3655499"/>
+            <a:ext cx="1260388" cy="369332"/>
+          </a:xfrm>
+          <a:prstGeom prst="rect">
+            <a:avLst/>
+          </a:prstGeom>
+          <a:noFill/>
+        </p:spPr>
+        <p:txBody>
+          <a:bodyPr wrap="square" rtlCol="0">
+            <a:spAutoFit/>
+          </a:bodyPr>
+          <a:lstStyle/>
+          <a:p>
+            <a:r>
+              <a:rPr lang="en-US" dirty="0" smtClean="0"/>
+              <a:t>Deposition</a:t>
+            </a:r>
+            <a:endParaRPr lang="en-US" dirty="0"/>
+          </a:p>
+        </p:txBody>
+      </p:sp>
+      <p:sp>
+        <p:nvSpPr>
+          <p:cNvPr id="16" name="TextBox 15"/>
+          <p:cNvSpPr txBox="1"/>
+          <p:nvPr/>
+        </p:nvSpPr>
+        <p:spPr>
+          <a:xfrm>
+            <a:off x="5352321" y="3332334"/>
+            <a:ext cx="1227438" cy="646331"/>
+          </a:xfrm>
+          <a:prstGeom prst="rect">
+            <a:avLst/>
+          </a:prstGeom>
+          <a:noFill/>
+        </p:spPr>
+        <p:txBody>
+          <a:bodyPr wrap="square" rtlCol="0">
+            <a:spAutoFit/>
+          </a:bodyPr>
+          <a:lstStyle/>
+          <a:p>
+            <a:r>
+              <a:rPr lang="en-US" dirty="0" smtClean="0"/>
+              <a:t>Gas Ebullition</a:t>
             </a:r>
             <a:endParaRPr lang="en-US" dirty="0"/>
           </a:p>
@@ -4851,6 +5556,13 @@
   <p:clrMapOvr>
     <a:masterClrMapping/>
   </p:clrMapOvr>
+  <p:timing>
+    <p:tnLst>
+      <p:par>
+        <p:cTn id="1" dur="indefinite" restart="never" nodeType="tmRoot"/>
+      </p:par>
+    </p:tnLst>
+  </p:timing>
 </p:sld>
 </file>
 
@@ -4873,7 +5585,7 @@
       </p:grpSpPr>
       <p:sp>
         <p:nvSpPr>
-          <p:cNvPr id="2" name="Title 1"/>
+          <p:cNvPr id="9" name="Title 8"/>
           <p:cNvSpPr>
             <a:spLocks noGrp="1"/>
           </p:cNvSpPr>
@@ -4888,48 +5600,256 @@
           <a:p>
             <a:r>
               <a:rPr lang="en-US" dirty="0" smtClean="0"/>
-              <a:t>Interactions with aquifer solids</a:t>
+              <a:t>Anthropogenic Iodine Isotope Cycling</a:t>
             </a:r>
             <a:endParaRPr lang="en-US" dirty="0"/>
           </a:p>
         </p:txBody>
       </p:sp>
-      <p:sp>
-        <p:nvSpPr>
-          <p:cNvPr id="3" name="Content Placeholder 2"/>
-          <p:cNvSpPr>
-            <a:spLocks noGrp="1"/>
-          </p:cNvSpPr>
+      <p:pic>
+        <p:nvPicPr>
+          <p:cNvPr id="5" name="Content Placeholder 4"/>
+          <p:cNvPicPr>
+            <a:picLocks noGrp="1" noChangeAspect="1"/>
+          </p:cNvPicPr>
           <p:nvPr>
             <p:ph idx="1"/>
           </p:nvPr>
-        </p:nvSpPr>
-        <p:spPr/>
-        <p:txBody>
-          <a:bodyPr/>
-          <a:lstStyle/>
-          <a:p>
-            <a:r>
-              <a:rPr lang="en-US" dirty="0" smtClean="0"/>
-              <a:t>Figure of relevant, understood processes</a:t>
-            </a:r>
-          </a:p>
-          <a:p>
-            <a:pPr lvl="1"/>
-            <a:r>
-              <a:rPr lang="en-US" dirty="0" smtClean="0"/>
-              <a:t>Mineral partitioning</a:t>
-            </a:r>
-          </a:p>
-          <a:p>
-            <a:pPr lvl="1"/>
-            <a:r>
-              <a:rPr lang="en-US" dirty="0" smtClean="0"/>
-              <a:t>Organic matter sorption and transformation</a:t>
-            </a:r>
-          </a:p>
-          <a:p>
-            <a:pPr lvl="1"/>
+        </p:nvPicPr>
+        <p:blipFill>
+          <a:blip r:embed="rId2" cstate="print">
+            <a:extLst>
+              <a:ext uri="{28A0092B-C50C-407E-A947-70E740481C1C}">
+                <a14:useLocalDpi xmlns:a14="http://schemas.microsoft.com/office/drawing/2010/main" val="0"/>
+              </a:ext>
+            </a:extLst>
+          </a:blip>
+          <a:stretch>
+            <a:fillRect/>
+          </a:stretch>
+        </p:blipFill>
+        <p:spPr>
+          <a:xfrm>
+            <a:off x="838200" y="1742115"/>
+            <a:ext cx="9417908" cy="4963072"/>
+          </a:xfrm>
+        </p:spPr>
+      </p:pic>
+      <p:sp>
+        <p:nvSpPr>
+          <p:cNvPr id="14" name="Down Arrow 13"/>
+          <p:cNvSpPr/>
+          <p:nvPr/>
+        </p:nvSpPr>
+        <p:spPr>
+          <a:xfrm>
+            <a:off x="5173380" y="3209735"/>
+            <a:ext cx="305272" cy="745735"/>
+          </a:xfrm>
+          <a:prstGeom prst="downArrow">
+            <a:avLst/>
+          </a:prstGeom>
+        </p:spPr>
+        <p:style>
+          <a:lnRef idx="2">
+            <a:schemeClr val="accent1">
+              <a:shade val="50000"/>
+            </a:schemeClr>
+          </a:lnRef>
+          <a:fillRef idx="1">
+            <a:schemeClr val="accent1"/>
+          </a:fillRef>
+          <a:effectRef idx="0">
+            <a:schemeClr val="accent1"/>
+          </a:effectRef>
+          <a:fontRef idx="minor">
+            <a:schemeClr val="lt1"/>
+          </a:fontRef>
+        </p:style>
+        <p:txBody>
+          <a:bodyPr rtlCol="0" anchor="ctr"/>
+          <a:lstStyle/>
+          <a:p>
+            <a:pPr algn="ctr"/>
+            <a:endParaRPr lang="en-US" dirty="0"/>
+          </a:p>
+        </p:txBody>
+      </p:sp>
+      <p:sp>
+        <p:nvSpPr>
+          <p:cNvPr id="15" name="TextBox 14"/>
+          <p:cNvSpPr txBox="1"/>
+          <p:nvPr/>
+        </p:nvSpPr>
+        <p:spPr>
+          <a:xfrm>
+            <a:off x="4695822" y="2853155"/>
+            <a:ext cx="1260388" cy="369332"/>
+          </a:xfrm>
+          <a:prstGeom prst="rect">
+            <a:avLst/>
+          </a:prstGeom>
+          <a:noFill/>
+        </p:spPr>
+        <p:txBody>
+          <a:bodyPr wrap="square" rtlCol="0">
+            <a:spAutoFit/>
+          </a:bodyPr>
+          <a:lstStyle/>
+          <a:p>
+            <a:r>
+              <a:rPr lang="en-US" dirty="0" smtClean="0"/>
+              <a:t>Deposition</a:t>
+            </a:r>
+            <a:endParaRPr lang="en-US" dirty="0"/>
+          </a:p>
+        </p:txBody>
+      </p:sp>
+      <p:sp>
+        <p:nvSpPr>
+          <p:cNvPr id="2" name="Right Arrow 1"/>
+          <p:cNvSpPr/>
+          <p:nvPr/>
+        </p:nvSpPr>
+        <p:spPr>
+          <a:xfrm rot="16200000">
+            <a:off x="2557046" y="2218412"/>
+            <a:ext cx="897488" cy="613720"/>
+          </a:xfrm>
+          <a:prstGeom prst="rightArrow">
+            <a:avLst/>
+          </a:prstGeom>
+        </p:spPr>
+        <p:style>
+          <a:lnRef idx="2">
+            <a:schemeClr val="accent1">
+              <a:shade val="50000"/>
+            </a:schemeClr>
+          </a:lnRef>
+          <a:fillRef idx="1">
+            <a:schemeClr val="accent1"/>
+          </a:fillRef>
+          <a:effectRef idx="0">
+            <a:schemeClr val="accent1"/>
+          </a:effectRef>
+          <a:fontRef idx="minor">
+            <a:schemeClr val="lt1"/>
+          </a:fontRef>
+        </p:style>
+        <p:txBody>
+          <a:bodyPr rtlCol="0" anchor="ctr"/>
+          <a:lstStyle/>
+          <a:p>
+            <a:pPr algn="ctr"/>
+            <a:endParaRPr lang="en-US"/>
+          </a:p>
+        </p:txBody>
+      </p:sp>
+      <p:sp>
+        <p:nvSpPr>
+          <p:cNvPr id="4" name="TextBox 3"/>
+          <p:cNvSpPr txBox="1"/>
+          <p:nvPr/>
+        </p:nvSpPr>
+        <p:spPr>
+          <a:xfrm>
+            <a:off x="2207802" y="3037821"/>
+            <a:ext cx="1595976" cy="923330"/>
+          </a:xfrm>
+          <a:prstGeom prst="rect">
+            <a:avLst/>
+          </a:prstGeom>
+          <a:noFill/>
+        </p:spPr>
+        <p:txBody>
+          <a:bodyPr wrap="square" rtlCol="0">
+            <a:spAutoFit/>
+          </a:bodyPr>
+          <a:lstStyle/>
+          <a:p>
+            <a:pPr algn="ctr"/>
+            <a:r>
+              <a:rPr lang="en-US" baseline="30000" dirty="0" smtClean="0"/>
+              <a:t>129</a:t>
+            </a:r>
+            <a:r>
+              <a:rPr lang="en-US" dirty="0" smtClean="0"/>
+              <a:t>I,</a:t>
+            </a:r>
+            <a:r>
+              <a:rPr lang="en-US" baseline="30000" dirty="0" smtClean="0"/>
+              <a:t>131</a:t>
+            </a:r>
+            <a:r>
+              <a:rPr lang="en-US" dirty="0" smtClean="0"/>
+              <a:t>I from</a:t>
+            </a:r>
+          </a:p>
+          <a:p>
+            <a:pPr algn="ctr"/>
+            <a:r>
+              <a:rPr lang="en-US" dirty="0" smtClean="0"/>
+              <a:t>Bomb testing,</a:t>
+            </a:r>
+          </a:p>
+          <a:p>
+            <a:pPr algn="ctr"/>
+            <a:r>
+              <a:rPr lang="en-US" dirty="0"/>
+              <a:t>a</a:t>
+            </a:r>
+            <a:r>
+              <a:rPr lang="en-US" dirty="0" smtClean="0"/>
+              <a:t>ccidents, </a:t>
+            </a:r>
+            <a:r>
+              <a:rPr lang="en-US" dirty="0" err="1" smtClean="0"/>
+              <a:t>etc</a:t>
+            </a:r>
+            <a:endParaRPr lang="en-US" dirty="0"/>
+          </a:p>
+        </p:txBody>
+      </p:sp>
+      <p:sp>
+        <p:nvSpPr>
+          <p:cNvPr id="10" name="Bent-Up Arrow 9"/>
+          <p:cNvSpPr/>
+          <p:nvPr/>
+        </p:nvSpPr>
+        <p:spPr>
+          <a:xfrm rot="5400000">
+            <a:off x="4404234" y="2988350"/>
+            <a:ext cx="1595976" cy="4689638"/>
+          </a:xfrm>
+          <a:prstGeom prst="bentUpArrow">
+            <a:avLst>
+              <a:gd name="adj1" fmla="val 17244"/>
+              <a:gd name="adj2" fmla="val 21827"/>
+              <a:gd name="adj3" fmla="val 24295"/>
+            </a:avLst>
+          </a:prstGeom>
+        </p:spPr>
+        <p:style>
+          <a:lnRef idx="2">
+            <a:schemeClr val="accent1">
+              <a:shade val="50000"/>
+            </a:schemeClr>
+          </a:lnRef>
+          <a:fillRef idx="1">
+            <a:schemeClr val="accent1"/>
+          </a:fillRef>
+          <a:effectRef idx="0">
+            <a:schemeClr val="accent1"/>
+          </a:effectRef>
+          <a:fontRef idx="minor">
+            <a:schemeClr val="lt1"/>
+          </a:fontRef>
+        </p:style>
+        <p:txBody>
+          <a:bodyPr rtlCol="0" anchor="ctr"/>
+          <a:lstStyle/>
+          <a:p>
+            <a:pPr algn="ctr"/>
             <a:endParaRPr lang="en-US" dirty="0"/>
           </a:p>
         </p:txBody>
@@ -4937,13 +5857,20 @@
     </p:spTree>
     <p:extLst>
       <p:ext uri="{BB962C8B-B14F-4D97-AF65-F5344CB8AC3E}">
-        <p14:creationId xmlns:p14="http://schemas.microsoft.com/office/powerpoint/2010/main" val="3906547553"/>
+        <p14:creationId xmlns:p14="http://schemas.microsoft.com/office/powerpoint/2010/main" val="745989729"/>
       </p:ext>
     </p:extLst>
   </p:cSld>
   <p:clrMapOvr>
     <a:masterClrMapping/>
   </p:clrMapOvr>
+  <p:timing>
+    <p:tnLst>
+      <p:par>
+        <p:cTn id="1" dur="indefinite" restart="never" nodeType="tmRoot"/>
+      </p:par>
+    </p:tnLst>
+  </p:timing>
 </p:sld>
 </file>
 
@@ -4981,41 +5908,160 @@
           <a:p>
             <a:r>
               <a:rPr lang="en-US" dirty="0" smtClean="0"/>
-              <a:t>Sorption and Transport Experiments</a:t>
+              <a:t>Iodine Speciation and solid interactions</a:t>
             </a:r>
             <a:endParaRPr lang="en-US" dirty="0"/>
           </a:p>
         </p:txBody>
       </p:sp>
-      <p:sp>
-        <p:nvSpPr>
-          <p:cNvPr id="3" name="Content Placeholder 2"/>
-          <p:cNvSpPr>
-            <a:spLocks noGrp="1"/>
-          </p:cNvSpPr>
+      <p:pic>
+        <p:nvPicPr>
+          <p:cNvPr id="4" name="Content Placeholder 3"/>
+          <p:cNvPicPr>
+            <a:picLocks noGrp="1" noChangeAspect="1"/>
+          </p:cNvPicPr>
           <p:nvPr>
             <p:ph idx="1"/>
           </p:nvPr>
-        </p:nvSpPr>
-        <p:spPr/>
-        <p:txBody>
-          <a:bodyPr/>
-          <a:lstStyle/>
-          <a:p>
-            <a:endParaRPr lang="en-US"/>
+        </p:nvPicPr>
+        <p:blipFill>
+          <a:blip r:embed="rId2">
+            <a:extLst>
+              <a:ext uri="{28A0092B-C50C-407E-A947-70E740481C1C}">
+                <a14:useLocalDpi xmlns:a14="http://schemas.microsoft.com/office/drawing/2010/main" val="0"/>
+              </a:ext>
+            </a:extLst>
+          </a:blip>
+          <a:stretch>
+            <a:fillRect/>
+          </a:stretch>
+        </p:blipFill>
+        <p:spPr>
+          <a:xfrm>
+            <a:off x="838200" y="1336122"/>
+            <a:ext cx="4210871" cy="4909010"/>
+          </a:xfrm>
+        </p:spPr>
+      </p:pic>
+      <p:sp>
+        <p:nvSpPr>
+          <p:cNvPr id="5" name="TextBox 4"/>
+          <p:cNvSpPr txBox="1"/>
+          <p:nvPr/>
+        </p:nvSpPr>
+        <p:spPr>
+          <a:xfrm>
+            <a:off x="1080791" y="6245132"/>
+            <a:ext cx="4404048" cy="369332"/>
+          </a:xfrm>
+          <a:prstGeom prst="rect">
+            <a:avLst/>
+          </a:prstGeom>
+          <a:noFill/>
+        </p:spPr>
+        <p:txBody>
+          <a:bodyPr wrap="square" rtlCol="0">
+            <a:spAutoFit/>
+          </a:bodyPr>
+          <a:lstStyle/>
+          <a:p>
+            <a:r>
+              <a:rPr lang="en-US" dirty="0" smtClean="0"/>
+              <a:t>Speciation of iodine from Hou, et al, 2009</a:t>
+            </a:r>
+            <a:endParaRPr lang="en-US" dirty="0"/>
+          </a:p>
+        </p:txBody>
+      </p:sp>
+      <p:sp>
+        <p:nvSpPr>
+          <p:cNvPr id="8" name="TextBox 7"/>
+          <p:cNvSpPr txBox="1"/>
+          <p:nvPr/>
+        </p:nvSpPr>
+        <p:spPr>
+          <a:xfrm>
+            <a:off x="6096000" y="2019104"/>
+            <a:ext cx="4256320" cy="3108543"/>
+          </a:xfrm>
+          <a:prstGeom prst="rect">
+            <a:avLst/>
+          </a:prstGeom>
+          <a:noFill/>
+        </p:spPr>
+        <p:txBody>
+          <a:bodyPr wrap="square" rtlCol="0">
+            <a:spAutoFit/>
+          </a:bodyPr>
+          <a:lstStyle/>
+          <a:p>
+            <a:pPr marL="285750" indent="-285750">
+              <a:buFont typeface="Arial" panose="020B0604020202020204" pitchFamily="34" charset="0"/>
+              <a:buChar char="•"/>
+            </a:pPr>
+            <a:r>
+              <a:rPr lang="en-US" sz="2800" dirty="0" smtClean="0"/>
+              <a:t>Weak sorption to mineral surfaces</a:t>
+            </a:r>
+          </a:p>
+          <a:p>
+            <a:pPr marL="285750" indent="-285750">
+              <a:buFont typeface="Arial" panose="020B0604020202020204" pitchFamily="34" charset="0"/>
+              <a:buChar char="•"/>
+            </a:pPr>
+            <a:r>
+              <a:rPr lang="en-US" sz="2800" dirty="0" smtClean="0"/>
+              <a:t>Strong interactions with organic matter</a:t>
+            </a:r>
+          </a:p>
+          <a:p>
+            <a:pPr marL="742950" lvl="1" indent="-285750">
+              <a:buFont typeface="Arial" panose="020B0604020202020204" pitchFamily="34" charset="0"/>
+              <a:buChar char="•"/>
+            </a:pPr>
+            <a:r>
+              <a:rPr lang="en-US" sz="2800" dirty="0"/>
+              <a:t>S</a:t>
+            </a:r>
+            <a:r>
+              <a:rPr lang="en-US" sz="2800" dirty="0" smtClean="0"/>
+              <a:t>orption</a:t>
+            </a:r>
+          </a:p>
+          <a:p>
+            <a:pPr marL="742950" lvl="1" indent="-285750">
+              <a:buFont typeface="Arial" panose="020B0604020202020204" pitchFamily="34" charset="0"/>
+              <a:buChar char="•"/>
+            </a:pPr>
+            <a:r>
+              <a:rPr lang="en-US" sz="2800" dirty="0" smtClean="0"/>
+              <a:t>Transformation into </a:t>
+            </a:r>
+            <a:r>
+              <a:rPr lang="en-US" sz="2800" dirty="0" err="1" smtClean="0"/>
+              <a:t>organoiodines</a:t>
+            </a:r>
+            <a:endParaRPr lang="en-US" sz="2800" dirty="0"/>
           </a:p>
         </p:txBody>
       </p:sp>
     </p:spTree>
     <p:extLst>
       <p:ext uri="{BB962C8B-B14F-4D97-AF65-F5344CB8AC3E}">
-        <p14:creationId xmlns:p14="http://schemas.microsoft.com/office/powerpoint/2010/main" val="3174231657"/>
+        <p14:creationId xmlns:p14="http://schemas.microsoft.com/office/powerpoint/2010/main" val="2027235110"/>
       </p:ext>
     </p:extLst>
   </p:cSld>
   <p:clrMapOvr>
     <a:masterClrMapping/>
   </p:clrMapOvr>
+  <p:timing>
+    <p:tnLst>
+      <p:par>
+        <p:cTn id="1" dur="indefinite" restart="never" nodeType="tmRoot"/>
+      </p:par>
+    </p:tnLst>
+  </p:timing>
 </p:sld>
 </file>
 
@@ -5053,7 +6099,7 @@
           <a:p>
             <a:r>
               <a:rPr lang="en-US" dirty="0" smtClean="0"/>
-              <a:t>Synchrotron Work</a:t>
+              <a:t>Sorption and Transport Experiments</a:t>
             </a:r>
             <a:endParaRPr lang="en-US" dirty="0"/>
           </a:p>
@@ -5061,12 +6107,12 @@
       </p:sp>
       <p:sp>
         <p:nvSpPr>
-          <p:cNvPr id="3" name="Content Placeholder 2"/>
-          <p:cNvSpPr>
-            <a:spLocks noGrp="1"/>
-          </p:cNvSpPr>
-          <p:nvPr>
-            <p:ph idx="1"/>
+          <p:cNvPr id="4" name="Text Placeholder 3"/>
+          <p:cNvSpPr>
+            <a:spLocks noGrp="1"/>
+          </p:cNvSpPr>
+          <p:nvPr>
+            <p:ph type="body" idx="1"/>
           </p:nvPr>
         </p:nvSpPr>
         <p:spPr/>
@@ -5076,7 +6122,94 @@
           <a:p>
             <a:r>
               <a:rPr lang="en-US" dirty="0" smtClean="0"/>
-              <a:t>XANES spectra for iodine species</a:t>
+              <a:t>Batch experiments</a:t>
+            </a:r>
+            <a:endParaRPr lang="en-US" dirty="0"/>
+          </a:p>
+        </p:txBody>
+      </p:sp>
+      <p:sp>
+        <p:nvSpPr>
+          <p:cNvPr id="5" name="Content Placeholder 4"/>
+          <p:cNvSpPr>
+            <a:spLocks noGrp="1"/>
+          </p:cNvSpPr>
+          <p:nvPr>
+            <p:ph sz="half" idx="2"/>
+          </p:nvPr>
+        </p:nvSpPr>
+        <p:spPr/>
+        <p:txBody>
+          <a:bodyPr/>
+          <a:lstStyle/>
+          <a:p>
+            <a:r>
+              <a:rPr lang="en-US" dirty="0" smtClean="0"/>
+              <a:t>Organic matter interactions</a:t>
+            </a:r>
+          </a:p>
+          <a:p>
+            <a:r>
+              <a:rPr lang="en-US" dirty="0" smtClean="0"/>
+              <a:t>Effect of mineral transformations</a:t>
+            </a:r>
+          </a:p>
+          <a:p>
+            <a:r>
+              <a:rPr lang="en-US" dirty="0" smtClean="0"/>
+              <a:t>Focus on organic matter controls iodine sorption and speciation</a:t>
+            </a:r>
+            <a:endParaRPr lang="en-US" dirty="0"/>
+          </a:p>
+        </p:txBody>
+      </p:sp>
+      <p:sp>
+        <p:nvSpPr>
+          <p:cNvPr id="7" name="Content Placeholder 6"/>
+          <p:cNvSpPr>
+            <a:spLocks noGrp="1"/>
+          </p:cNvSpPr>
+          <p:nvPr>
+            <p:ph sz="quarter" idx="4"/>
+          </p:nvPr>
+        </p:nvSpPr>
+        <p:spPr/>
+        <p:txBody>
+          <a:bodyPr/>
+          <a:lstStyle/>
+          <a:p>
+            <a:r>
+              <a:rPr lang="en-US" dirty="0" smtClean="0"/>
+              <a:t>Comparison of transport, transformation, sorption</a:t>
+            </a:r>
+          </a:p>
+          <a:p>
+            <a:r>
+              <a:rPr lang="en-US" dirty="0" smtClean="0"/>
+              <a:t>Speciation control and impacts on transport</a:t>
+            </a:r>
+            <a:endParaRPr lang="en-US" dirty="0"/>
+          </a:p>
+        </p:txBody>
+      </p:sp>
+      <p:sp>
+        <p:nvSpPr>
+          <p:cNvPr id="8" name="Text Placeholder 7"/>
+          <p:cNvSpPr>
+            <a:spLocks noGrp="1"/>
+          </p:cNvSpPr>
+          <p:nvPr>
+            <p:ph type="body" sz="quarter" idx="3"/>
+          </p:nvPr>
+        </p:nvSpPr>
+        <p:spPr/>
+        <p:txBody>
+          <a:bodyPr/>
+          <a:lstStyle/>
+          <a:p>
+            <a:r>
+              <a:rPr lang="en-US" dirty="0" smtClean="0"/>
+              <a:t>Column Experiments</a:t>
             </a:r>
             <a:endParaRPr lang="en-US" dirty="0"/>
           </a:p>
@@ -5085,13 +6218,20 @@
     </p:spTree>
     <p:extLst>
       <p:ext uri="{BB962C8B-B14F-4D97-AF65-F5344CB8AC3E}">
-        <p14:creationId xmlns:p14="http://schemas.microsoft.com/office/powerpoint/2010/main" val="3838390611"/>
+        <p14:creationId xmlns:p14="http://schemas.microsoft.com/office/powerpoint/2010/main" val="3174231657"/>
       </p:ext>
     </p:extLst>
   </p:cSld>
   <p:clrMapOvr>
     <a:masterClrMapping/>
   </p:clrMapOvr>
+  <p:timing>
+    <p:tnLst>
+      <p:par>
+        <p:cTn id="1" dur="indefinite" restart="never" nodeType="tmRoot"/>
+      </p:par>
+    </p:tnLst>
+  </p:timing>
 </p:sld>
 </file>
 
@@ -5129,68 +6269,151 @@
           <a:p>
             <a:r>
               <a:rPr lang="en-US" dirty="0" smtClean="0"/>
-              <a:t>Fieldwork in HI</a:t>
+              <a:t>Iodine Detection</a:t>
             </a:r>
             <a:endParaRPr lang="en-US" dirty="0"/>
           </a:p>
         </p:txBody>
       </p:sp>
-      <p:sp>
-        <p:nvSpPr>
-          <p:cNvPr id="3" name="Content Placeholder 2"/>
-          <p:cNvSpPr>
-            <a:spLocks noGrp="1"/>
-          </p:cNvSpPr>
-          <p:nvPr>
-            <p:ph idx="1"/>
-          </p:nvPr>
-        </p:nvSpPr>
-        <p:spPr/>
-        <p:txBody>
-          <a:bodyPr/>
-          <a:lstStyle/>
-          <a:p>
-            <a:r>
-              <a:rPr lang="en-US" dirty="0" smtClean="0"/>
-              <a:t>Focus on studying organic matter cycling</a:t>
-            </a:r>
-          </a:p>
-          <a:p>
-            <a:pPr lvl="1"/>
-            <a:r>
-              <a:rPr lang="en-US" smtClean="0"/>
-              <a:t>Pulse of </a:t>
-            </a:r>
-            <a:r>
-              <a:rPr lang="en-US" baseline="30000" smtClean="0"/>
-              <a:t>129</a:t>
-            </a:r>
-            <a:r>
-              <a:rPr lang="en-US" smtClean="0"/>
-              <a:t>I </a:t>
-            </a:r>
-            <a:r>
-              <a:rPr lang="en-US" dirty="0" smtClean="0"/>
-              <a:t>from bomb testing (</a:t>
-            </a:r>
-            <a:r>
-              <a:rPr lang="en-US" smtClean="0"/>
-              <a:t>Starfish prime)</a:t>
-            </a:r>
-            <a:endParaRPr lang="en-US"/>
+      <p:pic>
+        <p:nvPicPr>
+          <p:cNvPr id="5" name="Picture 4"/>
+          <p:cNvPicPr>
+            <a:picLocks noChangeAspect="1"/>
+          </p:cNvPicPr>
+          <p:nvPr/>
+        </p:nvPicPr>
+        <p:blipFill>
+          <a:blip r:embed="rId2">
+            <a:extLst>
+              <a:ext uri="{28A0092B-C50C-407E-A947-70E740481C1C}">
+                <a14:useLocalDpi xmlns:a14="http://schemas.microsoft.com/office/drawing/2010/main" val="0"/>
+              </a:ext>
+            </a:extLst>
+          </a:blip>
+          <a:stretch>
+            <a:fillRect/>
+          </a:stretch>
+        </p:blipFill>
+        <p:spPr>
+          <a:xfrm>
+            <a:off x="6656174" y="1033876"/>
+            <a:ext cx="3995350" cy="4616712"/>
+          </a:xfrm>
+          <a:prstGeom prst="rect">
+            <a:avLst/>
+          </a:prstGeom>
+        </p:spPr>
+      </p:pic>
+      <p:sp>
+        <p:nvSpPr>
+          <p:cNvPr id="6" name="TextBox 5"/>
+          <p:cNvSpPr txBox="1"/>
+          <p:nvPr/>
+        </p:nvSpPr>
+        <p:spPr>
+          <a:xfrm>
+            <a:off x="6940379" y="5815914"/>
+            <a:ext cx="3426941" cy="923330"/>
+          </a:xfrm>
+          <a:prstGeom prst="rect">
+            <a:avLst/>
+          </a:prstGeom>
+          <a:noFill/>
+        </p:spPr>
+        <p:txBody>
+          <a:bodyPr wrap="square" rtlCol="0">
+            <a:spAutoFit/>
+          </a:bodyPr>
+          <a:lstStyle/>
+          <a:p>
+            <a:r>
+              <a:rPr lang="en-US" dirty="0" smtClean="0"/>
+              <a:t>K-edge spectra for various iodine compounds from Yamaguchi et al, 2008.</a:t>
+            </a:r>
+            <a:endParaRPr lang="en-US" dirty="0"/>
+          </a:p>
+        </p:txBody>
+      </p:sp>
+      <p:sp>
+        <p:nvSpPr>
+          <p:cNvPr id="7" name="TextBox 6"/>
+          <p:cNvSpPr txBox="1"/>
+          <p:nvPr/>
+        </p:nvSpPr>
+        <p:spPr>
+          <a:xfrm>
+            <a:off x="998376" y="1828800"/>
+            <a:ext cx="4217436" cy="3970318"/>
+          </a:xfrm>
+          <a:prstGeom prst="rect">
+            <a:avLst/>
+          </a:prstGeom>
+          <a:noFill/>
+        </p:spPr>
+        <p:txBody>
+          <a:bodyPr wrap="square" rtlCol="0">
+            <a:spAutoFit/>
+          </a:bodyPr>
+          <a:lstStyle/>
+          <a:p>
+            <a:pPr marL="457200" indent="-457200">
+              <a:buFont typeface="Arial" panose="020B0604020202020204" pitchFamily="34" charset="0"/>
+              <a:buChar char="•"/>
+            </a:pPr>
+            <a:r>
+              <a:rPr lang="en-US" sz="2800" dirty="0" smtClean="0"/>
+              <a:t>Synchrotron power tool for speciation analysis</a:t>
+            </a:r>
+          </a:p>
+          <a:p>
+            <a:pPr marL="914400" lvl="1" indent="-457200">
+              <a:buFont typeface="Arial" panose="020B0604020202020204" pitchFamily="34" charset="0"/>
+              <a:buChar char="•"/>
+            </a:pPr>
+            <a:r>
+              <a:rPr lang="en-US" sz="2800" dirty="0" smtClean="0"/>
+              <a:t>Pore scale analysis of organic matter samples incubated with iodine</a:t>
+            </a:r>
+          </a:p>
+          <a:p>
+            <a:pPr marL="457200" indent="-457200">
+              <a:buFont typeface="Arial" panose="020B0604020202020204" pitchFamily="34" charset="0"/>
+              <a:buChar char="•"/>
+            </a:pPr>
+            <a:r>
+              <a:rPr lang="en-US" sz="2800" dirty="0" smtClean="0"/>
+              <a:t>High </a:t>
+            </a:r>
+            <a:r>
+              <a:rPr lang="en-US" sz="2800" dirty="0" err="1" smtClean="0"/>
+              <a:t>perfomance</a:t>
+            </a:r>
+            <a:r>
+              <a:rPr lang="en-US" sz="2800" dirty="0" smtClean="0"/>
+              <a:t> liquid chromatograph (HPLC) combined with ICP-MS</a:t>
+            </a:r>
+            <a:endParaRPr lang="en-US" sz="2800" dirty="0"/>
           </a:p>
         </p:txBody>
       </p:sp>
     </p:spTree>
     <p:extLst>
       <p:ext uri="{BB962C8B-B14F-4D97-AF65-F5344CB8AC3E}">
-        <p14:creationId xmlns:p14="http://schemas.microsoft.com/office/powerpoint/2010/main" val="833709440"/>
+        <p14:creationId xmlns:p14="http://schemas.microsoft.com/office/powerpoint/2010/main" val="3838390611"/>
       </p:ext>
     </p:extLst>
   </p:cSld>
   <p:clrMapOvr>
     <a:masterClrMapping/>
   </p:clrMapOvr>
+  <p:timing>
+    <p:tnLst>
+      <p:par>
+        <p:cTn id="1" dur="indefinite" restart="never" nodeType="tmRoot"/>
+      </p:par>
+    </p:tnLst>
+  </p:timing>
 </p:sld>
 </file>
 
@@ -5228,7 +6451,282 @@
           <a:p>
             <a:r>
               <a:rPr lang="en-US" dirty="0" smtClean="0"/>
-              <a:t>Summary</a:t>
+              <a:t>Fieldwork in Hawaii</a:t>
+            </a:r>
+            <a:endParaRPr lang="en-US" dirty="0"/>
+          </a:p>
+        </p:txBody>
+      </p:sp>
+      <p:sp>
+        <p:nvSpPr>
+          <p:cNvPr id="3" name="Content Placeholder 2"/>
+          <p:cNvSpPr>
+            <a:spLocks noGrp="1"/>
+          </p:cNvSpPr>
+          <p:nvPr>
+            <p:ph idx="1"/>
+          </p:nvPr>
+        </p:nvSpPr>
+        <p:spPr>
+          <a:xfrm>
+            <a:off x="838200" y="1825625"/>
+            <a:ext cx="4414935" cy="4351338"/>
+          </a:xfrm>
+        </p:spPr>
+        <p:txBody>
+          <a:bodyPr/>
+          <a:lstStyle/>
+          <a:p>
+            <a:r>
+              <a:rPr lang="en-US" dirty="0" smtClean="0"/>
+              <a:t>Focus on studying organic matter cycling</a:t>
+            </a:r>
+          </a:p>
+          <a:p>
+            <a:pPr lvl="1"/>
+            <a:r>
+              <a:rPr lang="en-US" dirty="0" smtClean="0"/>
+              <a:t>Pulse of </a:t>
+            </a:r>
+            <a:r>
+              <a:rPr lang="en-US" baseline="30000" dirty="0" smtClean="0"/>
+              <a:t>129</a:t>
+            </a:r>
+            <a:r>
+              <a:rPr lang="en-US" dirty="0" smtClean="0"/>
+              <a:t>I from bomb testing (Starfish prime)</a:t>
+            </a:r>
+          </a:p>
+          <a:p>
+            <a:r>
+              <a:rPr lang="en-US" dirty="0" smtClean="0"/>
+              <a:t>Characterization of iodine isotope speciation and distribution in soil &amp; GW</a:t>
+            </a:r>
+          </a:p>
+          <a:p>
+            <a:r>
+              <a:rPr lang="en-US" dirty="0" smtClean="0"/>
+              <a:t>Modeling of iodine cycling in system</a:t>
+            </a:r>
+            <a:endParaRPr lang="en-US" dirty="0"/>
+          </a:p>
+        </p:txBody>
+      </p:sp>
+      <p:pic>
+        <p:nvPicPr>
+          <p:cNvPr id="4" name="Picture 3"/>
+          <p:cNvPicPr>
+            <a:picLocks noChangeAspect="1"/>
+          </p:cNvPicPr>
+          <p:nvPr/>
+        </p:nvPicPr>
+        <p:blipFill>
+          <a:blip r:embed="rId2" cstate="print">
+            <a:extLst>
+              <a:ext uri="{28A0092B-C50C-407E-A947-70E740481C1C}">
+                <a14:useLocalDpi xmlns:a14="http://schemas.microsoft.com/office/drawing/2010/main" val="0"/>
+              </a:ext>
+            </a:extLst>
+          </a:blip>
+          <a:stretch>
+            <a:fillRect/>
+          </a:stretch>
+        </p:blipFill>
+        <p:spPr>
+          <a:xfrm>
+            <a:off x="6265969" y="1601633"/>
+            <a:ext cx="5426380" cy="3662808"/>
+          </a:xfrm>
+          <a:prstGeom prst="rect">
+            <a:avLst/>
+          </a:prstGeom>
+        </p:spPr>
+      </p:pic>
+      <p:sp>
+        <p:nvSpPr>
+          <p:cNvPr id="5" name="TextBox 4"/>
+          <p:cNvSpPr txBox="1"/>
+          <p:nvPr/>
+        </p:nvSpPr>
+        <p:spPr>
+          <a:xfrm>
+            <a:off x="6096000" y="5380672"/>
+            <a:ext cx="5766318" cy="954107"/>
+          </a:xfrm>
+          <a:prstGeom prst="rect">
+            <a:avLst/>
+          </a:prstGeom>
+          <a:noFill/>
+        </p:spPr>
+        <p:txBody>
+          <a:bodyPr wrap="square" rtlCol="0">
+            <a:spAutoFit/>
+          </a:bodyPr>
+          <a:lstStyle/>
+          <a:p>
+            <a:r>
+              <a:rPr lang="en-US" sz="1400" dirty="0"/>
+              <a:t>"Starfish Prime aurora from Honolulu 1". Licensed under Public Domain via Wikimedia Commons - https://commons.wikimedia.org/wiki/File:Starfish_Prime_aurora_from_Honolulu_1.jpg#mediaviewer/File:Starfish_Prime_aurora_from_Honolulu_1.jpg</a:t>
+            </a:r>
+          </a:p>
+        </p:txBody>
+      </p:sp>
+    </p:spTree>
+    <p:extLst>
+      <p:ext uri="{BB962C8B-B14F-4D97-AF65-F5344CB8AC3E}">
+        <p14:creationId xmlns:p14="http://schemas.microsoft.com/office/powerpoint/2010/main" val="833709440"/>
+      </p:ext>
+    </p:extLst>
+  </p:cSld>
+  <p:clrMapOvr>
+    <a:masterClrMapping/>
+  </p:clrMapOvr>
+  <p:timing>
+    <p:tnLst>
+      <p:par>
+        <p:cTn id="1" dur="indefinite" restart="never" nodeType="tmRoot"/>
+      </p:par>
+    </p:tnLst>
+  </p:timing>
+</p:sld>
+</file>
+
+<file path=ppt/slides/slide26.xml><?xml version="1.0" encoding="utf-8"?>
+<p:sld xmlns:a="http://schemas.openxmlformats.org/drawingml/2006/main" xmlns:r="http://schemas.openxmlformats.org/officeDocument/2006/relationships" xmlns:p="http://schemas.openxmlformats.org/presentationml/2006/main">
+  <p:cSld>
+    <p:spTree>
+      <p:nvGrpSpPr>
+        <p:cNvPr id="1" name=""/>
+        <p:cNvGrpSpPr/>
+        <p:nvPr/>
+      </p:nvGrpSpPr>
+      <p:grpSpPr>
+        <a:xfrm>
+          <a:off x="0" y="0"/>
+          <a:ext cx="0" cy="0"/>
+          <a:chOff x="0" y="0"/>
+          <a:chExt cx="0" cy="0"/>
+        </a:xfrm>
+      </p:grpSpPr>
+      <p:sp>
+        <p:nvSpPr>
+          <p:cNvPr id="2" name="Title 1"/>
+          <p:cNvSpPr>
+            <a:spLocks noGrp="1"/>
+          </p:cNvSpPr>
+          <p:nvPr>
+            <p:ph type="title"/>
+          </p:nvPr>
+        </p:nvSpPr>
+        <p:spPr/>
+        <p:txBody>
+          <a:bodyPr/>
+          <a:lstStyle/>
+          <a:p>
+            <a:r>
+              <a:rPr lang="en-US" dirty="0" smtClean="0"/>
+              <a:t>Expected Results</a:t>
+            </a:r>
+            <a:endParaRPr lang="en-US" dirty="0"/>
+          </a:p>
+        </p:txBody>
+      </p:sp>
+      <p:sp>
+        <p:nvSpPr>
+          <p:cNvPr id="3" name="Content Placeholder 2"/>
+          <p:cNvSpPr>
+            <a:spLocks noGrp="1"/>
+          </p:cNvSpPr>
+          <p:nvPr>
+            <p:ph idx="1"/>
+          </p:nvPr>
+        </p:nvSpPr>
+        <p:spPr/>
+        <p:txBody>
+          <a:bodyPr/>
+          <a:lstStyle/>
+          <a:p>
+            <a:r>
+              <a:rPr lang="en-US" dirty="0" smtClean="0"/>
+              <a:t>Parameters for organic matter impacts to iodine</a:t>
+            </a:r>
+            <a:endParaRPr lang="en-US" dirty="0"/>
+          </a:p>
+          <a:p>
+            <a:r>
+              <a:rPr lang="en-US" dirty="0" smtClean="0"/>
+              <a:t>Understanding of iodine-organic matter interactions</a:t>
+            </a:r>
+          </a:p>
+          <a:p>
+            <a:r>
+              <a:rPr lang="en-US" dirty="0" smtClean="0"/>
+              <a:t>Groundwater model accounting for sorption and transformation</a:t>
+            </a:r>
+          </a:p>
+          <a:p>
+            <a:r>
+              <a:rPr lang="en-US" dirty="0" smtClean="0"/>
+              <a:t>Field scale understanding of iodine cycling through organic matter</a:t>
+            </a:r>
+          </a:p>
+        </p:txBody>
+      </p:sp>
+    </p:spTree>
+    <p:extLst>
+      <p:ext uri="{BB962C8B-B14F-4D97-AF65-F5344CB8AC3E}">
+        <p14:creationId xmlns:p14="http://schemas.microsoft.com/office/powerpoint/2010/main" val="373087223"/>
+      </p:ext>
+    </p:extLst>
+  </p:cSld>
+  <p:clrMapOvr>
+    <a:masterClrMapping/>
+  </p:clrMapOvr>
+  <p:timing>
+    <p:tnLst>
+      <p:par>
+        <p:cTn id="1" dur="indefinite" restart="never" nodeType="tmRoot"/>
+      </p:par>
+    </p:tnLst>
+  </p:timing>
+</p:sld>
+</file>
+
+<file path=ppt/slides/slide27.xml><?xml version="1.0" encoding="utf-8"?>
+<p:sld xmlns:a="http://schemas.openxmlformats.org/drawingml/2006/main" xmlns:r="http://schemas.openxmlformats.org/officeDocument/2006/relationships" xmlns:p="http://schemas.openxmlformats.org/presentationml/2006/main">
+  <p:cSld>
+    <p:spTree>
+      <p:nvGrpSpPr>
+        <p:cNvPr id="1" name=""/>
+        <p:cNvGrpSpPr/>
+        <p:nvPr/>
+      </p:nvGrpSpPr>
+      <p:grpSpPr>
+        <a:xfrm>
+          <a:off x="0" y="0"/>
+          <a:ext cx="0" cy="0"/>
+          <a:chOff x="0" y="0"/>
+          <a:chExt cx="0" cy="0"/>
+        </a:xfrm>
+      </p:grpSpPr>
+      <p:sp>
+        <p:nvSpPr>
+          <p:cNvPr id="2" name="Title 1"/>
+          <p:cNvSpPr>
+            <a:spLocks noGrp="1"/>
+          </p:cNvSpPr>
+          <p:nvPr>
+            <p:ph type="title"/>
+          </p:nvPr>
+        </p:nvSpPr>
+        <p:spPr/>
+        <p:txBody>
+          <a:bodyPr/>
+          <a:lstStyle/>
+          <a:p>
+            <a:r>
+              <a:rPr lang="en-US" dirty="0" smtClean="0"/>
+              <a:t>Summary &amp; Timeline</a:t>
             </a:r>
             <a:endParaRPr lang="en-US" dirty="0"/>
           </a:p>
@@ -5263,6 +6761,624 @@
   <p:clrMapOvr>
     <a:masterClrMapping/>
   </p:clrMapOvr>
+  <p:timing>
+    <p:tnLst>
+      <p:par>
+        <p:cTn id="1" dur="indefinite" restart="never" nodeType="tmRoot"/>
+      </p:par>
+    </p:tnLst>
+  </p:timing>
+</p:sld>
+</file>
+
+<file path=ppt/slides/slide28.xml><?xml version="1.0" encoding="utf-8"?>
+<p:sld xmlns:a="http://schemas.openxmlformats.org/drawingml/2006/main" xmlns:r="http://schemas.openxmlformats.org/officeDocument/2006/relationships" xmlns:p="http://schemas.openxmlformats.org/presentationml/2006/main">
+  <p:cSld>
+    <p:spTree>
+      <p:nvGrpSpPr>
+        <p:cNvPr id="1" name=""/>
+        <p:cNvGrpSpPr/>
+        <p:nvPr/>
+      </p:nvGrpSpPr>
+      <p:grpSpPr>
+        <a:xfrm>
+          <a:off x="0" y="0"/>
+          <a:ext cx="0" cy="0"/>
+          <a:chOff x="0" y="0"/>
+          <a:chExt cx="0" cy="0"/>
+        </a:xfrm>
+      </p:grpSpPr>
+      <p:sp>
+        <p:nvSpPr>
+          <p:cNvPr id="7" name="Title 6"/>
+          <p:cNvSpPr>
+            <a:spLocks noGrp="1"/>
+          </p:cNvSpPr>
+          <p:nvPr>
+            <p:ph type="title"/>
+          </p:nvPr>
+        </p:nvSpPr>
+        <p:spPr/>
+        <p:txBody>
+          <a:bodyPr/>
+          <a:lstStyle/>
+          <a:p>
+            <a:r>
+              <a:rPr lang="en-US" dirty="0" smtClean="0"/>
+              <a:t>General Process</a:t>
+            </a:r>
+            <a:endParaRPr lang="en-US" dirty="0"/>
+          </a:p>
+        </p:txBody>
+      </p:sp>
+      <p:sp>
+        <p:nvSpPr>
+          <p:cNvPr id="26" name="Rectangle 25"/>
+          <p:cNvSpPr/>
+          <p:nvPr/>
+        </p:nvSpPr>
+        <p:spPr>
+          <a:xfrm>
+            <a:off x="7694142" y="3224510"/>
+            <a:ext cx="2290118" cy="997988"/>
+          </a:xfrm>
+          <a:prstGeom prst="rect">
+            <a:avLst/>
+          </a:prstGeom>
+        </p:spPr>
+        <p:style>
+          <a:lnRef idx="2">
+            <a:schemeClr val="accent1">
+              <a:shade val="50000"/>
+            </a:schemeClr>
+          </a:lnRef>
+          <a:fillRef idx="1">
+            <a:schemeClr val="accent1"/>
+          </a:fillRef>
+          <a:effectRef idx="0">
+            <a:schemeClr val="accent1"/>
+          </a:effectRef>
+          <a:fontRef idx="minor">
+            <a:schemeClr val="lt1"/>
+          </a:fontRef>
+        </p:style>
+        <p:txBody>
+          <a:bodyPr rtlCol="0" anchor="ctr"/>
+          <a:lstStyle/>
+          <a:p>
+            <a:pPr algn="ctr"/>
+            <a:r>
+              <a:rPr lang="en-US" dirty="0" smtClean="0"/>
+              <a:t>Tracer Usage</a:t>
+            </a:r>
+            <a:endParaRPr lang="en-US" dirty="0"/>
+          </a:p>
+        </p:txBody>
+      </p:sp>
+      <p:sp>
+        <p:nvSpPr>
+          <p:cNvPr id="28" name="Rectangle 27"/>
+          <p:cNvSpPr/>
+          <p:nvPr/>
+        </p:nvSpPr>
+        <p:spPr>
+          <a:xfrm>
+            <a:off x="838200" y="1783587"/>
+            <a:ext cx="3122140" cy="1039363"/>
+          </a:xfrm>
+          <a:prstGeom prst="rect">
+            <a:avLst/>
+          </a:prstGeom>
+        </p:spPr>
+        <p:style>
+          <a:lnRef idx="2">
+            <a:schemeClr val="accent1">
+              <a:shade val="50000"/>
+            </a:schemeClr>
+          </a:lnRef>
+          <a:fillRef idx="1">
+            <a:schemeClr val="accent1"/>
+          </a:fillRef>
+          <a:effectRef idx="0">
+            <a:schemeClr val="accent1"/>
+          </a:effectRef>
+          <a:fontRef idx="minor">
+            <a:schemeClr val="lt1"/>
+          </a:fontRef>
+        </p:style>
+        <p:txBody>
+          <a:bodyPr rtlCol="0" anchor="ctr"/>
+          <a:lstStyle/>
+          <a:p>
+            <a:pPr algn="ctr"/>
+            <a:r>
+              <a:rPr lang="en-US" dirty="0" smtClean="0"/>
+              <a:t>Batch and Transport Experiments</a:t>
+            </a:r>
+            <a:endParaRPr lang="en-US" dirty="0"/>
+          </a:p>
+        </p:txBody>
+      </p:sp>
+      <p:sp>
+        <p:nvSpPr>
+          <p:cNvPr id="30" name="Rectangle 29"/>
+          <p:cNvSpPr/>
+          <p:nvPr/>
+        </p:nvSpPr>
+        <p:spPr>
+          <a:xfrm>
+            <a:off x="838200" y="4624057"/>
+            <a:ext cx="3122140" cy="1039363"/>
+          </a:xfrm>
+          <a:prstGeom prst="rect">
+            <a:avLst/>
+          </a:prstGeom>
+        </p:spPr>
+        <p:style>
+          <a:lnRef idx="2">
+            <a:schemeClr val="accent1">
+              <a:shade val="50000"/>
+            </a:schemeClr>
+          </a:lnRef>
+          <a:fillRef idx="1">
+            <a:schemeClr val="accent1"/>
+          </a:fillRef>
+          <a:effectRef idx="0">
+            <a:schemeClr val="accent1"/>
+          </a:effectRef>
+          <a:fontRef idx="minor">
+            <a:schemeClr val="lt1"/>
+          </a:fontRef>
+        </p:style>
+        <p:txBody>
+          <a:bodyPr rtlCol="0" anchor="ctr"/>
+          <a:lstStyle/>
+          <a:p>
+            <a:pPr algn="ctr"/>
+            <a:r>
+              <a:rPr lang="en-US" dirty="0" smtClean="0"/>
+              <a:t>Field Scale Experiments</a:t>
+            </a:r>
+            <a:endParaRPr lang="en-US" dirty="0"/>
+          </a:p>
+        </p:txBody>
+      </p:sp>
+      <p:sp>
+        <p:nvSpPr>
+          <p:cNvPr id="31" name="Rectangle 30"/>
+          <p:cNvSpPr/>
+          <p:nvPr/>
+        </p:nvSpPr>
+        <p:spPr>
+          <a:xfrm>
+            <a:off x="2776153" y="3203822"/>
+            <a:ext cx="3122140" cy="1039363"/>
+          </a:xfrm>
+          <a:prstGeom prst="rect">
+            <a:avLst/>
+          </a:prstGeom>
+        </p:spPr>
+        <p:style>
+          <a:lnRef idx="2">
+            <a:schemeClr val="accent1">
+              <a:shade val="50000"/>
+            </a:schemeClr>
+          </a:lnRef>
+          <a:fillRef idx="1">
+            <a:schemeClr val="accent1"/>
+          </a:fillRef>
+          <a:effectRef idx="0">
+            <a:schemeClr val="accent1"/>
+          </a:effectRef>
+          <a:fontRef idx="minor">
+            <a:schemeClr val="lt1"/>
+          </a:fontRef>
+        </p:style>
+        <p:txBody>
+          <a:bodyPr rtlCol="0" anchor="ctr"/>
+          <a:lstStyle/>
+          <a:p>
+            <a:pPr algn="ctr"/>
+            <a:r>
+              <a:rPr lang="en-US" dirty="0" smtClean="0"/>
+              <a:t>Groundwater modeling</a:t>
+            </a:r>
+            <a:endParaRPr lang="en-US" dirty="0"/>
+          </a:p>
+        </p:txBody>
+      </p:sp>
+      <p:cxnSp>
+        <p:nvCxnSpPr>
+          <p:cNvPr id="35" name="Elbow Connector 34"/>
+          <p:cNvCxnSpPr>
+            <a:stCxn id="28" idx="3"/>
+            <a:endCxn id="31" idx="0"/>
+          </p:cNvCxnSpPr>
+          <p:nvPr/>
+        </p:nvCxnSpPr>
+        <p:spPr>
+          <a:xfrm>
+            <a:off x="3960340" y="2303269"/>
+            <a:ext cx="376883" cy="900553"/>
+          </a:xfrm>
+          <a:prstGeom prst="bentConnector2">
+            <a:avLst/>
+          </a:prstGeom>
+          <a:ln w="28575">
+            <a:solidFill>
+              <a:schemeClr val="tx1"/>
+            </a:solidFill>
+            <a:tailEnd type="triangle"/>
+          </a:ln>
+        </p:spPr>
+        <p:style>
+          <a:lnRef idx="1">
+            <a:schemeClr val="accent1"/>
+          </a:lnRef>
+          <a:fillRef idx="0">
+            <a:schemeClr val="accent1"/>
+          </a:fillRef>
+          <a:effectRef idx="0">
+            <a:schemeClr val="accent1"/>
+          </a:effectRef>
+          <a:fontRef idx="minor">
+            <a:schemeClr val="tx1"/>
+          </a:fontRef>
+        </p:style>
+      </p:cxnSp>
+      <p:cxnSp>
+        <p:nvCxnSpPr>
+          <p:cNvPr id="37" name="Elbow Connector 36"/>
+          <p:cNvCxnSpPr>
+            <a:stCxn id="30" idx="3"/>
+            <a:endCxn id="31" idx="2"/>
+          </p:cNvCxnSpPr>
+          <p:nvPr/>
+        </p:nvCxnSpPr>
+        <p:spPr>
+          <a:xfrm flipV="1">
+            <a:off x="3960340" y="4243185"/>
+            <a:ext cx="376883" cy="900554"/>
+          </a:xfrm>
+          <a:prstGeom prst="bentConnector2">
+            <a:avLst/>
+          </a:prstGeom>
+          <a:ln w="28575">
+            <a:solidFill>
+              <a:schemeClr val="tx1"/>
+            </a:solidFill>
+            <a:tailEnd type="triangle"/>
+          </a:ln>
+        </p:spPr>
+        <p:style>
+          <a:lnRef idx="1">
+            <a:schemeClr val="accent1"/>
+          </a:lnRef>
+          <a:fillRef idx="0">
+            <a:schemeClr val="accent1"/>
+          </a:fillRef>
+          <a:effectRef idx="0">
+            <a:schemeClr val="accent1"/>
+          </a:effectRef>
+          <a:fontRef idx="minor">
+            <a:schemeClr val="tx1"/>
+          </a:fontRef>
+        </p:style>
+      </p:cxnSp>
+      <p:cxnSp>
+        <p:nvCxnSpPr>
+          <p:cNvPr id="43" name="Straight Arrow Connector 42"/>
+          <p:cNvCxnSpPr>
+            <a:stCxn id="31" idx="3"/>
+            <a:endCxn id="26" idx="1"/>
+          </p:cNvCxnSpPr>
+          <p:nvPr/>
+        </p:nvCxnSpPr>
+        <p:spPr>
+          <a:xfrm>
+            <a:off x="5898293" y="3723504"/>
+            <a:ext cx="1795849" cy="0"/>
+          </a:xfrm>
+          <a:prstGeom prst="straightConnector1">
+            <a:avLst/>
+          </a:prstGeom>
+          <a:ln w="28575">
+            <a:solidFill>
+              <a:schemeClr val="tx1"/>
+            </a:solidFill>
+            <a:tailEnd type="triangle"/>
+          </a:ln>
+        </p:spPr>
+        <p:style>
+          <a:lnRef idx="1">
+            <a:schemeClr val="accent1"/>
+          </a:lnRef>
+          <a:fillRef idx="0">
+            <a:schemeClr val="accent1"/>
+          </a:fillRef>
+          <a:effectRef idx="0">
+            <a:schemeClr val="accent1"/>
+          </a:effectRef>
+          <a:fontRef idx="minor">
+            <a:schemeClr val="tx1"/>
+          </a:fontRef>
+        </p:style>
+      </p:cxnSp>
+      <p:cxnSp>
+        <p:nvCxnSpPr>
+          <p:cNvPr id="55" name="Elbow Connector 54"/>
+          <p:cNvCxnSpPr>
+            <a:stCxn id="28" idx="3"/>
+          </p:cNvCxnSpPr>
+          <p:nvPr/>
+        </p:nvCxnSpPr>
+        <p:spPr>
+          <a:xfrm>
+            <a:off x="3960340" y="2303269"/>
+            <a:ext cx="2918255" cy="1420234"/>
+          </a:xfrm>
+          <a:prstGeom prst="bentConnector3">
+            <a:avLst>
+              <a:gd name="adj1" fmla="val 99965"/>
+            </a:avLst>
+          </a:prstGeom>
+          <a:ln w="28575">
+            <a:solidFill>
+              <a:schemeClr val="tx1"/>
+            </a:solidFill>
+            <a:tailEnd type="triangle"/>
+          </a:ln>
+        </p:spPr>
+        <p:style>
+          <a:lnRef idx="1">
+            <a:schemeClr val="accent1"/>
+          </a:lnRef>
+          <a:fillRef idx="0">
+            <a:schemeClr val="accent1"/>
+          </a:fillRef>
+          <a:effectRef idx="0">
+            <a:schemeClr val="accent1"/>
+          </a:effectRef>
+          <a:fontRef idx="minor">
+            <a:schemeClr val="tx1"/>
+          </a:fontRef>
+        </p:style>
+      </p:cxnSp>
+      <p:cxnSp>
+        <p:nvCxnSpPr>
+          <p:cNvPr id="59" name="Elbow Connector 58"/>
+          <p:cNvCxnSpPr>
+            <a:stCxn id="30" idx="3"/>
+          </p:cNvCxnSpPr>
+          <p:nvPr/>
+        </p:nvCxnSpPr>
+        <p:spPr>
+          <a:xfrm flipV="1">
+            <a:off x="3960340" y="3723503"/>
+            <a:ext cx="2918255" cy="1420236"/>
+          </a:xfrm>
+          <a:prstGeom prst="bentConnector3">
+            <a:avLst>
+              <a:gd name="adj1" fmla="val 99965"/>
+            </a:avLst>
+          </a:prstGeom>
+          <a:ln w="28575">
+            <a:solidFill>
+              <a:schemeClr val="tx1"/>
+            </a:solidFill>
+            <a:tailEnd type="triangle"/>
+          </a:ln>
+        </p:spPr>
+        <p:style>
+          <a:lnRef idx="1">
+            <a:schemeClr val="accent1"/>
+          </a:lnRef>
+          <a:fillRef idx="0">
+            <a:schemeClr val="accent1"/>
+          </a:fillRef>
+          <a:effectRef idx="0">
+            <a:schemeClr val="accent1"/>
+          </a:effectRef>
+          <a:fontRef idx="minor">
+            <a:schemeClr val="tx1"/>
+          </a:fontRef>
+        </p:style>
+      </p:cxnSp>
+    </p:spTree>
+    <p:extLst>
+      <p:ext uri="{BB962C8B-B14F-4D97-AF65-F5344CB8AC3E}">
+        <p14:creationId xmlns:p14="http://schemas.microsoft.com/office/powerpoint/2010/main" val="3810688552"/>
+      </p:ext>
+    </p:extLst>
+  </p:cSld>
+  <p:clrMapOvr>
+    <a:masterClrMapping/>
+  </p:clrMapOvr>
+  <p:timing>
+    <p:tnLst>
+      <p:par>
+        <p:cTn id="1" dur="indefinite" restart="never" nodeType="tmRoot"/>
+      </p:par>
+    </p:tnLst>
+  </p:timing>
+</p:sld>
+</file>
+
+<file path=ppt/slides/slide29.xml><?xml version="1.0" encoding="utf-8"?>
+<p:sld xmlns:a="http://schemas.openxmlformats.org/drawingml/2006/main" xmlns:r="http://schemas.openxmlformats.org/officeDocument/2006/relationships" xmlns:p="http://schemas.openxmlformats.org/presentationml/2006/main">
+  <p:cSld>
+    <p:spTree>
+      <p:nvGrpSpPr>
+        <p:cNvPr id="1" name=""/>
+        <p:cNvGrpSpPr/>
+        <p:nvPr/>
+      </p:nvGrpSpPr>
+      <p:grpSpPr>
+        <a:xfrm>
+          <a:off x="0" y="0"/>
+          <a:ext cx="0" cy="0"/>
+          <a:chOff x="0" y="0"/>
+          <a:chExt cx="0" cy="0"/>
+        </a:xfrm>
+      </p:grpSpPr>
+      <p:sp>
+        <p:nvSpPr>
+          <p:cNvPr id="4" name="Title 3"/>
+          <p:cNvSpPr>
+            <a:spLocks noGrp="1"/>
+          </p:cNvSpPr>
+          <p:nvPr>
+            <p:ph type="title"/>
+          </p:nvPr>
+        </p:nvSpPr>
+        <p:spPr/>
+        <p:txBody>
+          <a:bodyPr/>
+          <a:lstStyle/>
+          <a:p>
+            <a:r>
+              <a:rPr lang="en-US" dirty="0" smtClean="0"/>
+              <a:t>Key differences</a:t>
+            </a:r>
+            <a:endParaRPr lang="en-US" dirty="0"/>
+          </a:p>
+        </p:txBody>
+      </p:sp>
+      <p:sp>
+        <p:nvSpPr>
+          <p:cNvPr id="5" name="Text Placeholder 4"/>
+          <p:cNvSpPr>
+            <a:spLocks noGrp="1"/>
+          </p:cNvSpPr>
+          <p:nvPr>
+            <p:ph type="body" idx="1"/>
+          </p:nvPr>
+        </p:nvSpPr>
+        <p:spPr/>
+        <p:txBody>
+          <a:bodyPr/>
+          <a:lstStyle/>
+          <a:p>
+            <a:r>
+              <a:rPr lang="en-US" dirty="0" smtClean="0"/>
+              <a:t>Radium</a:t>
+            </a:r>
+            <a:endParaRPr lang="en-US" dirty="0"/>
+          </a:p>
+        </p:txBody>
+      </p:sp>
+      <p:sp>
+        <p:nvSpPr>
+          <p:cNvPr id="6" name="Content Placeholder 5"/>
+          <p:cNvSpPr>
+            <a:spLocks noGrp="1"/>
+          </p:cNvSpPr>
+          <p:nvPr>
+            <p:ph sz="half" idx="2"/>
+          </p:nvPr>
+        </p:nvSpPr>
+        <p:spPr/>
+        <p:txBody>
+          <a:bodyPr/>
+          <a:lstStyle/>
+          <a:p>
+            <a:r>
+              <a:rPr lang="en-US" dirty="0" smtClean="0"/>
+              <a:t>Sorption dominated by minerals</a:t>
+            </a:r>
+          </a:p>
+          <a:p>
+            <a:r>
+              <a:rPr lang="en-US" dirty="0" smtClean="0"/>
+              <a:t>Increase or decrease sorption by induced mineral transformations</a:t>
+            </a:r>
+          </a:p>
+          <a:p>
+            <a:r>
+              <a:rPr lang="en-US" dirty="0" smtClean="0"/>
+              <a:t>Useful as a tracer for groundwater flow into oceans, hydraulic fracturing activities</a:t>
+            </a:r>
+            <a:endParaRPr lang="en-US" dirty="0"/>
+          </a:p>
+        </p:txBody>
+      </p:sp>
+      <p:sp>
+        <p:nvSpPr>
+          <p:cNvPr id="7" name="Text Placeholder 6"/>
+          <p:cNvSpPr>
+            <a:spLocks noGrp="1"/>
+          </p:cNvSpPr>
+          <p:nvPr>
+            <p:ph type="body" sz="quarter" idx="3"/>
+          </p:nvPr>
+        </p:nvSpPr>
+        <p:spPr/>
+        <p:txBody>
+          <a:bodyPr/>
+          <a:lstStyle/>
+          <a:p>
+            <a:r>
+              <a:rPr lang="en-US" dirty="0" smtClean="0"/>
+              <a:t>Iodine</a:t>
+            </a:r>
+            <a:endParaRPr lang="en-US" dirty="0"/>
+          </a:p>
+        </p:txBody>
+      </p:sp>
+      <p:sp>
+        <p:nvSpPr>
+          <p:cNvPr id="8" name="Content Placeholder 7"/>
+          <p:cNvSpPr>
+            <a:spLocks noGrp="1"/>
+          </p:cNvSpPr>
+          <p:nvPr>
+            <p:ph sz="quarter" idx="4"/>
+          </p:nvPr>
+        </p:nvSpPr>
+        <p:spPr/>
+        <p:txBody>
+          <a:bodyPr/>
+          <a:lstStyle/>
+          <a:p>
+            <a:r>
+              <a:rPr lang="en-US" dirty="0" smtClean="0"/>
+              <a:t>Sorption and transformation dominated by organic matter</a:t>
+            </a:r>
+          </a:p>
+          <a:p>
+            <a:r>
+              <a:rPr lang="en-US" dirty="0" smtClean="0"/>
+              <a:t>Changes in speciation and sorption by induced mineral transformations</a:t>
+            </a:r>
+          </a:p>
+          <a:p>
+            <a:r>
+              <a:rPr lang="en-US" dirty="0" smtClean="0"/>
+              <a:t>Tracer for nuclear activity, organic matter-iodine cycling</a:t>
+            </a:r>
+          </a:p>
+          <a:p>
+            <a:endParaRPr lang="en-US" dirty="0"/>
+          </a:p>
+        </p:txBody>
+      </p:sp>
+    </p:spTree>
+    <p:extLst>
+      <p:ext uri="{BB962C8B-B14F-4D97-AF65-F5344CB8AC3E}">
+        <p14:creationId xmlns:p14="http://schemas.microsoft.com/office/powerpoint/2010/main" val="1581888240"/>
+      </p:ext>
+    </p:extLst>
+  </p:cSld>
+  <p:clrMapOvr>
+    <a:masterClrMapping/>
+  </p:clrMapOvr>
+  <p:timing>
+    <p:tnLst>
+      <p:par>
+        <p:cTn id="1" dur="indefinite" restart="never" nodeType="tmRoot"/>
+      </p:par>
+    </p:tnLst>
+  </p:timing>
 </p:sld>
 </file>
 
@@ -5329,6 +7445,1060 @@
     <p:extLst>
       <p:ext uri="{BB962C8B-B14F-4D97-AF65-F5344CB8AC3E}">
         <p14:creationId xmlns:p14="http://schemas.microsoft.com/office/powerpoint/2010/main" val="1653660564"/>
+      </p:ext>
+    </p:extLst>
+  </p:cSld>
+  <p:clrMapOvr>
+    <a:masterClrMapping/>
+  </p:clrMapOvr>
+  <p:timing>
+    <p:tnLst>
+      <p:par>
+        <p:cTn id="1" dur="indefinite" restart="never" nodeType="tmRoot"/>
+      </p:par>
+    </p:tnLst>
+  </p:timing>
+</p:sld>
+</file>
+
+<file path=ppt/slides/slide30.xml><?xml version="1.0" encoding="utf-8"?>
+<p:sld xmlns:a="http://schemas.openxmlformats.org/drawingml/2006/main" xmlns:r="http://schemas.openxmlformats.org/officeDocument/2006/relationships" xmlns:p="http://schemas.openxmlformats.org/presentationml/2006/main">
+  <p:cSld>
+    <p:spTree>
+      <p:nvGrpSpPr>
+        <p:cNvPr id="1" name=""/>
+        <p:cNvGrpSpPr/>
+        <p:nvPr/>
+      </p:nvGrpSpPr>
+      <p:grpSpPr>
+        <a:xfrm>
+          <a:off x="0" y="0"/>
+          <a:ext cx="0" cy="0"/>
+          <a:chOff x="0" y="0"/>
+          <a:chExt cx="0" cy="0"/>
+        </a:xfrm>
+      </p:grpSpPr>
+      <p:sp>
+        <p:nvSpPr>
+          <p:cNvPr id="7" name="Title 6"/>
+          <p:cNvSpPr>
+            <a:spLocks noGrp="1"/>
+          </p:cNvSpPr>
+          <p:nvPr>
+            <p:ph type="title"/>
+          </p:nvPr>
+        </p:nvSpPr>
+        <p:spPr/>
+        <p:txBody>
+          <a:bodyPr/>
+          <a:lstStyle/>
+          <a:p>
+            <a:r>
+              <a:rPr lang="en-US" dirty="0" smtClean="0"/>
+              <a:t>Timeline</a:t>
+            </a:r>
+            <a:endParaRPr lang="en-US" dirty="0"/>
+          </a:p>
+        </p:txBody>
+      </p:sp>
+      <p:sp>
+        <p:nvSpPr>
+          <p:cNvPr id="9" name="Rectangle 8"/>
+          <p:cNvSpPr/>
+          <p:nvPr/>
+        </p:nvSpPr>
+        <p:spPr>
+          <a:xfrm>
+            <a:off x="313039" y="2551568"/>
+            <a:ext cx="2883242" cy="1145818"/>
+          </a:xfrm>
+          <a:prstGeom prst="rect">
+            <a:avLst/>
+          </a:prstGeom>
+        </p:spPr>
+        <p:style>
+          <a:lnRef idx="2">
+            <a:schemeClr val="accent1">
+              <a:shade val="50000"/>
+            </a:schemeClr>
+          </a:lnRef>
+          <a:fillRef idx="1">
+            <a:schemeClr val="accent1"/>
+          </a:fillRef>
+          <a:effectRef idx="0">
+            <a:schemeClr val="accent1"/>
+          </a:effectRef>
+          <a:fontRef idx="minor">
+            <a:schemeClr val="lt1"/>
+          </a:fontRef>
+        </p:style>
+        <p:txBody>
+          <a:bodyPr rtlCol="0" anchor="ctr"/>
+          <a:lstStyle/>
+          <a:p>
+            <a:pPr algn="ctr"/>
+            <a:r>
+              <a:rPr lang="en-US" dirty="0" smtClean="0"/>
+              <a:t>Ra sorption</a:t>
+            </a:r>
+          </a:p>
+          <a:p>
+            <a:pPr algn="ctr"/>
+            <a:r>
+              <a:rPr lang="en-US" dirty="0" smtClean="0"/>
+              <a:t>I-OM kinetics at Synchrotron</a:t>
+            </a:r>
+          </a:p>
+          <a:p>
+            <a:pPr algn="ctr"/>
+            <a:r>
+              <a:rPr lang="en-US" dirty="0" smtClean="0"/>
+              <a:t>Initial field work in PA</a:t>
+            </a:r>
+            <a:endParaRPr lang="en-US" dirty="0"/>
+          </a:p>
+        </p:txBody>
+      </p:sp>
+      <p:sp>
+        <p:nvSpPr>
+          <p:cNvPr id="12" name="Rectangle 11"/>
+          <p:cNvSpPr/>
+          <p:nvPr/>
+        </p:nvSpPr>
+        <p:spPr>
+          <a:xfrm>
+            <a:off x="2642964" y="3697386"/>
+            <a:ext cx="2687215" cy="1145818"/>
+          </a:xfrm>
+          <a:prstGeom prst="rect">
+            <a:avLst/>
+          </a:prstGeom>
+        </p:spPr>
+        <p:style>
+          <a:lnRef idx="2">
+            <a:schemeClr val="accent1">
+              <a:shade val="50000"/>
+            </a:schemeClr>
+          </a:lnRef>
+          <a:fillRef idx="1">
+            <a:schemeClr val="accent1"/>
+          </a:fillRef>
+          <a:effectRef idx="0">
+            <a:schemeClr val="accent1"/>
+          </a:effectRef>
+          <a:fontRef idx="minor">
+            <a:schemeClr val="lt1"/>
+          </a:fontRef>
+        </p:style>
+        <p:txBody>
+          <a:bodyPr rtlCol="0" anchor="ctr"/>
+          <a:lstStyle/>
+          <a:p>
+            <a:pPr algn="ctr"/>
+            <a:r>
+              <a:rPr lang="en-US" dirty="0" smtClean="0"/>
+              <a:t>I batch sorption</a:t>
+            </a:r>
+          </a:p>
+          <a:p>
+            <a:pPr algn="ctr"/>
+            <a:r>
+              <a:rPr lang="en-US" dirty="0" smtClean="0"/>
+              <a:t>Begin column experiments</a:t>
+            </a:r>
+          </a:p>
+          <a:p>
+            <a:pPr algn="ctr"/>
+            <a:r>
+              <a:rPr lang="en-US" dirty="0" smtClean="0"/>
+              <a:t>Prepare HI field work</a:t>
+            </a:r>
+          </a:p>
+        </p:txBody>
+      </p:sp>
+      <p:sp>
+        <p:nvSpPr>
+          <p:cNvPr id="13" name="Rectangle 12"/>
+          <p:cNvSpPr/>
+          <p:nvPr/>
+        </p:nvSpPr>
+        <p:spPr>
+          <a:xfrm>
+            <a:off x="4656310" y="2550136"/>
+            <a:ext cx="3209729" cy="1145818"/>
+          </a:xfrm>
+          <a:prstGeom prst="rect">
+            <a:avLst/>
+          </a:prstGeom>
+        </p:spPr>
+        <p:style>
+          <a:lnRef idx="2">
+            <a:schemeClr val="accent1">
+              <a:shade val="50000"/>
+            </a:schemeClr>
+          </a:lnRef>
+          <a:fillRef idx="1">
+            <a:schemeClr val="accent1"/>
+          </a:fillRef>
+          <a:effectRef idx="0">
+            <a:schemeClr val="accent1"/>
+          </a:effectRef>
+          <a:fontRef idx="minor">
+            <a:schemeClr val="lt1"/>
+          </a:fontRef>
+        </p:style>
+        <p:txBody>
+          <a:bodyPr rtlCol="0" anchor="ctr"/>
+          <a:lstStyle/>
+          <a:p>
+            <a:pPr algn="ctr"/>
+            <a:r>
+              <a:rPr lang="en-US" dirty="0" smtClean="0"/>
+              <a:t>Classes completed</a:t>
+            </a:r>
+          </a:p>
+          <a:p>
+            <a:pPr algn="ctr"/>
+            <a:r>
+              <a:rPr lang="en-US" dirty="0" smtClean="0"/>
+              <a:t>Finish column experiments</a:t>
+            </a:r>
+          </a:p>
+          <a:p>
+            <a:pPr algn="ctr"/>
+            <a:r>
+              <a:rPr lang="en-US" dirty="0" smtClean="0"/>
+              <a:t>Continue field work in HI and PA</a:t>
+            </a:r>
+          </a:p>
+        </p:txBody>
+      </p:sp>
+      <p:sp>
+        <p:nvSpPr>
+          <p:cNvPr id="14" name="Rectangle 13"/>
+          <p:cNvSpPr/>
+          <p:nvPr/>
+        </p:nvSpPr>
+        <p:spPr>
+          <a:xfrm>
+            <a:off x="7041164" y="3700250"/>
+            <a:ext cx="2853318" cy="1142954"/>
+          </a:xfrm>
+          <a:prstGeom prst="rect">
+            <a:avLst/>
+          </a:prstGeom>
+        </p:spPr>
+        <p:style>
+          <a:lnRef idx="2">
+            <a:schemeClr val="accent1">
+              <a:shade val="50000"/>
+            </a:schemeClr>
+          </a:lnRef>
+          <a:fillRef idx="1">
+            <a:schemeClr val="accent1"/>
+          </a:fillRef>
+          <a:effectRef idx="0">
+            <a:schemeClr val="accent1"/>
+          </a:effectRef>
+          <a:fontRef idx="minor">
+            <a:schemeClr val="lt1"/>
+          </a:fontRef>
+        </p:style>
+        <p:txBody>
+          <a:bodyPr rtlCol="0" anchor="ctr"/>
+          <a:lstStyle/>
+          <a:p>
+            <a:pPr algn="ctr"/>
+            <a:r>
+              <a:rPr lang="en-US" dirty="0" smtClean="0"/>
+              <a:t>Develop models</a:t>
+            </a:r>
+          </a:p>
+          <a:p>
+            <a:pPr algn="ctr"/>
+            <a:r>
+              <a:rPr lang="en-US" dirty="0"/>
+              <a:t>T</a:t>
+            </a:r>
+            <a:r>
+              <a:rPr lang="en-US" dirty="0" smtClean="0"/>
+              <a:t>hesis writing</a:t>
+            </a:r>
+          </a:p>
+        </p:txBody>
+      </p:sp>
+      <p:sp>
+        <p:nvSpPr>
+          <p:cNvPr id="15" name="Rectangle 14"/>
+          <p:cNvSpPr/>
+          <p:nvPr/>
+        </p:nvSpPr>
+        <p:spPr>
+          <a:xfrm>
+            <a:off x="9568786" y="2551568"/>
+            <a:ext cx="1361176" cy="1145817"/>
+          </a:xfrm>
+          <a:prstGeom prst="rect">
+            <a:avLst/>
+          </a:prstGeom>
+        </p:spPr>
+        <p:style>
+          <a:lnRef idx="2">
+            <a:schemeClr val="accent1">
+              <a:shade val="50000"/>
+            </a:schemeClr>
+          </a:lnRef>
+          <a:fillRef idx="1">
+            <a:schemeClr val="accent1"/>
+          </a:fillRef>
+          <a:effectRef idx="0">
+            <a:schemeClr val="accent1"/>
+          </a:effectRef>
+          <a:fontRef idx="minor">
+            <a:schemeClr val="lt1"/>
+          </a:fontRef>
+        </p:style>
+        <p:txBody>
+          <a:bodyPr rtlCol="0" anchor="ctr"/>
+          <a:lstStyle/>
+          <a:p>
+            <a:pPr algn="ctr"/>
+            <a:r>
+              <a:rPr lang="en-US" dirty="0" smtClean="0"/>
+              <a:t>Defend Thesis</a:t>
+            </a:r>
+          </a:p>
+        </p:txBody>
+      </p:sp>
+      <p:cxnSp>
+        <p:nvCxnSpPr>
+          <p:cNvPr id="3" name="Straight Arrow Connector 2"/>
+          <p:cNvCxnSpPr/>
+          <p:nvPr/>
+        </p:nvCxnSpPr>
+        <p:spPr>
+          <a:xfrm>
+            <a:off x="313039" y="1990860"/>
+            <a:ext cx="11224052" cy="25439"/>
+          </a:xfrm>
+          <a:prstGeom prst="straightConnector1">
+            <a:avLst/>
+          </a:prstGeom>
+          <a:ln w="28575">
+            <a:solidFill>
+              <a:schemeClr val="tx1"/>
+            </a:solidFill>
+            <a:headEnd type="triangle"/>
+            <a:tailEnd type="triangle"/>
+          </a:ln>
+        </p:spPr>
+        <p:style>
+          <a:lnRef idx="1">
+            <a:schemeClr val="accent1"/>
+          </a:lnRef>
+          <a:fillRef idx="0">
+            <a:schemeClr val="accent1"/>
+          </a:fillRef>
+          <a:effectRef idx="0">
+            <a:schemeClr val="accent1"/>
+          </a:effectRef>
+          <a:fontRef idx="minor">
+            <a:schemeClr val="tx1"/>
+          </a:fontRef>
+        </p:style>
+      </p:cxnSp>
+      <p:sp>
+        <p:nvSpPr>
+          <p:cNvPr id="4" name="TextBox 3"/>
+          <p:cNvSpPr txBox="1"/>
+          <p:nvPr/>
+        </p:nvSpPr>
+        <p:spPr>
+          <a:xfrm>
+            <a:off x="2236149" y="1629530"/>
+            <a:ext cx="1204912" cy="369332"/>
+          </a:xfrm>
+          <a:prstGeom prst="rect">
+            <a:avLst/>
+          </a:prstGeom>
+          <a:noFill/>
+        </p:spPr>
+        <p:txBody>
+          <a:bodyPr wrap="square" rtlCol="0">
+            <a:spAutoFit/>
+          </a:bodyPr>
+          <a:lstStyle/>
+          <a:p>
+            <a:r>
+              <a:rPr lang="en-US" dirty="0" smtClean="0"/>
+              <a:t>Sept 2015</a:t>
+            </a:r>
+            <a:endParaRPr lang="en-US" dirty="0"/>
+          </a:p>
+        </p:txBody>
+      </p:sp>
+      <p:sp>
+        <p:nvSpPr>
+          <p:cNvPr id="11" name="TextBox 10"/>
+          <p:cNvSpPr txBox="1"/>
+          <p:nvPr/>
+        </p:nvSpPr>
+        <p:spPr>
+          <a:xfrm>
+            <a:off x="4292121" y="1629530"/>
+            <a:ext cx="1204912" cy="369332"/>
+          </a:xfrm>
+          <a:prstGeom prst="rect">
+            <a:avLst/>
+          </a:prstGeom>
+          <a:noFill/>
+        </p:spPr>
+        <p:txBody>
+          <a:bodyPr wrap="square" rtlCol="0">
+            <a:spAutoFit/>
+          </a:bodyPr>
+          <a:lstStyle/>
+          <a:p>
+            <a:r>
+              <a:rPr lang="en-US" dirty="0" smtClean="0"/>
+              <a:t>Jan 2016</a:t>
+            </a:r>
+            <a:endParaRPr lang="en-US" dirty="0"/>
+          </a:p>
+        </p:txBody>
+      </p:sp>
+      <p:sp>
+        <p:nvSpPr>
+          <p:cNvPr id="16" name="TextBox 15"/>
+          <p:cNvSpPr txBox="1"/>
+          <p:nvPr/>
+        </p:nvSpPr>
+        <p:spPr>
+          <a:xfrm>
+            <a:off x="6348093" y="1629530"/>
+            <a:ext cx="1204912" cy="369332"/>
+          </a:xfrm>
+          <a:prstGeom prst="rect">
+            <a:avLst/>
+          </a:prstGeom>
+          <a:noFill/>
+        </p:spPr>
+        <p:txBody>
+          <a:bodyPr wrap="square" rtlCol="0">
+            <a:spAutoFit/>
+          </a:bodyPr>
+          <a:lstStyle/>
+          <a:p>
+            <a:r>
+              <a:rPr lang="en-US" dirty="0" smtClean="0"/>
+              <a:t>Sept 2016</a:t>
+            </a:r>
+            <a:endParaRPr lang="en-US" dirty="0"/>
+          </a:p>
+        </p:txBody>
+      </p:sp>
+      <p:sp>
+        <p:nvSpPr>
+          <p:cNvPr id="17" name="TextBox 16"/>
+          <p:cNvSpPr txBox="1"/>
+          <p:nvPr/>
+        </p:nvSpPr>
+        <p:spPr>
+          <a:xfrm>
+            <a:off x="8125407" y="1629530"/>
+            <a:ext cx="1204912" cy="369332"/>
+          </a:xfrm>
+          <a:prstGeom prst="rect">
+            <a:avLst/>
+          </a:prstGeom>
+          <a:noFill/>
+        </p:spPr>
+        <p:txBody>
+          <a:bodyPr wrap="square" rtlCol="0">
+            <a:spAutoFit/>
+          </a:bodyPr>
+          <a:lstStyle/>
+          <a:p>
+            <a:r>
+              <a:rPr lang="en-US" dirty="0" smtClean="0"/>
+              <a:t>Jan 2017</a:t>
+            </a:r>
+            <a:endParaRPr lang="en-US" dirty="0"/>
+          </a:p>
+        </p:txBody>
+      </p:sp>
+      <p:sp>
+        <p:nvSpPr>
+          <p:cNvPr id="18" name="TextBox 17"/>
+          <p:cNvSpPr txBox="1"/>
+          <p:nvPr/>
+        </p:nvSpPr>
+        <p:spPr>
+          <a:xfrm>
+            <a:off x="9902721" y="1629530"/>
+            <a:ext cx="1204912" cy="369332"/>
+          </a:xfrm>
+          <a:prstGeom prst="rect">
+            <a:avLst/>
+          </a:prstGeom>
+          <a:noFill/>
+        </p:spPr>
+        <p:txBody>
+          <a:bodyPr wrap="square" rtlCol="0">
+            <a:spAutoFit/>
+          </a:bodyPr>
+          <a:lstStyle/>
+          <a:p>
+            <a:r>
+              <a:rPr lang="en-US" dirty="0" smtClean="0"/>
+              <a:t>Jun 2017</a:t>
+            </a:r>
+            <a:endParaRPr lang="en-US" dirty="0"/>
+          </a:p>
+        </p:txBody>
+      </p:sp>
+    </p:spTree>
+    <p:extLst>
+      <p:ext uri="{BB962C8B-B14F-4D97-AF65-F5344CB8AC3E}">
+        <p14:creationId xmlns:p14="http://schemas.microsoft.com/office/powerpoint/2010/main" val="1280094830"/>
+      </p:ext>
+    </p:extLst>
+  </p:cSld>
+  <p:clrMapOvr>
+    <a:masterClrMapping/>
+  </p:clrMapOvr>
+  <p:timing>
+    <p:tnLst>
+      <p:par>
+        <p:cTn id="1" dur="indefinite" restart="never" nodeType="tmRoot"/>
+      </p:par>
+    </p:tnLst>
+  </p:timing>
+</p:sld>
+</file>
+
+<file path=ppt/slides/slide31.xml><?xml version="1.0" encoding="utf-8"?>
+<p:sld xmlns:a="http://schemas.openxmlformats.org/drawingml/2006/main" xmlns:r="http://schemas.openxmlformats.org/officeDocument/2006/relationships" xmlns:p="http://schemas.openxmlformats.org/presentationml/2006/main">
+  <p:cSld>
+    <p:spTree>
+      <p:nvGrpSpPr>
+        <p:cNvPr id="1" name=""/>
+        <p:cNvGrpSpPr/>
+        <p:nvPr/>
+      </p:nvGrpSpPr>
+      <p:grpSpPr>
+        <a:xfrm>
+          <a:off x="0" y="0"/>
+          <a:ext cx="0" cy="0"/>
+          <a:chOff x="0" y="0"/>
+          <a:chExt cx="0" cy="0"/>
+        </a:xfrm>
+      </p:grpSpPr>
+      <p:sp>
+        <p:nvSpPr>
+          <p:cNvPr id="2" name="Title 1"/>
+          <p:cNvSpPr>
+            <a:spLocks noGrp="1"/>
+          </p:cNvSpPr>
+          <p:nvPr>
+            <p:ph type="title"/>
+          </p:nvPr>
+        </p:nvSpPr>
+        <p:spPr/>
+        <p:txBody>
+          <a:bodyPr/>
+          <a:lstStyle/>
+          <a:p>
+            <a:r>
+              <a:rPr lang="en-US" dirty="0" smtClean="0"/>
+              <a:t>Isotope Information</a:t>
+            </a:r>
+            <a:endParaRPr lang="en-US" dirty="0"/>
+          </a:p>
+        </p:txBody>
+      </p:sp>
+      <p:graphicFrame>
+        <p:nvGraphicFramePr>
+          <p:cNvPr id="3" name="Table 2"/>
+          <p:cNvGraphicFramePr>
+            <a:graphicFrameLocks noGrp="1"/>
+          </p:cNvGraphicFramePr>
+          <p:nvPr>
+            <p:extLst>
+              <p:ext uri="{D42A27DB-BD31-4B8C-83A1-F6EECF244321}">
+                <p14:modId xmlns:p14="http://schemas.microsoft.com/office/powerpoint/2010/main" val="3189542110"/>
+              </p:ext>
+            </p:extLst>
+          </p:nvPr>
+        </p:nvGraphicFramePr>
+        <p:xfrm>
+          <a:off x="2013327" y="2316480"/>
+          <a:ext cx="8165347" cy="2225040"/>
+        </p:xfrm>
+        <a:graphic>
+          <a:graphicData uri="http://schemas.openxmlformats.org/drawingml/2006/table">
+            <a:tbl>
+              <a:tblPr firstRow="1" bandRow="1">
+                <a:tableStyleId>{5C22544A-7EE6-4342-B048-85BDC9FD1C3A}</a:tableStyleId>
+              </a:tblPr>
+              <a:tblGrid>
+                <a:gridCol w="1160302"/>
+                <a:gridCol w="2335015"/>
+                <a:gridCol w="2335015"/>
+                <a:gridCol w="2335015"/>
+              </a:tblGrid>
+              <a:tr h="370840">
+                <a:tc>
+                  <a:txBody>
+                    <a:bodyPr/>
+                    <a:lstStyle/>
+                    <a:p>
+                      <a:r>
+                        <a:rPr lang="en-US" dirty="0" smtClean="0"/>
+                        <a:t>Isotope</a:t>
+                      </a:r>
+                      <a:endParaRPr lang="en-US" dirty="0"/>
+                    </a:p>
+                  </a:txBody>
+                  <a:tcPr/>
+                </a:tc>
+                <a:tc>
+                  <a:txBody>
+                    <a:bodyPr/>
+                    <a:lstStyle/>
+                    <a:p>
+                      <a:r>
+                        <a:rPr lang="en-US" dirty="0" smtClean="0"/>
+                        <a:t>Half life</a:t>
+                      </a:r>
+                      <a:endParaRPr lang="en-US" dirty="0"/>
+                    </a:p>
+                  </a:txBody>
+                  <a:tcPr/>
+                </a:tc>
+                <a:tc>
+                  <a:txBody>
+                    <a:bodyPr/>
+                    <a:lstStyle/>
+                    <a:p>
+                      <a:r>
+                        <a:rPr lang="en-US" dirty="0" smtClean="0"/>
+                        <a:t>Specific Activity (</a:t>
+                      </a:r>
+                      <a:r>
+                        <a:rPr lang="en-US" dirty="0" err="1" smtClean="0"/>
+                        <a:t>Bq</a:t>
+                      </a:r>
+                      <a:r>
+                        <a:rPr lang="en-US" dirty="0" smtClean="0"/>
+                        <a:t>/g)</a:t>
+                      </a:r>
+                      <a:endParaRPr lang="en-US" dirty="0"/>
+                    </a:p>
+                  </a:txBody>
+                  <a:tcPr/>
+                </a:tc>
+                <a:tc>
+                  <a:txBody>
+                    <a:bodyPr/>
+                    <a:lstStyle/>
+                    <a:p>
+                      <a:r>
+                        <a:rPr lang="en-US" dirty="0" smtClean="0"/>
+                        <a:t>Daughter Product</a:t>
+                      </a:r>
+                      <a:endParaRPr lang="en-US" dirty="0"/>
+                    </a:p>
+                  </a:txBody>
+                  <a:tcPr/>
+                </a:tc>
+              </a:tr>
+              <a:tr h="370840">
+                <a:tc>
+                  <a:txBody>
+                    <a:bodyPr/>
+                    <a:lstStyle/>
+                    <a:p>
+                      <a:r>
+                        <a:rPr lang="en-US" baseline="30000" dirty="0" smtClean="0"/>
+                        <a:t>226</a:t>
+                      </a:r>
+                      <a:r>
+                        <a:rPr lang="en-US" baseline="0" dirty="0" smtClean="0"/>
+                        <a:t>Ra</a:t>
+                      </a:r>
+                      <a:endParaRPr lang="en-US" baseline="30000" dirty="0"/>
+                    </a:p>
+                  </a:txBody>
+                  <a:tcPr/>
+                </a:tc>
+                <a:tc>
+                  <a:txBody>
+                    <a:bodyPr/>
+                    <a:lstStyle/>
+                    <a:p>
+                      <a:r>
+                        <a:rPr lang="en-US" dirty="0" smtClean="0"/>
+                        <a:t>1600 years</a:t>
+                      </a:r>
+                      <a:endParaRPr lang="en-US" dirty="0"/>
+                    </a:p>
+                  </a:txBody>
+                  <a:tcPr/>
+                </a:tc>
+                <a:tc>
+                  <a:txBody>
+                    <a:bodyPr/>
+                    <a:lstStyle/>
+                    <a:p>
+                      <a:r>
+                        <a:rPr lang="en-US" dirty="0" smtClean="0"/>
+                        <a:t>3.65E10</a:t>
+                      </a:r>
+                      <a:endParaRPr lang="en-US" dirty="0"/>
+                    </a:p>
+                  </a:txBody>
+                  <a:tcPr/>
+                </a:tc>
+                <a:tc>
+                  <a:txBody>
+                    <a:bodyPr/>
+                    <a:lstStyle/>
+                    <a:p>
+                      <a:r>
+                        <a:rPr lang="en-US" baseline="30000" dirty="0" smtClean="0"/>
+                        <a:t>222</a:t>
+                      </a:r>
+                      <a:r>
+                        <a:rPr lang="en-US" baseline="0" dirty="0" smtClean="0"/>
+                        <a:t>Rn (</a:t>
+                      </a:r>
+                      <a:r>
+                        <a:rPr lang="en-US" baseline="30000" dirty="0" smtClean="0"/>
+                        <a:t>226</a:t>
+                      </a:r>
+                      <a:r>
+                        <a:rPr lang="en-US" baseline="0" dirty="0" smtClean="0"/>
+                        <a:t>Th, </a:t>
+                      </a:r>
+                      <a:r>
+                        <a:rPr lang="en-US" baseline="30000" dirty="0" smtClean="0"/>
+                        <a:t>212</a:t>
+                      </a:r>
+                      <a:r>
+                        <a:rPr lang="en-US" baseline="0" dirty="0" smtClean="0"/>
+                        <a:t>Pb, </a:t>
+                      </a:r>
+                      <a:r>
+                        <a:rPr lang="en-US" baseline="30000" dirty="0" smtClean="0"/>
+                        <a:t>14</a:t>
+                      </a:r>
+                      <a:r>
+                        <a:rPr lang="en-US" baseline="0" dirty="0" smtClean="0"/>
+                        <a:t>C)</a:t>
+                      </a:r>
+                      <a:endParaRPr lang="en-US" baseline="30000" dirty="0"/>
+                    </a:p>
+                  </a:txBody>
+                  <a:tcPr/>
+                </a:tc>
+              </a:tr>
+              <a:tr h="370840">
+                <a:tc>
+                  <a:txBody>
+                    <a:bodyPr/>
+                    <a:lstStyle/>
+                    <a:p>
+                      <a:r>
+                        <a:rPr lang="en-US" baseline="30000" dirty="0" smtClean="0"/>
+                        <a:t>228</a:t>
+                      </a:r>
+                      <a:r>
+                        <a:rPr lang="en-US" baseline="0" dirty="0" smtClean="0"/>
+                        <a:t>Ra</a:t>
+                      </a:r>
+                      <a:endParaRPr lang="en-US" baseline="30000" dirty="0"/>
+                    </a:p>
+                  </a:txBody>
+                  <a:tcPr/>
+                </a:tc>
+                <a:tc>
+                  <a:txBody>
+                    <a:bodyPr/>
+                    <a:lstStyle/>
+                    <a:p>
+                      <a:r>
+                        <a:rPr lang="en-US" dirty="0" smtClean="0"/>
+                        <a:t>5.8 years</a:t>
+                      </a:r>
+                      <a:endParaRPr lang="en-US" dirty="0"/>
+                    </a:p>
+                  </a:txBody>
+                  <a:tcPr/>
+                </a:tc>
+                <a:tc>
+                  <a:txBody>
+                    <a:bodyPr/>
+                    <a:lstStyle/>
+                    <a:p>
+                      <a:r>
+                        <a:rPr lang="en-US" dirty="0" smtClean="0"/>
+                        <a:t>1.01E13</a:t>
+                      </a:r>
+                      <a:endParaRPr lang="en-US" dirty="0"/>
+                    </a:p>
+                  </a:txBody>
+                  <a:tcPr/>
+                </a:tc>
+                <a:tc>
+                  <a:txBody>
+                    <a:bodyPr/>
+                    <a:lstStyle/>
+                    <a:p>
+                      <a:r>
+                        <a:rPr lang="en-US" baseline="30000" dirty="0" smtClean="0"/>
+                        <a:t>228</a:t>
+                      </a:r>
+                      <a:r>
+                        <a:rPr lang="en-US" baseline="0" dirty="0" smtClean="0"/>
+                        <a:t>Ac (</a:t>
+                      </a:r>
+                      <a:r>
+                        <a:rPr lang="en-US" baseline="30000" dirty="0" smtClean="0"/>
+                        <a:t>210</a:t>
+                      </a:r>
+                      <a:r>
+                        <a:rPr lang="en-US" baseline="0" dirty="0" smtClean="0"/>
+                        <a:t>Pb, </a:t>
+                      </a:r>
+                      <a:r>
+                        <a:rPr lang="en-US" baseline="30000" dirty="0" smtClean="0"/>
+                        <a:t>14</a:t>
+                      </a:r>
+                      <a:r>
+                        <a:rPr lang="en-US" baseline="0" dirty="0" smtClean="0"/>
+                        <a:t>C)</a:t>
+                      </a:r>
+                      <a:endParaRPr lang="en-US" baseline="30000" dirty="0"/>
+                    </a:p>
+                  </a:txBody>
+                  <a:tcPr/>
+                </a:tc>
+              </a:tr>
+              <a:tr h="370840">
+                <a:tc>
+                  <a:txBody>
+                    <a:bodyPr/>
+                    <a:lstStyle/>
+                    <a:p>
+                      <a:r>
+                        <a:rPr lang="en-US" baseline="30000" dirty="0" smtClean="0"/>
+                        <a:t>224</a:t>
+                      </a:r>
+                      <a:r>
+                        <a:rPr lang="en-US" baseline="0" dirty="0" smtClean="0"/>
+                        <a:t>Ra</a:t>
+                      </a:r>
+                      <a:endParaRPr lang="en-US" baseline="30000" dirty="0"/>
+                    </a:p>
+                  </a:txBody>
+                  <a:tcPr/>
+                </a:tc>
+                <a:tc>
+                  <a:txBody>
+                    <a:bodyPr/>
+                    <a:lstStyle/>
+                    <a:p>
+                      <a:r>
+                        <a:rPr lang="en-US" dirty="0" smtClean="0"/>
+                        <a:t>3.6 days</a:t>
+                      </a:r>
+                      <a:endParaRPr lang="en-US" dirty="0"/>
+                    </a:p>
+                  </a:txBody>
+                  <a:tcPr/>
+                </a:tc>
+                <a:tc>
+                  <a:txBody>
+                    <a:bodyPr/>
+                    <a:lstStyle/>
+                    <a:p>
+                      <a:r>
+                        <a:rPr lang="en-US" dirty="0" smtClean="0"/>
+                        <a:t>5.99E15</a:t>
+                      </a:r>
+                      <a:endParaRPr lang="en-US" dirty="0"/>
+                    </a:p>
+                  </a:txBody>
+                  <a:tcPr/>
+                </a:tc>
+                <a:tc>
+                  <a:txBody>
+                    <a:bodyPr/>
+                    <a:lstStyle/>
+                    <a:p>
+                      <a:r>
+                        <a:rPr lang="en-US" baseline="30000" dirty="0" smtClean="0"/>
+                        <a:t>220</a:t>
+                      </a:r>
+                      <a:r>
+                        <a:rPr lang="en-US" baseline="0" dirty="0" smtClean="0"/>
+                        <a:t>Rn</a:t>
+                      </a:r>
+                      <a:endParaRPr lang="en-US" baseline="30000" dirty="0"/>
+                    </a:p>
+                  </a:txBody>
+                  <a:tcPr/>
+                </a:tc>
+              </a:tr>
+              <a:tr h="370840">
+                <a:tc>
+                  <a:txBody>
+                    <a:bodyPr/>
+                    <a:lstStyle/>
+                    <a:p>
+                      <a:r>
+                        <a:rPr lang="en-US" baseline="30000" dirty="0" smtClean="0"/>
+                        <a:t>131</a:t>
+                      </a:r>
+                      <a:r>
+                        <a:rPr lang="en-US" baseline="0" dirty="0" smtClean="0"/>
+                        <a:t>I</a:t>
+                      </a:r>
+                      <a:endParaRPr lang="en-US" baseline="30000" dirty="0"/>
+                    </a:p>
+                  </a:txBody>
+                  <a:tcPr/>
+                </a:tc>
+                <a:tc>
+                  <a:txBody>
+                    <a:bodyPr/>
+                    <a:lstStyle/>
+                    <a:p>
+                      <a:r>
+                        <a:rPr lang="en-US" dirty="0" smtClean="0"/>
+                        <a:t>8.0</a:t>
+                      </a:r>
+                      <a:r>
+                        <a:rPr lang="en-US" baseline="0" dirty="0" smtClean="0"/>
+                        <a:t> days</a:t>
+                      </a:r>
+                      <a:endParaRPr lang="en-US" dirty="0"/>
+                    </a:p>
+                  </a:txBody>
+                  <a:tcPr/>
+                </a:tc>
+                <a:tc>
+                  <a:txBody>
+                    <a:bodyPr/>
+                    <a:lstStyle/>
+                    <a:p>
+                      <a:r>
+                        <a:rPr lang="en-US" dirty="0" smtClean="0"/>
+                        <a:t>4.60E15</a:t>
+                      </a:r>
+                      <a:endParaRPr lang="en-US" dirty="0"/>
+                    </a:p>
+                  </a:txBody>
+                  <a:tcPr/>
+                </a:tc>
+                <a:tc>
+                  <a:txBody>
+                    <a:bodyPr/>
+                    <a:lstStyle/>
+                    <a:p>
+                      <a:r>
+                        <a:rPr lang="en-US" baseline="30000" dirty="0" smtClean="0"/>
+                        <a:t>131</a:t>
+                      </a:r>
+                      <a:r>
+                        <a:rPr lang="en-US" baseline="0" dirty="0" smtClean="0"/>
+                        <a:t>Xe (stable)</a:t>
+                      </a:r>
+                      <a:endParaRPr lang="en-US" baseline="30000" dirty="0"/>
+                    </a:p>
+                  </a:txBody>
+                  <a:tcPr/>
+                </a:tc>
+              </a:tr>
+              <a:tr h="370840">
+                <a:tc>
+                  <a:txBody>
+                    <a:bodyPr/>
+                    <a:lstStyle/>
+                    <a:p>
+                      <a:r>
+                        <a:rPr lang="en-US" baseline="30000" dirty="0" smtClean="0"/>
+                        <a:t>129</a:t>
+                      </a:r>
+                      <a:r>
+                        <a:rPr lang="en-US" baseline="0" dirty="0" smtClean="0"/>
+                        <a:t>I</a:t>
+                      </a:r>
+                      <a:endParaRPr lang="en-US" baseline="30000" dirty="0"/>
+                    </a:p>
+                  </a:txBody>
+                  <a:tcPr/>
+                </a:tc>
+                <a:tc>
+                  <a:txBody>
+                    <a:bodyPr/>
+                    <a:lstStyle/>
+                    <a:p>
+                      <a:r>
+                        <a:rPr lang="en-US" dirty="0" smtClean="0"/>
+                        <a:t>15.7</a:t>
+                      </a:r>
+                      <a:r>
+                        <a:rPr lang="en-US" baseline="0" dirty="0" smtClean="0"/>
+                        <a:t> million  years</a:t>
+                      </a:r>
+                      <a:endParaRPr lang="en-US" dirty="0"/>
+                    </a:p>
+                  </a:txBody>
+                  <a:tcPr/>
+                </a:tc>
+                <a:tc>
+                  <a:txBody>
+                    <a:bodyPr/>
+                    <a:lstStyle/>
+                    <a:p>
+                      <a:r>
+                        <a:rPr lang="en-US" dirty="0" smtClean="0"/>
+                        <a:t>6.53E6</a:t>
+                      </a:r>
+                      <a:endParaRPr lang="en-US" dirty="0"/>
+                    </a:p>
+                  </a:txBody>
+                  <a:tcPr/>
+                </a:tc>
+                <a:tc>
+                  <a:txBody>
+                    <a:bodyPr/>
+                    <a:lstStyle/>
+                    <a:p>
+                      <a:r>
+                        <a:rPr lang="en-US" baseline="30000" dirty="0" smtClean="0"/>
+                        <a:t>129</a:t>
+                      </a:r>
+                      <a:r>
+                        <a:rPr lang="en-US" baseline="0" dirty="0" smtClean="0"/>
+                        <a:t>Xe (stable)</a:t>
+                      </a:r>
+                      <a:endParaRPr lang="en-US" baseline="30000" dirty="0"/>
+                    </a:p>
+                  </a:txBody>
+                  <a:tcPr/>
+                </a:tc>
+              </a:tr>
+            </a:tbl>
+          </a:graphicData>
+        </a:graphic>
+      </p:graphicFrame>
+    </p:spTree>
+    <p:extLst>
+      <p:ext uri="{BB962C8B-B14F-4D97-AF65-F5344CB8AC3E}">
+        <p14:creationId xmlns:p14="http://schemas.microsoft.com/office/powerpoint/2010/main" val="207614859"/>
       </p:ext>
     </p:extLst>
   </p:cSld>
@@ -5431,36 +8601,36 @@
           </a:p>
         </p:txBody>
       </p:sp>
-      <p:sp>
-        <p:nvSpPr>
-          <p:cNvPr id="6" name="TextBox 5"/>
-          <p:cNvSpPr txBox="1"/>
+      <p:pic>
+        <p:nvPicPr>
+          <p:cNvPr id="7" name="Picture 6"/>
+          <p:cNvPicPr>
+            <a:picLocks noChangeAspect="1"/>
+          </p:cNvPicPr>
           <p:nvPr/>
-        </p:nvSpPr>
+        </p:nvPicPr>
+        <p:blipFill>
+          <a:blip r:embed="rId2">
+            <a:extLst>
+              <a:ext uri="{28A0092B-C50C-407E-A947-70E740481C1C}">
+                <a14:useLocalDpi xmlns:a14="http://schemas.microsoft.com/office/drawing/2010/main" val="0"/>
+              </a:ext>
+            </a:extLst>
+          </a:blip>
+          <a:stretch>
+            <a:fillRect/>
+          </a:stretch>
+        </p:blipFill>
         <p:spPr>
           <a:xfrm>
-            <a:off x="6903308" y="2133600"/>
-            <a:ext cx="4110681" cy="369332"/>
+            <a:off x="7306962" y="1526059"/>
+            <a:ext cx="3369276" cy="4492368"/>
           </a:xfrm>
           <a:prstGeom prst="rect">
             <a:avLst/>
           </a:prstGeom>
-          <a:noFill/>
-        </p:spPr>
-        <p:txBody>
-          <a:bodyPr wrap="square" rtlCol="0">
-            <a:spAutoFit/>
-          </a:bodyPr>
-          <a:lstStyle/>
-          <a:p>
-            <a:r>
-              <a:rPr lang="en-US" dirty="0" smtClean="0"/>
-              <a:t>A PICTURE A PICTURE A PICTURE</a:t>
-            </a:r>
-            <a:endParaRPr lang="en-US" dirty="0"/>
-          </a:p>
-        </p:txBody>
-      </p:sp>
+        </p:spPr>
+      </p:pic>
     </p:spTree>
     <p:extLst>
       <p:ext uri="{BB962C8B-B14F-4D97-AF65-F5344CB8AC3E}">
@@ -5471,6 +8641,13 @@
   <p:clrMapOvr>
     <a:masterClrMapping/>
   </p:clrMapOvr>
+  <p:timing>
+    <p:tnLst>
+      <p:par>
+        <p:cTn id="1" dur="indefinite" restart="never" nodeType="tmRoot"/>
+      </p:par>
+    </p:tnLst>
+  </p:timing>
 </p:sld>
 </file>
 
@@ -5595,6 +8772,13 @@
   <p:clrMapOvr>
     <a:masterClrMapping/>
   </p:clrMapOvr>
+  <p:timing>
+    <p:tnLst>
+      <p:par>
+        <p:cTn id="1" dur="indefinite" restart="never" nodeType="tmRoot"/>
+      </p:par>
+    </p:tnLst>
+  </p:timing>
 </p:sld>
 </file>
 
@@ -5667,6 +8851,13 @@
   <p:clrMapOvr>
     <a:masterClrMapping/>
   </p:clrMapOvr>
+  <p:timing>
+    <p:tnLst>
+      <p:par>
+        <p:cTn id="1" dur="indefinite" restart="never" nodeType="tmRoot"/>
+      </p:par>
+    </p:tnLst>
+  </p:timing>
 </p:sld>
 </file>
 
@@ -5749,21 +8940,30 @@
               <a:rPr lang="en-US" dirty="0" smtClean="0"/>
               <a:t>Improved understanding of isotope geochemistry enables tracer usage</a:t>
             </a:r>
-            <a:endParaRPr lang="en-US" dirty="0"/>
           </a:p>
           <a:p>
             <a:pPr lvl="1"/>
             <a:r>
+              <a:rPr lang="en-US" dirty="0"/>
+              <a:t>Radium as tracer for hydraulic fracturing, other deep water </a:t>
+            </a:r>
+            <a:r>
+              <a:rPr lang="en-US" dirty="0" smtClean="0"/>
+              <a:t>releases</a:t>
+            </a:r>
+          </a:p>
+          <a:p>
+            <a:pPr lvl="1"/>
+            <a:r>
               <a:rPr lang="en-US" dirty="0" smtClean="0"/>
               <a:t>Iodine as tracer for nuclear activities, organic matter cycling</a:t>
             </a:r>
           </a:p>
           <a:p>
-            <a:pPr lvl="1"/>
-            <a:r>
-              <a:rPr lang="en-US" dirty="0" smtClean="0"/>
-              <a:t>Radium as tracer for hydraulic fracturing, other deep water releases</a:t>
-            </a:r>
+            <a:pPr marL="0" indent="0">
+              <a:buNone/>
+            </a:pPr>
+            <a:endParaRPr lang="en-US" dirty="0" smtClean="0"/>
           </a:p>
         </p:txBody>
       </p:sp>
@@ -5777,6 +8977,13 @@
   <p:clrMapOvr>
     <a:masterClrMapping/>
   </p:clrMapOvr>
+  <p:timing>
+    <p:tnLst>
+      <p:par>
+        <p:cTn id="1" dur="indefinite" restart="never" nodeType="tmRoot"/>
+      </p:par>
+    </p:tnLst>
+  </p:timing>
 </p:sld>
 </file>
 
@@ -5854,7 +9061,7 @@
           <a:p>
             <a:r>
               <a:rPr lang="en-US" dirty="0" smtClean="0"/>
-              <a:t>Discreet, well defined anthropogenic signals</a:t>
+              <a:t>Discrete, well defined anthropogenic signals</a:t>
             </a:r>
           </a:p>
           <a:p>
@@ -5862,6 +9069,76 @@
               <a:rPr lang="en-US" dirty="0" smtClean="0"/>
               <a:t>Broad base natural signals</a:t>
             </a:r>
+          </a:p>
+          <a:p>
+            <a:r>
+              <a:rPr lang="en-US" dirty="0" smtClean="0"/>
+              <a:t>Timers for natural processes</a:t>
+            </a:r>
+          </a:p>
+        </p:txBody>
+      </p:sp>
+      <p:pic>
+        <p:nvPicPr>
+          <p:cNvPr id="3" name="Picture 2"/>
+          <p:cNvPicPr>
+            <a:picLocks noChangeAspect="1"/>
+          </p:cNvPicPr>
+          <p:nvPr/>
+        </p:nvPicPr>
+        <p:blipFill>
+          <a:blip r:embed="rId2" cstate="print">
+            <a:extLst>
+              <a:ext uri="{28A0092B-C50C-407E-A947-70E740481C1C}">
+                <a14:useLocalDpi xmlns:a14="http://schemas.microsoft.com/office/drawing/2010/main" val="0"/>
+              </a:ext>
+            </a:extLst>
+          </a:blip>
+          <a:stretch>
+            <a:fillRect/>
+          </a:stretch>
+        </p:blipFill>
+        <p:spPr>
+          <a:xfrm>
+            <a:off x="7220256" y="1314879"/>
+            <a:ext cx="3439505" cy="4844374"/>
+          </a:xfrm>
+          <a:prstGeom prst="rect">
+            <a:avLst/>
+          </a:prstGeom>
+        </p:spPr>
+      </p:pic>
+      <p:sp>
+        <p:nvSpPr>
+          <p:cNvPr id="7" name="TextBox 6"/>
+          <p:cNvSpPr txBox="1"/>
+          <p:nvPr/>
+        </p:nvSpPr>
+        <p:spPr>
+          <a:xfrm>
+            <a:off x="7348150" y="6176963"/>
+            <a:ext cx="3311611" cy="584775"/>
+          </a:xfrm>
+          <a:prstGeom prst="rect">
+            <a:avLst/>
+          </a:prstGeom>
+          <a:noFill/>
+        </p:spPr>
+        <p:txBody>
+          <a:bodyPr wrap="square" rtlCol="0">
+            <a:spAutoFit/>
+          </a:bodyPr>
+          <a:lstStyle/>
+          <a:p>
+            <a:r>
+              <a:rPr lang="en-US" sz="1600" dirty="0" smtClean="0"/>
+              <a:t>Uranium Series decay taken from en.Wikipedia.org/</a:t>
+            </a:r>
+            <a:r>
+              <a:rPr lang="en-US" sz="1600" dirty="0" err="1" smtClean="0"/>
+              <a:t>Decay_chain</a:t>
+            </a:r>
+            <a:endParaRPr lang="en-US" sz="1600" dirty="0"/>
           </a:p>
         </p:txBody>
       </p:sp>
@@ -5875,6 +9152,13 @@
   <p:clrMapOvr>
     <a:masterClrMapping/>
   </p:clrMapOvr>
+  <p:timing>
+    <p:tnLst>
+      <p:par>
+        <p:cTn id="1" dur="indefinite" restart="never" nodeType="tmRoot"/>
+      </p:par>
+    </p:tnLst>
+  </p:timing>
 </p:sld>
 </file>
 
@@ -6136,6 +9420,13 @@
   <p:clrMapOvr>
     <a:masterClrMapping/>
   </p:clrMapOvr>
+  <p:timing>
+    <p:tnLst>
+      <p:par>
+        <p:cTn id="1" dur="indefinite" restart="never" nodeType="tmRoot"/>
+      </p:par>
+    </p:tnLst>
+  </p:timing>
 </p:sld>
 </file>
 
@@ -6394,7 +9685,7 @@
   <a:extraClrSchemeLst/>
   <a:extLst>
     <a:ext uri="{05A4C25C-085E-4340-85A3-A5531E510DB2}">
-      <thm15:themeFamily xmlns:thm15="http://schemas.microsoft.com/office/thememl/2012/main" xmlns="" name="Office Theme" id="{62F939B6-93AF-4DB8-9C6B-D6C7DFDC589F}" vid="{4A3C46E8-61CC-4603-A589-7422A47A8E4A}"/>
+      <thm15:themeFamily xmlns:thm15="http://schemas.microsoft.com/office/thememl/2012/main" name="Office Theme" id="{62F939B6-93AF-4DB8-9C6B-D6C7DFDC589F}" vid="{4A3C46E8-61CC-4603-A589-7422A47A8E4A}"/>
     </a:ext>
   </a:extLst>
 </a:theme>
